--- a/Documentos/Prototipos ASN.pptx
+++ b/Documentos/Prototipos ASN.pptx
@@ -6,26 +6,27 @@
   </p:sldMasterIdLst>
   <p:sldIdLst>
     <p:sldId id="277" r:id="rId2"/>
-    <p:sldId id="278" r:id="rId3"/>
-    <p:sldId id="279" r:id="rId4"/>
-    <p:sldId id="280" r:id="rId5"/>
-    <p:sldId id="281" r:id="rId6"/>
-    <p:sldId id="282" r:id="rId7"/>
-    <p:sldId id="283" r:id="rId8"/>
-    <p:sldId id="284" r:id="rId9"/>
-    <p:sldId id="285" r:id="rId10"/>
-    <p:sldId id="286" r:id="rId11"/>
-    <p:sldId id="287" r:id="rId12"/>
-    <p:sldId id="288" r:id="rId13"/>
-    <p:sldId id="289" r:id="rId14"/>
-    <p:sldId id="290" r:id="rId15"/>
-    <p:sldId id="291" r:id="rId16"/>
-    <p:sldId id="292" r:id="rId17"/>
-    <p:sldId id="293" r:id="rId18"/>
-    <p:sldId id="294" r:id="rId19"/>
-    <p:sldId id="295" r:id="rId20"/>
-    <p:sldId id="296" r:id="rId21"/>
-    <p:sldId id="297" r:id="rId22"/>
+    <p:sldId id="299" r:id="rId3"/>
+    <p:sldId id="278" r:id="rId4"/>
+    <p:sldId id="279" r:id="rId5"/>
+    <p:sldId id="280" r:id="rId6"/>
+    <p:sldId id="281" r:id="rId7"/>
+    <p:sldId id="282" r:id="rId8"/>
+    <p:sldId id="283" r:id="rId9"/>
+    <p:sldId id="284" r:id="rId10"/>
+    <p:sldId id="285" r:id="rId11"/>
+    <p:sldId id="286" r:id="rId12"/>
+    <p:sldId id="287" r:id="rId13"/>
+    <p:sldId id="288" r:id="rId14"/>
+    <p:sldId id="289" r:id="rId15"/>
+    <p:sldId id="290" r:id="rId16"/>
+    <p:sldId id="291" r:id="rId17"/>
+    <p:sldId id="292" r:id="rId18"/>
+    <p:sldId id="293" r:id="rId19"/>
+    <p:sldId id="294" r:id="rId20"/>
+    <p:sldId id="295" r:id="rId21"/>
+    <p:sldId id="296" r:id="rId22"/>
+    <p:sldId id="297" r:id="rId23"/>
   </p:sldIdLst>
   <p:sldSz cx="12192000" cy="6858000"/>
   <p:notesSz cx="6858000" cy="9144000"/>
@@ -281,7 +282,7 @@
           <a:p>
             <a:fld id="{12D47082-DEE0-4172-B4B5-F7FDE94EB7DD}" type="datetimeFigureOut">
               <a:rPr lang="es-MX" smtClean="0"/>
-              <a:t>13/02/2019</a:t>
+              <a:t>18/02/2019</a:t>
             </a:fld>
             <a:endParaRPr lang="es-MX"/>
           </a:p>
@@ -481,7 +482,7 @@
           <a:p>
             <a:fld id="{12D47082-DEE0-4172-B4B5-F7FDE94EB7DD}" type="datetimeFigureOut">
               <a:rPr lang="es-MX" smtClean="0"/>
-              <a:t>13/02/2019</a:t>
+              <a:t>18/02/2019</a:t>
             </a:fld>
             <a:endParaRPr lang="es-MX"/>
           </a:p>
@@ -691,7 +692,7 @@
           <a:p>
             <a:fld id="{12D47082-DEE0-4172-B4B5-F7FDE94EB7DD}" type="datetimeFigureOut">
               <a:rPr lang="es-MX" smtClean="0"/>
-              <a:t>13/02/2019</a:t>
+              <a:t>18/02/2019</a:t>
             </a:fld>
             <a:endParaRPr lang="es-MX"/>
           </a:p>
@@ -891,7 +892,7 @@
           <a:p>
             <a:fld id="{12D47082-DEE0-4172-B4B5-F7FDE94EB7DD}" type="datetimeFigureOut">
               <a:rPr lang="es-MX" smtClean="0"/>
-              <a:t>13/02/2019</a:t>
+              <a:t>18/02/2019</a:t>
             </a:fld>
             <a:endParaRPr lang="es-MX"/>
           </a:p>
@@ -1167,7 +1168,7 @@
           <a:p>
             <a:fld id="{12D47082-DEE0-4172-B4B5-F7FDE94EB7DD}" type="datetimeFigureOut">
               <a:rPr lang="es-MX" smtClean="0"/>
-              <a:t>13/02/2019</a:t>
+              <a:t>18/02/2019</a:t>
             </a:fld>
             <a:endParaRPr lang="es-MX"/>
           </a:p>
@@ -1435,7 +1436,7 @@
           <a:p>
             <a:fld id="{12D47082-DEE0-4172-B4B5-F7FDE94EB7DD}" type="datetimeFigureOut">
               <a:rPr lang="es-MX" smtClean="0"/>
-              <a:t>13/02/2019</a:t>
+              <a:t>18/02/2019</a:t>
             </a:fld>
             <a:endParaRPr lang="es-MX"/>
           </a:p>
@@ -1850,7 +1851,7 @@
           <a:p>
             <a:fld id="{12D47082-DEE0-4172-B4B5-F7FDE94EB7DD}" type="datetimeFigureOut">
               <a:rPr lang="es-MX" smtClean="0"/>
-              <a:t>13/02/2019</a:t>
+              <a:t>18/02/2019</a:t>
             </a:fld>
             <a:endParaRPr lang="es-MX"/>
           </a:p>
@@ -1992,7 +1993,7 @@
           <a:p>
             <a:fld id="{12D47082-DEE0-4172-B4B5-F7FDE94EB7DD}" type="datetimeFigureOut">
               <a:rPr lang="es-MX" smtClean="0"/>
-              <a:t>13/02/2019</a:t>
+              <a:t>18/02/2019</a:t>
             </a:fld>
             <a:endParaRPr lang="es-MX"/>
           </a:p>
@@ -2105,7 +2106,7 @@
           <a:p>
             <a:fld id="{12D47082-DEE0-4172-B4B5-F7FDE94EB7DD}" type="datetimeFigureOut">
               <a:rPr lang="es-MX" smtClean="0"/>
-              <a:t>13/02/2019</a:t>
+              <a:t>18/02/2019</a:t>
             </a:fld>
             <a:endParaRPr lang="es-MX"/>
           </a:p>
@@ -2418,7 +2419,7 @@
           <a:p>
             <a:fld id="{12D47082-DEE0-4172-B4B5-F7FDE94EB7DD}" type="datetimeFigureOut">
               <a:rPr lang="es-MX" smtClean="0"/>
-              <a:t>13/02/2019</a:t>
+              <a:t>18/02/2019</a:t>
             </a:fld>
             <a:endParaRPr lang="es-MX"/>
           </a:p>
@@ -2707,7 +2708,7 @@
           <a:p>
             <a:fld id="{12D47082-DEE0-4172-B4B5-F7FDE94EB7DD}" type="datetimeFigureOut">
               <a:rPr lang="es-MX" smtClean="0"/>
-              <a:t>13/02/2019</a:t>
+              <a:t>18/02/2019</a:t>
             </a:fld>
             <a:endParaRPr lang="es-MX"/>
           </a:p>
@@ -2950,7 +2951,7 @@
           <a:p>
             <a:fld id="{12D47082-DEE0-4172-B4B5-F7FDE94EB7DD}" type="datetimeFigureOut">
               <a:rPr lang="es-MX" smtClean="0"/>
-              <a:t>13/02/2019</a:t>
+              <a:t>18/02/2019</a:t>
             </a:fld>
             <a:endParaRPr lang="es-MX"/>
           </a:p>
@@ -3444,7 +3445,7 @@
           <a:p>
             <a:r>
               <a:rPr lang="es-MX" dirty="0"/>
-              <a:t>1.1 Mapeo de conceptos</a:t>
+              <a:t>1 Catálogo de conceptos</a:t>
             </a:r>
           </a:p>
         </p:txBody>
@@ -3464,7 +3465,7 @@
           <p:nvPr>
             <p:extLst>
               <p:ext uri="{D42A27DB-BD31-4B8C-83A1-F6EECF244321}">
-                <p14:modId xmlns:p14="http://schemas.microsoft.com/office/powerpoint/2010/main" val="1675280016"/>
+                <p14:modId xmlns:p14="http://schemas.microsoft.com/office/powerpoint/2010/main" val="3902461706"/>
               </p:ext>
             </p:extLst>
           </p:nvPr>
@@ -3548,36 +3549,27 @@
                     <a:bodyPr/>
                     <a:lstStyle/>
                     <a:p>
-                      <a:r>
-                        <a:rPr lang="es-MX" dirty="0"/>
-                        <a:t>Tipo Concepto</a:t>
-                      </a:r>
-                    </a:p>
-                  </a:txBody>
-                  <a:tcPr/>
-                </a:tc>
-                <a:tc>
-                  <a:txBody>
-                    <a:bodyPr/>
-                    <a:lstStyle/>
-                    <a:p>
-                      <a:r>
-                        <a:rPr lang="es-MX" dirty="0"/>
-                        <a:t>Id Concepto PS</a:t>
-                      </a:r>
-                    </a:p>
-                  </a:txBody>
-                  <a:tcPr/>
-                </a:tc>
-                <a:tc>
-                  <a:txBody>
-                    <a:bodyPr/>
-                    <a:lstStyle/>
-                    <a:p>
-                      <a:r>
-                        <a:rPr lang="es-MX" dirty="0"/>
-                        <a:t>Concepto</a:t>
-                      </a:r>
+                      <a:endParaRPr lang="es-MX" dirty="0"/>
+                    </a:p>
+                  </a:txBody>
+                  <a:tcPr/>
+                </a:tc>
+                <a:tc>
+                  <a:txBody>
+                    <a:bodyPr/>
+                    <a:lstStyle/>
+                    <a:p>
+                      <a:endParaRPr lang="es-MX" dirty="0"/>
+                    </a:p>
+                  </a:txBody>
+                  <a:tcPr/>
+                </a:tc>
+                <a:tc>
+                  <a:txBody>
+                    <a:bodyPr/>
+                    <a:lstStyle/>
+                    <a:p>
+                      <a:endParaRPr lang="es-MX" dirty="0"/>
                     </a:p>
                   </a:txBody>
                   <a:tcPr/>
@@ -3620,36 +3612,27 @@
                     <a:bodyPr/>
                     <a:lstStyle/>
                     <a:p>
-                      <a:r>
-                        <a:rPr lang="es-MX" dirty="0"/>
-                        <a:t>Percepción</a:t>
-                      </a:r>
-                    </a:p>
-                  </a:txBody>
-                  <a:tcPr/>
-                </a:tc>
-                <a:tc>
-                  <a:txBody>
-                    <a:bodyPr/>
-                    <a:lstStyle/>
-                    <a:p>
-                      <a:r>
-                        <a:rPr lang="es-MX" dirty="0"/>
-                        <a:t>1</a:t>
-                      </a:r>
-                    </a:p>
-                  </a:txBody>
-                  <a:tcPr/>
-                </a:tc>
-                <a:tc>
-                  <a:txBody>
-                    <a:bodyPr/>
-                    <a:lstStyle/>
-                    <a:p>
-                      <a:r>
-                        <a:rPr lang="es-MX" dirty="0"/>
-                        <a:t>Bonos </a:t>
-                      </a:r>
+                      <a:endParaRPr lang="es-MX" dirty="0"/>
+                    </a:p>
+                  </a:txBody>
+                  <a:tcPr/>
+                </a:tc>
+                <a:tc>
+                  <a:txBody>
+                    <a:bodyPr/>
+                    <a:lstStyle/>
+                    <a:p>
+                      <a:endParaRPr lang="es-MX" dirty="0"/>
+                    </a:p>
+                  </a:txBody>
+                  <a:tcPr/>
+                </a:tc>
+                <a:tc>
+                  <a:txBody>
+                    <a:bodyPr/>
+                    <a:lstStyle/>
+                    <a:p>
+                      <a:endParaRPr lang="es-MX" dirty="0"/>
                     </a:p>
                   </a:txBody>
                   <a:tcPr/>
@@ -3709,36 +3692,27 @@
                         <a:tabLst/>
                         <a:defRPr/>
                       </a:pPr>
-                      <a:r>
-                        <a:rPr lang="es-MX" dirty="0"/>
-                        <a:t>Percepción</a:t>
-                      </a:r>
-                    </a:p>
-                  </a:txBody>
-                  <a:tcPr/>
-                </a:tc>
-                <a:tc>
-                  <a:txBody>
-                    <a:bodyPr/>
-                    <a:lstStyle/>
-                    <a:p>
-                      <a:r>
-                        <a:rPr lang="es-MX" dirty="0"/>
-                        <a:t>1</a:t>
-                      </a:r>
-                    </a:p>
-                  </a:txBody>
-                  <a:tcPr/>
-                </a:tc>
-                <a:tc>
-                  <a:txBody>
-                    <a:bodyPr/>
-                    <a:lstStyle/>
-                    <a:p>
-                      <a:r>
-                        <a:rPr lang="es-MX" dirty="0"/>
-                        <a:t>Bonos</a:t>
-                      </a:r>
+                      <a:endParaRPr lang="es-MX" dirty="0"/>
+                    </a:p>
+                  </a:txBody>
+                  <a:tcPr/>
+                </a:tc>
+                <a:tc>
+                  <a:txBody>
+                    <a:bodyPr/>
+                    <a:lstStyle/>
+                    <a:p>
+                      <a:endParaRPr lang="es-MX" dirty="0"/>
+                    </a:p>
+                  </a:txBody>
+                  <a:tcPr/>
+                </a:tc>
+                <a:tc>
+                  <a:txBody>
+                    <a:bodyPr/>
+                    <a:lstStyle/>
+                    <a:p>
+                      <a:endParaRPr lang="es-MX" dirty="0"/>
                     </a:p>
                   </a:txBody>
                   <a:tcPr/>
@@ -3778,7 +3752,7 @@
                     <a:bodyPr/>
                     <a:lstStyle/>
                     <a:p>
-                      <a:endParaRPr lang="es-MX"/>
+                      <a:endParaRPr lang="es-MX" dirty="0"/>
                     </a:p>
                   </a:txBody>
                   <a:tcPr/>
@@ -3838,7 +3812,7 @@
                     <a:bodyPr/>
                     <a:lstStyle/>
                     <a:p>
-                      <a:endParaRPr lang="es-MX"/>
+                      <a:endParaRPr lang="es-MX" dirty="0"/>
                     </a:p>
                   </a:txBody>
                   <a:tcPr/>
@@ -3901,36 +3875,27 @@
                     <a:bodyPr/>
                     <a:lstStyle/>
                     <a:p>
-                      <a:r>
-                        <a:rPr lang="es-MX" dirty="0"/>
-                        <a:t>Deducción Impuesto</a:t>
-                      </a:r>
-                    </a:p>
-                  </a:txBody>
-                  <a:tcPr/>
-                </a:tc>
-                <a:tc>
-                  <a:txBody>
-                    <a:bodyPr/>
-                    <a:lstStyle/>
-                    <a:p>
-                      <a:r>
-                        <a:rPr lang="es-MX" dirty="0"/>
-                        <a:t>15</a:t>
-                      </a:r>
-                    </a:p>
-                  </a:txBody>
-                  <a:tcPr/>
-                </a:tc>
-                <a:tc>
-                  <a:txBody>
-                    <a:bodyPr/>
-                    <a:lstStyle/>
-                    <a:p>
-                      <a:r>
-                        <a:rPr lang="es-MX" dirty="0"/>
-                        <a:t>Ahorros</a:t>
-                      </a:r>
+                      <a:endParaRPr lang="es-MX" dirty="0"/>
+                    </a:p>
+                  </a:txBody>
+                  <a:tcPr/>
+                </a:tc>
+                <a:tc>
+                  <a:txBody>
+                    <a:bodyPr/>
+                    <a:lstStyle/>
+                    <a:p>
+                      <a:endParaRPr lang="es-MX" dirty="0"/>
+                    </a:p>
+                  </a:txBody>
+                  <a:tcPr/>
+                </a:tc>
+                <a:tc>
+                  <a:txBody>
+                    <a:bodyPr/>
+                    <a:lstStyle/>
+                    <a:p>
+                      <a:endParaRPr lang="es-MX" dirty="0"/>
                     </a:p>
                   </a:txBody>
                   <a:tcPr/>
@@ -4198,300 +4163,6 @@
         <p:spPr>
           <a:xfrm rot="10800000">
             <a:off x="3313651" y="2382474"/>
-            <a:ext cx="134225" cy="176168"/>
-          </a:xfrm>
-          <a:prstGeom prst="triangle">
-            <a:avLst/>
-          </a:prstGeom>
-          <a:solidFill>
-            <a:schemeClr val="tx1"/>
-          </a:solidFill>
-        </p:spPr>
-        <p:style>
-          <a:lnRef idx="2">
-            <a:schemeClr val="accent1">
-              <a:shade val="50000"/>
-            </a:schemeClr>
-          </a:lnRef>
-          <a:fillRef idx="1">
-            <a:schemeClr val="accent1"/>
-          </a:fillRef>
-          <a:effectRef idx="0">
-            <a:schemeClr val="accent1"/>
-          </a:effectRef>
-          <a:fontRef idx="minor">
-            <a:schemeClr val="lt1"/>
-          </a:fontRef>
-        </p:style>
-        <p:txBody>
-          <a:bodyPr rtlCol="0" anchor="ctr"/>
-          <a:lstStyle/>
-          <a:p>
-            <a:pPr algn="ctr"/>
-            <a:endParaRPr lang="es-MX"/>
-          </a:p>
-        </p:txBody>
-      </p:sp>
-      <p:sp>
-        <p:nvSpPr>
-          <p:cNvPr id="12" name="Triángulo isósceles 11">
-            <a:extLst>
-              <a:ext uri="{FF2B5EF4-FFF2-40B4-BE49-F238E27FC236}">
-                <a16:creationId xmlns:a16="http://schemas.microsoft.com/office/drawing/2014/main" id="{E852BB06-E897-4BDD-85F3-85AEFAB73AB1}"/>
-              </a:ext>
-            </a:extLst>
-          </p:cNvPr>
-          <p:cNvSpPr/>
-          <p:nvPr/>
-        </p:nvSpPr>
-        <p:spPr>
-          <a:xfrm rot="10800000">
-            <a:off x="9237677" y="3289883"/>
-            <a:ext cx="134225" cy="176168"/>
-          </a:xfrm>
-          <a:prstGeom prst="triangle">
-            <a:avLst/>
-          </a:prstGeom>
-          <a:solidFill>
-            <a:schemeClr val="tx1"/>
-          </a:solidFill>
-        </p:spPr>
-        <p:style>
-          <a:lnRef idx="2">
-            <a:schemeClr val="accent1">
-              <a:shade val="50000"/>
-            </a:schemeClr>
-          </a:lnRef>
-          <a:fillRef idx="1">
-            <a:schemeClr val="accent1"/>
-          </a:fillRef>
-          <a:effectRef idx="0">
-            <a:schemeClr val="accent1"/>
-          </a:effectRef>
-          <a:fontRef idx="minor">
-            <a:schemeClr val="lt1"/>
-          </a:fontRef>
-        </p:style>
-        <p:txBody>
-          <a:bodyPr rtlCol="0" anchor="ctr"/>
-          <a:lstStyle/>
-          <a:p>
-            <a:pPr algn="ctr"/>
-            <a:endParaRPr lang="es-MX"/>
-          </a:p>
-        </p:txBody>
-      </p:sp>
-      <p:sp>
-        <p:nvSpPr>
-          <p:cNvPr id="13" name="Triángulo isósceles 12">
-            <a:extLst>
-              <a:ext uri="{FF2B5EF4-FFF2-40B4-BE49-F238E27FC236}">
-                <a16:creationId xmlns:a16="http://schemas.microsoft.com/office/drawing/2014/main" id="{46FBCDFF-336A-435E-A809-FAC9BED58437}"/>
-              </a:ext>
-            </a:extLst>
-          </p:cNvPr>
-          <p:cNvSpPr/>
-          <p:nvPr/>
-        </p:nvSpPr>
-        <p:spPr>
-          <a:xfrm rot="10800000">
-            <a:off x="9237676" y="3675336"/>
-            <a:ext cx="134225" cy="176168"/>
-          </a:xfrm>
-          <a:prstGeom prst="triangle">
-            <a:avLst/>
-          </a:prstGeom>
-          <a:solidFill>
-            <a:schemeClr val="tx1"/>
-          </a:solidFill>
-        </p:spPr>
-        <p:style>
-          <a:lnRef idx="2">
-            <a:schemeClr val="accent1">
-              <a:shade val="50000"/>
-            </a:schemeClr>
-          </a:lnRef>
-          <a:fillRef idx="1">
-            <a:schemeClr val="accent1"/>
-          </a:fillRef>
-          <a:effectRef idx="0">
-            <a:schemeClr val="accent1"/>
-          </a:effectRef>
-          <a:fontRef idx="minor">
-            <a:schemeClr val="lt1"/>
-          </a:fontRef>
-        </p:style>
-        <p:txBody>
-          <a:bodyPr rtlCol="0" anchor="ctr"/>
-          <a:lstStyle/>
-          <a:p>
-            <a:pPr algn="ctr"/>
-            <a:endParaRPr lang="es-MX"/>
-          </a:p>
-        </p:txBody>
-      </p:sp>
-      <p:sp>
-        <p:nvSpPr>
-          <p:cNvPr id="14" name="Triángulo isósceles 13">
-            <a:extLst>
-              <a:ext uri="{FF2B5EF4-FFF2-40B4-BE49-F238E27FC236}">
-                <a16:creationId xmlns:a16="http://schemas.microsoft.com/office/drawing/2014/main" id="{F6BA541D-7406-441E-95D3-A8A310D162A5}"/>
-              </a:ext>
-            </a:extLst>
-          </p:cNvPr>
-          <p:cNvSpPr/>
-          <p:nvPr/>
-        </p:nvSpPr>
-        <p:spPr>
-          <a:xfrm rot="10800000">
-            <a:off x="9237675" y="4794827"/>
-            <a:ext cx="134225" cy="176168"/>
-          </a:xfrm>
-          <a:prstGeom prst="triangle">
-            <a:avLst/>
-          </a:prstGeom>
-          <a:solidFill>
-            <a:schemeClr val="tx1"/>
-          </a:solidFill>
-        </p:spPr>
-        <p:style>
-          <a:lnRef idx="2">
-            <a:schemeClr val="accent1">
-              <a:shade val="50000"/>
-            </a:schemeClr>
-          </a:lnRef>
-          <a:fillRef idx="1">
-            <a:schemeClr val="accent1"/>
-          </a:fillRef>
-          <a:effectRef idx="0">
-            <a:schemeClr val="accent1"/>
-          </a:effectRef>
-          <a:fontRef idx="minor">
-            <a:schemeClr val="lt1"/>
-          </a:fontRef>
-        </p:style>
-        <p:txBody>
-          <a:bodyPr rtlCol="0" anchor="ctr"/>
-          <a:lstStyle/>
-          <a:p>
-            <a:pPr algn="ctr"/>
-            <a:endParaRPr lang="es-MX"/>
-          </a:p>
-        </p:txBody>
-      </p:sp>
-      <p:sp>
-        <p:nvSpPr>
-          <p:cNvPr id="15" name="Triángulo isósceles 14">
-            <a:extLst>
-              <a:ext uri="{FF2B5EF4-FFF2-40B4-BE49-F238E27FC236}">
-                <a16:creationId xmlns:a16="http://schemas.microsoft.com/office/drawing/2014/main" id="{53BC5241-A3C7-44B8-A710-9E5F961FC224}"/>
-              </a:ext>
-            </a:extLst>
-          </p:cNvPr>
-          <p:cNvSpPr/>
-          <p:nvPr/>
-        </p:nvSpPr>
-        <p:spPr>
-          <a:xfrm rot="10800000">
-            <a:off x="8039449" y="3289883"/>
-            <a:ext cx="134225" cy="176168"/>
-          </a:xfrm>
-          <a:prstGeom prst="triangle">
-            <a:avLst/>
-          </a:prstGeom>
-          <a:solidFill>
-            <a:schemeClr val="tx1"/>
-          </a:solidFill>
-        </p:spPr>
-        <p:style>
-          <a:lnRef idx="2">
-            <a:schemeClr val="accent1">
-              <a:shade val="50000"/>
-            </a:schemeClr>
-          </a:lnRef>
-          <a:fillRef idx="1">
-            <a:schemeClr val="accent1"/>
-          </a:fillRef>
-          <a:effectRef idx="0">
-            <a:schemeClr val="accent1"/>
-          </a:effectRef>
-          <a:fontRef idx="minor">
-            <a:schemeClr val="lt1"/>
-          </a:fontRef>
-        </p:style>
-        <p:txBody>
-          <a:bodyPr rtlCol="0" anchor="ctr"/>
-          <a:lstStyle/>
-          <a:p>
-            <a:pPr algn="ctr"/>
-            <a:endParaRPr lang="es-MX"/>
-          </a:p>
-        </p:txBody>
-      </p:sp>
-      <p:sp>
-        <p:nvSpPr>
-          <p:cNvPr id="16" name="Triángulo isósceles 15">
-            <a:extLst>
-              <a:ext uri="{FF2B5EF4-FFF2-40B4-BE49-F238E27FC236}">
-                <a16:creationId xmlns:a16="http://schemas.microsoft.com/office/drawing/2014/main" id="{D54916A4-6837-4C7A-B79E-2C913F1446F8}"/>
-              </a:ext>
-            </a:extLst>
-          </p:cNvPr>
-          <p:cNvSpPr/>
-          <p:nvPr/>
-        </p:nvSpPr>
-        <p:spPr>
-          <a:xfrm rot="10800000">
-            <a:off x="8039448" y="3675336"/>
-            <a:ext cx="134225" cy="176168"/>
-          </a:xfrm>
-          <a:prstGeom prst="triangle">
-            <a:avLst/>
-          </a:prstGeom>
-          <a:solidFill>
-            <a:schemeClr val="tx1"/>
-          </a:solidFill>
-        </p:spPr>
-        <p:style>
-          <a:lnRef idx="2">
-            <a:schemeClr val="accent1">
-              <a:shade val="50000"/>
-            </a:schemeClr>
-          </a:lnRef>
-          <a:fillRef idx="1">
-            <a:schemeClr val="accent1"/>
-          </a:fillRef>
-          <a:effectRef idx="0">
-            <a:schemeClr val="accent1"/>
-          </a:effectRef>
-          <a:fontRef idx="minor">
-            <a:schemeClr val="lt1"/>
-          </a:fontRef>
-        </p:style>
-        <p:txBody>
-          <a:bodyPr rtlCol="0" anchor="ctr"/>
-          <a:lstStyle/>
-          <a:p>
-            <a:pPr algn="ctr"/>
-            <a:endParaRPr lang="es-MX"/>
-          </a:p>
-        </p:txBody>
-      </p:sp>
-      <p:sp>
-        <p:nvSpPr>
-          <p:cNvPr id="17" name="Triángulo isósceles 16">
-            <a:extLst>
-              <a:ext uri="{FF2B5EF4-FFF2-40B4-BE49-F238E27FC236}">
-                <a16:creationId xmlns:a16="http://schemas.microsoft.com/office/drawing/2014/main" id="{9F1F7816-ABAC-4016-A0C8-C3D96EA17E67}"/>
-              </a:ext>
-            </a:extLst>
-          </p:cNvPr>
-          <p:cNvSpPr/>
-          <p:nvPr/>
-        </p:nvSpPr>
-        <p:spPr>
-          <a:xfrm rot="10800000">
-            <a:off x="8039447" y="4794827"/>
             <a:ext cx="134225" cy="176168"/>
           </a:xfrm>
           <a:prstGeom prst="triangle">
@@ -4540,6 +4211,2005 @@
 </file>
 
 <file path=ppt/slides/slide10.xml><?xml version="1.0" encoding="utf-8"?>
+<p:sld xmlns:a="http://schemas.openxmlformats.org/drawingml/2006/main" xmlns:r="http://schemas.openxmlformats.org/officeDocument/2006/relationships" xmlns:p="http://schemas.openxmlformats.org/presentationml/2006/main">
+  <p:cSld>
+    <p:spTree>
+      <p:nvGrpSpPr>
+        <p:cNvPr id="1" name=""/>
+        <p:cNvGrpSpPr/>
+        <p:nvPr/>
+      </p:nvGrpSpPr>
+      <p:grpSpPr>
+        <a:xfrm>
+          <a:off x="0" y="0"/>
+          <a:ext cx="0" cy="0"/>
+          <a:chOff x="0" y="0"/>
+          <a:chExt cx="0" cy="0"/>
+        </a:xfrm>
+      </p:grpSpPr>
+      <p:pic>
+        <p:nvPicPr>
+          <p:cNvPr id="3" name="Picture 1" descr="Inicio">
+            <a:extLst>
+              <a:ext uri="{FF2B5EF4-FFF2-40B4-BE49-F238E27FC236}">
+                <a16:creationId xmlns:a16="http://schemas.microsoft.com/office/drawing/2014/main" id="{85E39C0E-B9B0-4C0A-B196-FAF9F81E5271}"/>
+              </a:ext>
+            </a:extLst>
+          </p:cNvPr>
+          <p:cNvPicPr>
+            <a:picLocks noChangeAspect="1" noChangeArrowheads="1"/>
+          </p:cNvPicPr>
+          <p:nvPr/>
+        </p:nvPicPr>
+        <p:blipFill>
+          <a:blip r:embed="rId2">
+            <a:extLst>
+              <a:ext uri="{28A0092B-C50C-407E-A947-70E740481C1C}">
+                <a14:useLocalDpi xmlns:a14="http://schemas.microsoft.com/office/drawing/2010/main" val="0"/>
+              </a:ext>
+            </a:extLst>
+          </a:blip>
+          <a:srcRect/>
+          <a:stretch>
+            <a:fillRect/>
+          </a:stretch>
+        </p:blipFill>
+        <p:spPr bwMode="auto">
+          <a:xfrm>
+            <a:off x="2508308" y="1275127"/>
+            <a:ext cx="2762250" cy="552450"/>
+          </a:xfrm>
+          <a:prstGeom prst="rect">
+            <a:avLst/>
+          </a:prstGeom>
+          <a:noFill/>
+          <a:extLst>
+            <a:ext uri="{909E8E84-426E-40DD-AFC4-6F175D3DCCD1}">
+              <a14:hiddenFill xmlns:a14="http://schemas.microsoft.com/office/drawing/2010/main">
+                <a:solidFill>
+                  <a:srgbClr val="FFFFFF"/>
+                </a:solidFill>
+              </a14:hiddenFill>
+            </a:ext>
+          </a:extLst>
+        </p:spPr>
+      </p:pic>
+      <p:sp>
+        <p:nvSpPr>
+          <p:cNvPr id="4" name="CuadroTexto 3">
+            <a:extLst>
+              <a:ext uri="{FF2B5EF4-FFF2-40B4-BE49-F238E27FC236}">
+                <a16:creationId xmlns:a16="http://schemas.microsoft.com/office/drawing/2014/main" id="{E544784B-B685-464E-A1B9-CDE4ED712386}"/>
+              </a:ext>
+            </a:extLst>
+          </p:cNvPr>
+          <p:cNvSpPr txBox="1"/>
+          <p:nvPr/>
+        </p:nvSpPr>
+        <p:spPr>
+          <a:xfrm>
+            <a:off x="0" y="0"/>
+            <a:ext cx="3254928" cy="369332"/>
+          </a:xfrm>
+          <a:prstGeom prst="rect">
+            <a:avLst/>
+          </a:prstGeom>
+          <a:noFill/>
+        </p:spPr>
+        <p:txBody>
+          <a:bodyPr wrap="square" rtlCol="0">
+            <a:spAutoFit/>
+          </a:bodyPr>
+          <a:lstStyle/>
+          <a:p>
+            <a:r>
+              <a:rPr lang="es-MX" dirty="0"/>
+              <a:t>8. ABC Carga de Documentos</a:t>
+            </a:r>
+          </a:p>
+        </p:txBody>
+      </p:sp>
+      <p:graphicFrame>
+        <p:nvGraphicFramePr>
+          <p:cNvPr id="5" name="Tabla 4">
+            <a:extLst>
+              <a:ext uri="{FF2B5EF4-FFF2-40B4-BE49-F238E27FC236}">
+                <a16:creationId xmlns:a16="http://schemas.microsoft.com/office/drawing/2014/main" id="{F1BE4F58-DC59-4E8C-944A-0F602F5783E4}"/>
+              </a:ext>
+            </a:extLst>
+          </p:cNvPr>
+          <p:cNvGraphicFramePr>
+            <a:graphicFrameLocks noGrp="1"/>
+          </p:cNvGraphicFramePr>
+          <p:nvPr>
+            <p:extLst>
+              <p:ext uri="{D42A27DB-BD31-4B8C-83A1-F6EECF244321}">
+                <p14:modId xmlns:p14="http://schemas.microsoft.com/office/powerpoint/2010/main" val="1101318276"/>
+              </p:ext>
+            </p:extLst>
+          </p:nvPr>
+        </p:nvGraphicFramePr>
+        <p:xfrm>
+          <a:off x="511727" y="2834040"/>
+          <a:ext cx="11148968" cy="3708400"/>
+        </p:xfrm>
+        <a:graphic>
+          <a:graphicData uri="http://schemas.openxmlformats.org/drawingml/2006/table">
+            <a:tbl>
+              <a:tblPr firstRow="1" bandRow="1">
+                <a:tableStyleId>{69C7853C-536D-4A76-A0AE-DD22124D55A5}</a:tableStyleId>
+              </a:tblPr>
+              <a:tblGrid>
+                <a:gridCol w="1513724">
+                  <a:extLst>
+                    <a:ext uri="{9D8B030D-6E8A-4147-A177-3AD203B41FA5}">
+                      <a16:colId xmlns:a16="http://schemas.microsoft.com/office/drawing/2014/main" val="287041030"/>
+                    </a:ext>
+                  </a:extLst>
+                </a:gridCol>
+                <a:gridCol w="3091833">
+                  <a:extLst>
+                    <a:ext uri="{9D8B030D-6E8A-4147-A177-3AD203B41FA5}">
+                      <a16:colId xmlns:a16="http://schemas.microsoft.com/office/drawing/2014/main" val="295397756"/>
+                    </a:ext>
+                  </a:extLst>
+                </a:gridCol>
+                <a:gridCol w="2659310">
+                  <a:extLst>
+                    <a:ext uri="{9D8B030D-6E8A-4147-A177-3AD203B41FA5}">
+                      <a16:colId xmlns:a16="http://schemas.microsoft.com/office/drawing/2014/main" val="17263893"/>
+                    </a:ext>
+                  </a:extLst>
+                </a:gridCol>
+                <a:gridCol w="2500687">
+                  <a:extLst>
+                    <a:ext uri="{9D8B030D-6E8A-4147-A177-3AD203B41FA5}">
+                      <a16:colId xmlns:a16="http://schemas.microsoft.com/office/drawing/2014/main" val="4284784571"/>
+                    </a:ext>
+                  </a:extLst>
+                </a:gridCol>
+                <a:gridCol w="1383414">
+                  <a:extLst>
+                    <a:ext uri="{9D8B030D-6E8A-4147-A177-3AD203B41FA5}">
+                      <a16:colId xmlns:a16="http://schemas.microsoft.com/office/drawing/2014/main" val="3972575351"/>
+                    </a:ext>
+                  </a:extLst>
+                </a:gridCol>
+              </a:tblGrid>
+              <a:tr h="370840">
+                <a:tc>
+                  <a:txBody>
+                    <a:bodyPr/>
+                    <a:lstStyle/>
+                    <a:p>
+                      <a:r>
+                        <a:rPr lang="es-MX" dirty="0"/>
+                        <a:t>Folio Solicitud</a:t>
+                      </a:r>
+                    </a:p>
+                  </a:txBody>
+                  <a:tcPr/>
+                </a:tc>
+                <a:tc>
+                  <a:txBody>
+                    <a:bodyPr/>
+                    <a:lstStyle/>
+                    <a:p>
+                      <a:r>
+                        <a:rPr lang="es-MX" dirty="0"/>
+                        <a:t>Archivo</a:t>
+                      </a:r>
+                    </a:p>
+                  </a:txBody>
+                  <a:tcPr/>
+                </a:tc>
+                <a:tc>
+                  <a:txBody>
+                    <a:bodyPr/>
+                    <a:lstStyle/>
+                    <a:p>
+                      <a:r>
+                        <a:rPr lang="es-MX" dirty="0"/>
+                        <a:t>Id Solicitante/Autorizador</a:t>
+                      </a:r>
+                    </a:p>
+                  </a:txBody>
+                  <a:tcPr/>
+                </a:tc>
+                <a:tc>
+                  <a:txBody>
+                    <a:bodyPr/>
+                    <a:lstStyle/>
+                    <a:p>
+                      <a:r>
+                        <a:rPr lang="es-MX" dirty="0"/>
+                        <a:t>Solicitante/Autorizador</a:t>
+                      </a:r>
+                    </a:p>
+                  </a:txBody>
+                  <a:tcPr/>
+                </a:tc>
+                <a:tc>
+                  <a:txBody>
+                    <a:bodyPr/>
+                    <a:lstStyle/>
+                    <a:p>
+                      <a:endParaRPr lang="es-MX" dirty="0"/>
+                    </a:p>
+                  </a:txBody>
+                  <a:tcPr/>
+                </a:tc>
+                <a:extLst>
+                  <a:ext uri="{0D108BD9-81ED-4DB2-BD59-A6C34878D82A}">
+                    <a16:rowId xmlns:a16="http://schemas.microsoft.com/office/drawing/2014/main" val="2929165909"/>
+                  </a:ext>
+                </a:extLst>
+              </a:tr>
+              <a:tr h="370840">
+                <a:tc>
+                  <a:txBody>
+                    <a:bodyPr/>
+                    <a:lstStyle/>
+                    <a:p>
+                      <a:r>
+                        <a:rPr lang="es-MX" dirty="0"/>
+                        <a:t>1</a:t>
+                      </a:r>
+                    </a:p>
+                  </a:txBody>
+                  <a:tcPr/>
+                </a:tc>
+                <a:tc>
+                  <a:txBody>
+                    <a:bodyPr/>
+                    <a:lstStyle/>
+                    <a:p>
+                      <a:pPr marL="0" marR="0" lvl="0" indent="0" algn="l" defTabSz="914400" rtl="0" eaLnBrk="1" fontAlgn="auto" latinLnBrk="0" hangingPunct="1">
+                        <a:lnSpc>
+                          <a:spcPct val="100000"/>
+                        </a:lnSpc>
+                        <a:spcBef>
+                          <a:spcPts val="0"/>
+                        </a:spcBef>
+                        <a:spcAft>
+                          <a:spcPts val="0"/>
+                        </a:spcAft>
+                        <a:buClrTx/>
+                        <a:buSzTx/>
+                        <a:buFontTx/>
+                        <a:buNone/>
+                        <a:tabLst/>
+                        <a:defRPr/>
+                      </a:pPr>
+                      <a:r>
+                        <a:rPr lang="es-MX" dirty="0"/>
+                        <a:t>Autorización_semanal.xls</a:t>
+                      </a:r>
+                    </a:p>
+                  </a:txBody>
+                  <a:tcPr/>
+                </a:tc>
+                <a:tc>
+                  <a:txBody>
+                    <a:bodyPr/>
+                    <a:lstStyle/>
+                    <a:p>
+                      <a:r>
+                        <a:rPr lang="es-MX" dirty="0"/>
+                        <a:t>1</a:t>
+                      </a:r>
+                    </a:p>
+                  </a:txBody>
+                  <a:tcPr/>
+                </a:tc>
+                <a:tc>
+                  <a:txBody>
+                    <a:bodyPr/>
+                    <a:lstStyle/>
+                    <a:p>
+                      <a:pPr marL="0" marR="0" lvl="0" indent="0" algn="l" defTabSz="914400" rtl="0" eaLnBrk="1" fontAlgn="auto" latinLnBrk="0" hangingPunct="1">
+                        <a:lnSpc>
+                          <a:spcPct val="100000"/>
+                        </a:lnSpc>
+                        <a:spcBef>
+                          <a:spcPts val="0"/>
+                        </a:spcBef>
+                        <a:spcAft>
+                          <a:spcPts val="0"/>
+                        </a:spcAft>
+                        <a:buClrTx/>
+                        <a:buSzTx/>
+                        <a:buFontTx/>
+                        <a:buNone/>
+                        <a:tabLst/>
+                        <a:defRPr/>
+                      </a:pPr>
+                      <a:r>
+                        <a:rPr lang="es-MX" dirty="0"/>
+                        <a:t>Alberto</a:t>
+                      </a:r>
+                    </a:p>
+                  </a:txBody>
+                  <a:tcPr/>
+                </a:tc>
+                <a:tc>
+                  <a:txBody>
+                    <a:bodyPr/>
+                    <a:lstStyle/>
+                    <a:p>
+                      <a:endParaRPr lang="es-MX" dirty="0"/>
+                    </a:p>
+                  </a:txBody>
+                  <a:tcPr/>
+                </a:tc>
+                <a:extLst>
+                  <a:ext uri="{0D108BD9-81ED-4DB2-BD59-A6C34878D82A}">
+                    <a16:rowId xmlns:a16="http://schemas.microsoft.com/office/drawing/2014/main" val="185459679"/>
+                  </a:ext>
+                </a:extLst>
+              </a:tr>
+              <a:tr h="370840">
+                <a:tc>
+                  <a:txBody>
+                    <a:bodyPr/>
+                    <a:lstStyle/>
+                    <a:p>
+                      <a:r>
+                        <a:rPr lang="es-MX" dirty="0"/>
+                        <a:t>1</a:t>
+                      </a:r>
+                    </a:p>
+                  </a:txBody>
+                  <a:tcPr/>
+                </a:tc>
+                <a:tc>
+                  <a:txBody>
+                    <a:bodyPr/>
+                    <a:lstStyle/>
+                    <a:p>
+                      <a:pPr marL="0" marR="0" lvl="0" indent="0" algn="l" defTabSz="914400" rtl="0" eaLnBrk="1" fontAlgn="auto" latinLnBrk="0" hangingPunct="1">
+                        <a:lnSpc>
+                          <a:spcPct val="100000"/>
+                        </a:lnSpc>
+                        <a:spcBef>
+                          <a:spcPts val="0"/>
+                        </a:spcBef>
+                        <a:spcAft>
+                          <a:spcPts val="0"/>
+                        </a:spcAft>
+                        <a:buClrTx/>
+                        <a:buSzTx/>
+                        <a:buFontTx/>
+                        <a:buNone/>
+                        <a:tabLst/>
+                        <a:defRPr/>
+                      </a:pPr>
+                      <a:r>
+                        <a:rPr lang="es-MX" dirty="0"/>
+                        <a:t>Correo_Autorización.msg</a:t>
+                      </a:r>
+                    </a:p>
+                  </a:txBody>
+                  <a:tcPr/>
+                </a:tc>
+                <a:tc>
+                  <a:txBody>
+                    <a:bodyPr/>
+                    <a:lstStyle/>
+                    <a:p>
+                      <a:r>
+                        <a:rPr lang="es-MX" dirty="0"/>
+                        <a:t>4</a:t>
+                      </a:r>
+                    </a:p>
+                  </a:txBody>
+                  <a:tcPr/>
+                </a:tc>
+                <a:tc>
+                  <a:txBody>
+                    <a:bodyPr/>
+                    <a:lstStyle/>
+                    <a:p>
+                      <a:r>
+                        <a:rPr lang="es-MX" dirty="0"/>
+                        <a:t>Darío</a:t>
+                      </a:r>
+                    </a:p>
+                  </a:txBody>
+                  <a:tcPr/>
+                </a:tc>
+                <a:tc>
+                  <a:txBody>
+                    <a:bodyPr/>
+                    <a:lstStyle/>
+                    <a:p>
+                      <a:endParaRPr lang="es-MX" dirty="0"/>
+                    </a:p>
+                  </a:txBody>
+                  <a:tcPr/>
+                </a:tc>
+                <a:extLst>
+                  <a:ext uri="{0D108BD9-81ED-4DB2-BD59-A6C34878D82A}">
+                    <a16:rowId xmlns:a16="http://schemas.microsoft.com/office/drawing/2014/main" val="3658644719"/>
+                  </a:ext>
+                </a:extLst>
+              </a:tr>
+              <a:tr h="370840">
+                <a:tc>
+                  <a:txBody>
+                    <a:bodyPr/>
+                    <a:lstStyle/>
+                    <a:p>
+                      <a:r>
+                        <a:rPr lang="es-MX" dirty="0"/>
+                        <a:t>2</a:t>
+                      </a:r>
+                    </a:p>
+                  </a:txBody>
+                  <a:tcPr/>
+                </a:tc>
+                <a:tc>
+                  <a:txBody>
+                    <a:bodyPr/>
+                    <a:lstStyle/>
+                    <a:p>
+                      <a:pPr marL="0" marR="0" lvl="0" indent="0" algn="l" defTabSz="914400" rtl="0" eaLnBrk="1" fontAlgn="auto" latinLnBrk="0" hangingPunct="1">
+                        <a:lnSpc>
+                          <a:spcPct val="100000"/>
+                        </a:lnSpc>
+                        <a:spcBef>
+                          <a:spcPts val="0"/>
+                        </a:spcBef>
+                        <a:spcAft>
+                          <a:spcPts val="0"/>
+                        </a:spcAft>
+                        <a:buClrTx/>
+                        <a:buSzTx/>
+                        <a:buFontTx/>
+                        <a:buNone/>
+                        <a:tabLst/>
+                        <a:defRPr/>
+                      </a:pPr>
+                      <a:r>
+                        <a:rPr lang="es-MX" dirty="0"/>
+                        <a:t>Confirma_Autorización.msg</a:t>
+                      </a:r>
+                    </a:p>
+                  </a:txBody>
+                  <a:tcPr/>
+                </a:tc>
+                <a:tc>
+                  <a:txBody>
+                    <a:bodyPr/>
+                    <a:lstStyle/>
+                    <a:p>
+                      <a:r>
+                        <a:rPr lang="es-MX" dirty="0"/>
+                        <a:t>2</a:t>
+                      </a:r>
+                    </a:p>
+                  </a:txBody>
+                  <a:tcPr/>
+                </a:tc>
+                <a:tc>
+                  <a:txBody>
+                    <a:bodyPr/>
+                    <a:lstStyle/>
+                    <a:p>
+                      <a:r>
+                        <a:rPr lang="es-MX" dirty="0"/>
+                        <a:t>Beatriz</a:t>
+                      </a:r>
+                    </a:p>
+                  </a:txBody>
+                  <a:tcPr/>
+                </a:tc>
+                <a:tc>
+                  <a:txBody>
+                    <a:bodyPr/>
+                    <a:lstStyle/>
+                    <a:p>
+                      <a:endParaRPr lang="es-MX" dirty="0"/>
+                    </a:p>
+                  </a:txBody>
+                  <a:tcPr/>
+                </a:tc>
+                <a:extLst>
+                  <a:ext uri="{0D108BD9-81ED-4DB2-BD59-A6C34878D82A}">
+                    <a16:rowId xmlns:a16="http://schemas.microsoft.com/office/drawing/2014/main" val="3367508404"/>
+                  </a:ext>
+                </a:extLst>
+              </a:tr>
+              <a:tr h="370840">
+                <a:tc>
+                  <a:txBody>
+                    <a:bodyPr/>
+                    <a:lstStyle/>
+                    <a:p>
+                      <a:r>
+                        <a:rPr lang="es-MX" dirty="0"/>
+                        <a:t>2</a:t>
+                      </a:r>
+                    </a:p>
+                  </a:txBody>
+                  <a:tcPr/>
+                </a:tc>
+                <a:tc>
+                  <a:txBody>
+                    <a:bodyPr/>
+                    <a:lstStyle/>
+                    <a:p>
+                      <a:pPr marL="0" marR="0" lvl="0" indent="0" algn="l" defTabSz="914400" rtl="0" eaLnBrk="1" fontAlgn="auto" latinLnBrk="0" hangingPunct="1">
+                        <a:lnSpc>
+                          <a:spcPct val="100000"/>
+                        </a:lnSpc>
+                        <a:spcBef>
+                          <a:spcPts val="0"/>
+                        </a:spcBef>
+                        <a:spcAft>
+                          <a:spcPts val="0"/>
+                        </a:spcAft>
+                        <a:buClrTx/>
+                        <a:buSzTx/>
+                        <a:buFontTx/>
+                        <a:buNone/>
+                        <a:tabLst/>
+                        <a:defRPr/>
+                      </a:pPr>
+                      <a:r>
+                        <a:rPr lang="es-MX" dirty="0"/>
+                        <a:t>Archivo_Carga.xls</a:t>
+                      </a:r>
+                    </a:p>
+                  </a:txBody>
+                  <a:tcPr/>
+                </a:tc>
+                <a:tc>
+                  <a:txBody>
+                    <a:bodyPr/>
+                    <a:lstStyle/>
+                    <a:p>
+                      <a:r>
+                        <a:rPr lang="es-MX" dirty="0"/>
+                        <a:t>3</a:t>
+                      </a:r>
+                    </a:p>
+                  </a:txBody>
+                  <a:tcPr/>
+                </a:tc>
+                <a:tc>
+                  <a:txBody>
+                    <a:bodyPr/>
+                    <a:lstStyle/>
+                    <a:p>
+                      <a:r>
+                        <a:rPr lang="es-MX" dirty="0"/>
+                        <a:t>Carlos</a:t>
+                      </a:r>
+                    </a:p>
+                  </a:txBody>
+                  <a:tcPr/>
+                </a:tc>
+                <a:tc>
+                  <a:txBody>
+                    <a:bodyPr/>
+                    <a:lstStyle/>
+                    <a:p>
+                      <a:endParaRPr lang="es-MX" dirty="0"/>
+                    </a:p>
+                  </a:txBody>
+                  <a:tcPr/>
+                </a:tc>
+                <a:extLst>
+                  <a:ext uri="{0D108BD9-81ED-4DB2-BD59-A6C34878D82A}">
+                    <a16:rowId xmlns:a16="http://schemas.microsoft.com/office/drawing/2014/main" val="1506842795"/>
+                  </a:ext>
+                </a:extLst>
+              </a:tr>
+              <a:tr h="370840">
+                <a:tc>
+                  <a:txBody>
+                    <a:bodyPr/>
+                    <a:lstStyle/>
+                    <a:p>
+                      <a:r>
+                        <a:rPr lang="es-MX" dirty="0"/>
+                        <a:t>...</a:t>
+                      </a:r>
+                    </a:p>
+                  </a:txBody>
+                  <a:tcPr/>
+                </a:tc>
+                <a:tc>
+                  <a:txBody>
+                    <a:bodyPr/>
+                    <a:lstStyle/>
+                    <a:p>
+                      <a:pPr marL="0" marR="0" lvl="0" indent="0" algn="l" defTabSz="914400" rtl="0" eaLnBrk="1" fontAlgn="auto" latinLnBrk="0" hangingPunct="1">
+                        <a:lnSpc>
+                          <a:spcPct val="100000"/>
+                        </a:lnSpc>
+                        <a:spcBef>
+                          <a:spcPts val="0"/>
+                        </a:spcBef>
+                        <a:spcAft>
+                          <a:spcPts val="0"/>
+                        </a:spcAft>
+                        <a:buClrTx/>
+                        <a:buSzTx/>
+                        <a:buFontTx/>
+                        <a:buNone/>
+                        <a:tabLst/>
+                        <a:defRPr/>
+                      </a:pPr>
+                      <a:endParaRPr lang="es-MX" dirty="0"/>
+                    </a:p>
+                  </a:txBody>
+                  <a:tcPr/>
+                </a:tc>
+                <a:tc>
+                  <a:txBody>
+                    <a:bodyPr/>
+                    <a:lstStyle/>
+                    <a:p>
+                      <a:endParaRPr lang="es-MX" dirty="0"/>
+                    </a:p>
+                  </a:txBody>
+                  <a:tcPr/>
+                </a:tc>
+                <a:tc>
+                  <a:txBody>
+                    <a:bodyPr/>
+                    <a:lstStyle/>
+                    <a:p>
+                      <a:endParaRPr lang="es-MX" dirty="0"/>
+                    </a:p>
+                  </a:txBody>
+                  <a:tcPr/>
+                </a:tc>
+                <a:tc>
+                  <a:txBody>
+                    <a:bodyPr/>
+                    <a:lstStyle/>
+                    <a:p>
+                      <a:endParaRPr lang="es-MX" dirty="0"/>
+                    </a:p>
+                  </a:txBody>
+                  <a:tcPr/>
+                </a:tc>
+                <a:extLst>
+                  <a:ext uri="{0D108BD9-81ED-4DB2-BD59-A6C34878D82A}">
+                    <a16:rowId xmlns:a16="http://schemas.microsoft.com/office/drawing/2014/main" val="3735866088"/>
+                  </a:ext>
+                </a:extLst>
+              </a:tr>
+              <a:tr h="370840">
+                <a:tc>
+                  <a:txBody>
+                    <a:bodyPr/>
+                    <a:lstStyle/>
+                    <a:p>
+                      <a:r>
+                        <a:rPr lang="es-MX" dirty="0"/>
+                        <a:t>…</a:t>
+                      </a:r>
+                    </a:p>
+                  </a:txBody>
+                  <a:tcPr/>
+                </a:tc>
+                <a:tc>
+                  <a:txBody>
+                    <a:bodyPr/>
+                    <a:lstStyle/>
+                    <a:p>
+                      <a:pPr marL="0" marR="0" lvl="0" indent="0" algn="l" defTabSz="914400" rtl="0" eaLnBrk="1" fontAlgn="auto" latinLnBrk="0" hangingPunct="1">
+                        <a:lnSpc>
+                          <a:spcPct val="100000"/>
+                        </a:lnSpc>
+                        <a:spcBef>
+                          <a:spcPts val="0"/>
+                        </a:spcBef>
+                        <a:spcAft>
+                          <a:spcPts val="0"/>
+                        </a:spcAft>
+                        <a:buClrTx/>
+                        <a:buSzTx/>
+                        <a:buFontTx/>
+                        <a:buNone/>
+                        <a:tabLst/>
+                        <a:defRPr/>
+                      </a:pPr>
+                      <a:endParaRPr lang="es-MX" dirty="0"/>
+                    </a:p>
+                  </a:txBody>
+                  <a:tcPr/>
+                </a:tc>
+                <a:tc>
+                  <a:txBody>
+                    <a:bodyPr/>
+                    <a:lstStyle/>
+                    <a:p>
+                      <a:endParaRPr lang="es-MX" dirty="0"/>
+                    </a:p>
+                  </a:txBody>
+                  <a:tcPr/>
+                </a:tc>
+                <a:tc>
+                  <a:txBody>
+                    <a:bodyPr/>
+                    <a:lstStyle/>
+                    <a:p>
+                      <a:endParaRPr lang="es-MX" dirty="0"/>
+                    </a:p>
+                  </a:txBody>
+                  <a:tcPr/>
+                </a:tc>
+                <a:tc>
+                  <a:txBody>
+                    <a:bodyPr/>
+                    <a:lstStyle/>
+                    <a:p>
+                      <a:endParaRPr lang="es-MX" dirty="0"/>
+                    </a:p>
+                  </a:txBody>
+                  <a:tcPr/>
+                </a:tc>
+                <a:extLst>
+                  <a:ext uri="{0D108BD9-81ED-4DB2-BD59-A6C34878D82A}">
+                    <a16:rowId xmlns:a16="http://schemas.microsoft.com/office/drawing/2014/main" val="333505091"/>
+                  </a:ext>
+                </a:extLst>
+              </a:tr>
+              <a:tr h="370840">
+                <a:tc>
+                  <a:txBody>
+                    <a:bodyPr/>
+                    <a:lstStyle/>
+                    <a:p>
+                      <a:r>
+                        <a:rPr lang="es-MX" dirty="0"/>
+                        <a:t>15</a:t>
+                      </a:r>
+                    </a:p>
+                  </a:txBody>
+                  <a:tcPr/>
+                </a:tc>
+                <a:tc>
+                  <a:txBody>
+                    <a:bodyPr/>
+                    <a:lstStyle/>
+                    <a:p>
+                      <a:pPr marL="0" marR="0" lvl="0" indent="0" algn="l" defTabSz="914400" rtl="0" eaLnBrk="1" fontAlgn="auto" latinLnBrk="0" hangingPunct="1">
+                        <a:lnSpc>
+                          <a:spcPct val="100000"/>
+                        </a:lnSpc>
+                        <a:spcBef>
+                          <a:spcPts val="0"/>
+                        </a:spcBef>
+                        <a:spcAft>
+                          <a:spcPts val="0"/>
+                        </a:spcAft>
+                        <a:buClrTx/>
+                        <a:buSzTx/>
+                        <a:buFontTx/>
+                        <a:buNone/>
+                        <a:tabLst/>
+                        <a:defRPr/>
+                      </a:pPr>
+                      <a:r>
+                        <a:rPr lang="es-MX" dirty="0"/>
+                        <a:t>Autorización_Pino_Suarez.xls</a:t>
+                      </a:r>
+                    </a:p>
+                  </a:txBody>
+                  <a:tcPr/>
+                </a:tc>
+                <a:tc>
+                  <a:txBody>
+                    <a:bodyPr/>
+                    <a:lstStyle/>
+                    <a:p>
+                      <a:r>
+                        <a:rPr lang="es-MX" dirty="0"/>
+                        <a:t>5</a:t>
+                      </a:r>
+                    </a:p>
+                  </a:txBody>
+                  <a:tcPr/>
+                </a:tc>
+                <a:tc>
+                  <a:txBody>
+                    <a:bodyPr/>
+                    <a:lstStyle/>
+                    <a:p>
+                      <a:r>
+                        <a:rPr lang="es-MX" dirty="0"/>
+                        <a:t>Eliza</a:t>
+                      </a:r>
+                    </a:p>
+                  </a:txBody>
+                  <a:tcPr/>
+                </a:tc>
+                <a:tc>
+                  <a:txBody>
+                    <a:bodyPr/>
+                    <a:lstStyle/>
+                    <a:p>
+                      <a:endParaRPr lang="es-MX" dirty="0"/>
+                    </a:p>
+                  </a:txBody>
+                  <a:tcPr/>
+                </a:tc>
+                <a:extLst>
+                  <a:ext uri="{0D108BD9-81ED-4DB2-BD59-A6C34878D82A}">
+                    <a16:rowId xmlns:a16="http://schemas.microsoft.com/office/drawing/2014/main" val="236918690"/>
+                  </a:ext>
+                </a:extLst>
+              </a:tr>
+              <a:tr h="370840">
+                <a:tc>
+                  <a:txBody>
+                    <a:bodyPr/>
+                    <a:lstStyle/>
+                    <a:p>
+                      <a:r>
+                        <a:rPr lang="es-MX" dirty="0"/>
+                        <a:t>…</a:t>
+                      </a:r>
+                    </a:p>
+                  </a:txBody>
+                  <a:tcPr/>
+                </a:tc>
+                <a:tc>
+                  <a:txBody>
+                    <a:bodyPr/>
+                    <a:lstStyle/>
+                    <a:p>
+                      <a:pPr marL="0" marR="0" lvl="0" indent="0" algn="l" defTabSz="914400" rtl="0" eaLnBrk="1" fontAlgn="auto" latinLnBrk="0" hangingPunct="1">
+                        <a:lnSpc>
+                          <a:spcPct val="100000"/>
+                        </a:lnSpc>
+                        <a:spcBef>
+                          <a:spcPts val="0"/>
+                        </a:spcBef>
+                        <a:spcAft>
+                          <a:spcPts val="0"/>
+                        </a:spcAft>
+                        <a:buClrTx/>
+                        <a:buSzTx/>
+                        <a:buFontTx/>
+                        <a:buNone/>
+                        <a:tabLst/>
+                        <a:defRPr/>
+                      </a:pPr>
+                      <a:endParaRPr lang="es-MX" dirty="0"/>
+                    </a:p>
+                  </a:txBody>
+                  <a:tcPr/>
+                </a:tc>
+                <a:tc>
+                  <a:txBody>
+                    <a:bodyPr/>
+                    <a:lstStyle/>
+                    <a:p>
+                      <a:endParaRPr lang="es-MX" dirty="0"/>
+                    </a:p>
+                  </a:txBody>
+                  <a:tcPr/>
+                </a:tc>
+                <a:tc>
+                  <a:txBody>
+                    <a:bodyPr/>
+                    <a:lstStyle/>
+                    <a:p>
+                      <a:endParaRPr lang="es-MX" dirty="0"/>
+                    </a:p>
+                  </a:txBody>
+                  <a:tcPr/>
+                </a:tc>
+                <a:tc>
+                  <a:txBody>
+                    <a:bodyPr/>
+                    <a:lstStyle/>
+                    <a:p>
+                      <a:endParaRPr lang="es-MX" dirty="0"/>
+                    </a:p>
+                  </a:txBody>
+                  <a:tcPr/>
+                </a:tc>
+                <a:extLst>
+                  <a:ext uri="{0D108BD9-81ED-4DB2-BD59-A6C34878D82A}">
+                    <a16:rowId xmlns:a16="http://schemas.microsoft.com/office/drawing/2014/main" val="2567443424"/>
+                  </a:ext>
+                </a:extLst>
+              </a:tr>
+              <a:tr h="370840">
+                <a:tc>
+                  <a:txBody>
+                    <a:bodyPr/>
+                    <a:lstStyle/>
+                    <a:p>
+                      <a:r>
+                        <a:rPr lang="es-MX" dirty="0"/>
+                        <a:t>…</a:t>
+                      </a:r>
+                    </a:p>
+                  </a:txBody>
+                  <a:tcPr/>
+                </a:tc>
+                <a:tc>
+                  <a:txBody>
+                    <a:bodyPr/>
+                    <a:lstStyle/>
+                    <a:p>
+                      <a:pPr marL="0" marR="0" lvl="0" indent="0" algn="l" defTabSz="914400" rtl="0" eaLnBrk="1" fontAlgn="auto" latinLnBrk="0" hangingPunct="1">
+                        <a:lnSpc>
+                          <a:spcPct val="100000"/>
+                        </a:lnSpc>
+                        <a:spcBef>
+                          <a:spcPts val="0"/>
+                        </a:spcBef>
+                        <a:spcAft>
+                          <a:spcPts val="0"/>
+                        </a:spcAft>
+                        <a:buClrTx/>
+                        <a:buSzTx/>
+                        <a:buFontTx/>
+                        <a:buNone/>
+                        <a:tabLst/>
+                        <a:defRPr/>
+                      </a:pPr>
+                      <a:endParaRPr lang="es-MX" dirty="0"/>
+                    </a:p>
+                  </a:txBody>
+                  <a:tcPr/>
+                </a:tc>
+                <a:tc>
+                  <a:txBody>
+                    <a:bodyPr/>
+                    <a:lstStyle/>
+                    <a:p>
+                      <a:endParaRPr lang="es-MX" dirty="0"/>
+                    </a:p>
+                  </a:txBody>
+                  <a:tcPr/>
+                </a:tc>
+                <a:tc>
+                  <a:txBody>
+                    <a:bodyPr/>
+                    <a:lstStyle/>
+                    <a:p>
+                      <a:endParaRPr lang="es-MX" dirty="0"/>
+                    </a:p>
+                  </a:txBody>
+                  <a:tcPr/>
+                </a:tc>
+                <a:tc>
+                  <a:txBody>
+                    <a:bodyPr/>
+                    <a:lstStyle/>
+                    <a:p>
+                      <a:endParaRPr lang="es-MX" dirty="0"/>
+                    </a:p>
+                  </a:txBody>
+                  <a:tcPr/>
+                </a:tc>
+                <a:extLst>
+                  <a:ext uri="{0D108BD9-81ED-4DB2-BD59-A6C34878D82A}">
+                    <a16:rowId xmlns:a16="http://schemas.microsoft.com/office/drawing/2014/main" val="3639933898"/>
+                  </a:ext>
+                </a:extLst>
+              </a:tr>
+            </a:tbl>
+          </a:graphicData>
+        </a:graphic>
+      </p:graphicFrame>
+      <p:sp>
+        <p:nvSpPr>
+          <p:cNvPr id="6" name="Rectángulo 5">
+            <a:extLst>
+              <a:ext uri="{FF2B5EF4-FFF2-40B4-BE49-F238E27FC236}">
+                <a16:creationId xmlns:a16="http://schemas.microsoft.com/office/drawing/2014/main" id="{88D7E01F-87ED-4149-8CB3-D9B7E3AC69F4}"/>
+              </a:ext>
+            </a:extLst>
+          </p:cNvPr>
+          <p:cNvSpPr/>
+          <p:nvPr/>
+        </p:nvSpPr>
+        <p:spPr>
+          <a:xfrm>
+            <a:off x="947955" y="2323751"/>
+            <a:ext cx="1610686" cy="310392"/>
+          </a:xfrm>
+          <a:prstGeom prst="rect">
+            <a:avLst/>
+          </a:prstGeom>
+          <a:noFill/>
+        </p:spPr>
+        <p:style>
+          <a:lnRef idx="2">
+            <a:schemeClr val="accent1">
+              <a:shade val="50000"/>
+            </a:schemeClr>
+          </a:lnRef>
+          <a:fillRef idx="1">
+            <a:schemeClr val="accent1"/>
+          </a:fillRef>
+          <a:effectRef idx="0">
+            <a:schemeClr val="accent1"/>
+          </a:effectRef>
+          <a:fontRef idx="minor">
+            <a:schemeClr val="lt1"/>
+          </a:fontRef>
+        </p:style>
+        <p:txBody>
+          <a:bodyPr rtlCol="0" anchor="ctr"/>
+          <a:lstStyle/>
+          <a:p>
+            <a:pPr algn="ctr"/>
+            <a:endParaRPr lang="es-MX"/>
+          </a:p>
+        </p:txBody>
+      </p:sp>
+      <p:sp>
+        <p:nvSpPr>
+          <p:cNvPr id="7" name="CuadroTexto 6">
+            <a:extLst>
+              <a:ext uri="{FF2B5EF4-FFF2-40B4-BE49-F238E27FC236}">
+                <a16:creationId xmlns:a16="http://schemas.microsoft.com/office/drawing/2014/main" id="{131A7C29-E420-458C-B8B3-8A9F6B0BB6C4}"/>
+              </a:ext>
+            </a:extLst>
+          </p:cNvPr>
+          <p:cNvSpPr txBox="1"/>
+          <p:nvPr/>
+        </p:nvSpPr>
+        <p:spPr>
+          <a:xfrm>
+            <a:off x="989900" y="2266210"/>
+            <a:ext cx="1224793" cy="369332"/>
+          </a:xfrm>
+          <a:prstGeom prst="rect">
+            <a:avLst/>
+          </a:prstGeom>
+          <a:noFill/>
+        </p:spPr>
+        <p:txBody>
+          <a:bodyPr wrap="square" rtlCol="0">
+            <a:spAutoFit/>
+          </a:bodyPr>
+          <a:lstStyle/>
+          <a:p>
+            <a:r>
+              <a:rPr lang="es-MX" dirty="0"/>
+              <a:t>México</a:t>
+            </a:r>
+          </a:p>
+        </p:txBody>
+      </p:sp>
+      <p:sp>
+        <p:nvSpPr>
+          <p:cNvPr id="8" name="Triángulo isósceles 7">
+            <a:extLst>
+              <a:ext uri="{FF2B5EF4-FFF2-40B4-BE49-F238E27FC236}">
+                <a16:creationId xmlns:a16="http://schemas.microsoft.com/office/drawing/2014/main" id="{30D30DC8-DE2B-4085-896F-CFDF6F7E5B90}"/>
+              </a:ext>
+            </a:extLst>
+          </p:cNvPr>
+          <p:cNvSpPr/>
+          <p:nvPr/>
+        </p:nvSpPr>
+        <p:spPr>
+          <a:xfrm rot="10800000">
+            <a:off x="2323749" y="2382474"/>
+            <a:ext cx="134225" cy="176168"/>
+          </a:xfrm>
+          <a:prstGeom prst="triangle">
+            <a:avLst/>
+          </a:prstGeom>
+          <a:solidFill>
+            <a:schemeClr val="tx1"/>
+          </a:solidFill>
+        </p:spPr>
+        <p:style>
+          <a:lnRef idx="2">
+            <a:schemeClr val="accent1">
+              <a:shade val="50000"/>
+            </a:schemeClr>
+          </a:lnRef>
+          <a:fillRef idx="1">
+            <a:schemeClr val="accent1"/>
+          </a:fillRef>
+          <a:effectRef idx="0">
+            <a:schemeClr val="accent1"/>
+          </a:effectRef>
+          <a:fontRef idx="minor">
+            <a:schemeClr val="lt1"/>
+          </a:fontRef>
+        </p:style>
+        <p:txBody>
+          <a:bodyPr rtlCol="0" anchor="ctr"/>
+          <a:lstStyle/>
+          <a:p>
+            <a:pPr algn="ctr"/>
+            <a:endParaRPr lang="es-MX"/>
+          </a:p>
+        </p:txBody>
+      </p:sp>
+      <p:sp>
+        <p:nvSpPr>
+          <p:cNvPr id="9" name="CuadroTexto 8">
+            <a:extLst>
+              <a:ext uri="{FF2B5EF4-FFF2-40B4-BE49-F238E27FC236}">
+                <a16:creationId xmlns:a16="http://schemas.microsoft.com/office/drawing/2014/main" id="{3C2BD5D6-5E32-4579-A171-80EC560A2736}"/>
+              </a:ext>
+            </a:extLst>
+          </p:cNvPr>
+          <p:cNvSpPr txBox="1"/>
+          <p:nvPr/>
+        </p:nvSpPr>
+        <p:spPr>
+          <a:xfrm>
+            <a:off x="343947" y="2264811"/>
+            <a:ext cx="604008" cy="369332"/>
+          </a:xfrm>
+          <a:prstGeom prst="rect">
+            <a:avLst/>
+          </a:prstGeom>
+          <a:noFill/>
+        </p:spPr>
+        <p:txBody>
+          <a:bodyPr wrap="square" rtlCol="0">
+            <a:spAutoFit/>
+          </a:bodyPr>
+          <a:lstStyle/>
+          <a:p>
+            <a:pPr algn="r"/>
+            <a:r>
+              <a:rPr lang="es-MX" dirty="0"/>
+              <a:t>País</a:t>
+            </a:r>
+          </a:p>
+        </p:txBody>
+      </p:sp>
+      <p:sp>
+        <p:nvSpPr>
+          <p:cNvPr id="10" name="Rectángulo 9">
+            <a:extLst>
+              <a:ext uri="{FF2B5EF4-FFF2-40B4-BE49-F238E27FC236}">
+                <a16:creationId xmlns:a16="http://schemas.microsoft.com/office/drawing/2014/main" id="{BE76B5D4-B74A-40C0-BBB1-154A4279C51C}"/>
+              </a:ext>
+            </a:extLst>
+          </p:cNvPr>
+          <p:cNvSpPr/>
+          <p:nvPr/>
+        </p:nvSpPr>
+        <p:spPr>
+          <a:xfrm>
+            <a:off x="3323440" y="2325149"/>
+            <a:ext cx="1610686" cy="310392"/>
+          </a:xfrm>
+          <a:prstGeom prst="rect">
+            <a:avLst/>
+          </a:prstGeom>
+          <a:noFill/>
+        </p:spPr>
+        <p:style>
+          <a:lnRef idx="2">
+            <a:schemeClr val="accent1">
+              <a:shade val="50000"/>
+            </a:schemeClr>
+          </a:lnRef>
+          <a:fillRef idx="1">
+            <a:schemeClr val="accent1"/>
+          </a:fillRef>
+          <a:effectRef idx="0">
+            <a:schemeClr val="accent1"/>
+          </a:effectRef>
+          <a:fontRef idx="minor">
+            <a:schemeClr val="lt1"/>
+          </a:fontRef>
+        </p:style>
+        <p:txBody>
+          <a:bodyPr rtlCol="0" anchor="ctr"/>
+          <a:lstStyle/>
+          <a:p>
+            <a:pPr algn="ctr"/>
+            <a:endParaRPr lang="es-MX"/>
+          </a:p>
+        </p:txBody>
+      </p:sp>
+      <p:sp>
+        <p:nvSpPr>
+          <p:cNvPr id="11" name="CuadroTexto 10">
+            <a:extLst>
+              <a:ext uri="{FF2B5EF4-FFF2-40B4-BE49-F238E27FC236}">
+                <a16:creationId xmlns:a16="http://schemas.microsoft.com/office/drawing/2014/main" id="{2EEF55D7-A87F-4F3C-AB67-D826908351AA}"/>
+              </a:ext>
+            </a:extLst>
+          </p:cNvPr>
+          <p:cNvSpPr txBox="1"/>
+          <p:nvPr/>
+        </p:nvSpPr>
+        <p:spPr>
+          <a:xfrm>
+            <a:off x="3365385" y="2267608"/>
+            <a:ext cx="1224793" cy="369332"/>
+          </a:xfrm>
+          <a:prstGeom prst="rect">
+            <a:avLst/>
+          </a:prstGeom>
+          <a:noFill/>
+        </p:spPr>
+        <p:txBody>
+          <a:bodyPr wrap="square" rtlCol="0">
+            <a:spAutoFit/>
+          </a:bodyPr>
+          <a:lstStyle/>
+          <a:p>
+            <a:r>
+              <a:rPr lang="es-MX" dirty="0"/>
+              <a:t>Monterrey</a:t>
+            </a:r>
+          </a:p>
+        </p:txBody>
+      </p:sp>
+      <p:sp>
+        <p:nvSpPr>
+          <p:cNvPr id="12" name="Triángulo isósceles 11">
+            <a:extLst>
+              <a:ext uri="{FF2B5EF4-FFF2-40B4-BE49-F238E27FC236}">
+                <a16:creationId xmlns:a16="http://schemas.microsoft.com/office/drawing/2014/main" id="{5D6DF6D6-7271-4204-AF41-B888EB4F9B8A}"/>
+              </a:ext>
+            </a:extLst>
+          </p:cNvPr>
+          <p:cNvSpPr/>
+          <p:nvPr/>
+        </p:nvSpPr>
+        <p:spPr>
+          <a:xfrm rot="10800000">
+            <a:off x="4699234" y="2383872"/>
+            <a:ext cx="134225" cy="176168"/>
+          </a:xfrm>
+          <a:prstGeom prst="triangle">
+            <a:avLst/>
+          </a:prstGeom>
+          <a:solidFill>
+            <a:schemeClr val="tx1"/>
+          </a:solidFill>
+        </p:spPr>
+        <p:style>
+          <a:lnRef idx="2">
+            <a:schemeClr val="accent1">
+              <a:shade val="50000"/>
+            </a:schemeClr>
+          </a:lnRef>
+          <a:fillRef idx="1">
+            <a:schemeClr val="accent1"/>
+          </a:fillRef>
+          <a:effectRef idx="0">
+            <a:schemeClr val="accent1"/>
+          </a:effectRef>
+          <a:fontRef idx="minor">
+            <a:schemeClr val="lt1"/>
+          </a:fontRef>
+        </p:style>
+        <p:txBody>
+          <a:bodyPr rtlCol="0" anchor="ctr"/>
+          <a:lstStyle/>
+          <a:p>
+            <a:pPr algn="ctr"/>
+            <a:endParaRPr lang="es-MX"/>
+          </a:p>
+        </p:txBody>
+      </p:sp>
+      <p:sp>
+        <p:nvSpPr>
+          <p:cNvPr id="13" name="CuadroTexto 12">
+            <a:extLst>
+              <a:ext uri="{FF2B5EF4-FFF2-40B4-BE49-F238E27FC236}">
+                <a16:creationId xmlns:a16="http://schemas.microsoft.com/office/drawing/2014/main" id="{D58A36FD-F25A-4787-AC0F-991E7240D42C}"/>
+              </a:ext>
+            </a:extLst>
+          </p:cNvPr>
+          <p:cNvSpPr txBox="1"/>
+          <p:nvPr/>
+        </p:nvSpPr>
+        <p:spPr>
+          <a:xfrm>
+            <a:off x="2501317" y="2266209"/>
+            <a:ext cx="847289" cy="369332"/>
+          </a:xfrm>
+          <a:prstGeom prst="rect">
+            <a:avLst/>
+          </a:prstGeom>
+          <a:noFill/>
+        </p:spPr>
+        <p:txBody>
+          <a:bodyPr wrap="square" rtlCol="0">
+            <a:spAutoFit/>
+          </a:bodyPr>
+          <a:lstStyle/>
+          <a:p>
+            <a:pPr algn="r"/>
+            <a:r>
+              <a:rPr lang="es-MX" dirty="0"/>
+              <a:t>Ciudad</a:t>
+            </a:r>
+          </a:p>
+        </p:txBody>
+      </p:sp>
+      <p:sp>
+        <p:nvSpPr>
+          <p:cNvPr id="14" name="Rectángulo 13">
+            <a:extLst>
+              <a:ext uri="{FF2B5EF4-FFF2-40B4-BE49-F238E27FC236}">
+                <a16:creationId xmlns:a16="http://schemas.microsoft.com/office/drawing/2014/main" id="{680583AB-A9B0-4091-8298-40779C19D7D4}"/>
+              </a:ext>
+            </a:extLst>
+          </p:cNvPr>
+          <p:cNvSpPr/>
+          <p:nvPr/>
+        </p:nvSpPr>
+        <p:spPr>
+          <a:xfrm>
+            <a:off x="5547923" y="2326547"/>
+            <a:ext cx="1610686" cy="310392"/>
+          </a:xfrm>
+          <a:prstGeom prst="rect">
+            <a:avLst/>
+          </a:prstGeom>
+          <a:noFill/>
+        </p:spPr>
+        <p:style>
+          <a:lnRef idx="2">
+            <a:schemeClr val="accent1">
+              <a:shade val="50000"/>
+            </a:schemeClr>
+          </a:lnRef>
+          <a:fillRef idx="1">
+            <a:schemeClr val="accent1"/>
+          </a:fillRef>
+          <a:effectRef idx="0">
+            <a:schemeClr val="accent1"/>
+          </a:effectRef>
+          <a:fontRef idx="minor">
+            <a:schemeClr val="lt1"/>
+          </a:fontRef>
+        </p:style>
+        <p:txBody>
+          <a:bodyPr rtlCol="0" anchor="ctr"/>
+          <a:lstStyle/>
+          <a:p>
+            <a:pPr algn="ctr"/>
+            <a:endParaRPr lang="es-MX"/>
+          </a:p>
+        </p:txBody>
+      </p:sp>
+      <p:sp>
+        <p:nvSpPr>
+          <p:cNvPr id="15" name="CuadroTexto 14">
+            <a:extLst>
+              <a:ext uri="{FF2B5EF4-FFF2-40B4-BE49-F238E27FC236}">
+                <a16:creationId xmlns:a16="http://schemas.microsoft.com/office/drawing/2014/main" id="{C7A7DD54-8818-487A-9898-DBB48DF5BFC4}"/>
+              </a:ext>
+            </a:extLst>
+          </p:cNvPr>
+          <p:cNvSpPr txBox="1"/>
+          <p:nvPr/>
+        </p:nvSpPr>
+        <p:spPr>
+          <a:xfrm>
+            <a:off x="5547924" y="2269006"/>
+            <a:ext cx="1266738" cy="369332"/>
+          </a:xfrm>
+          <a:prstGeom prst="rect">
+            <a:avLst/>
+          </a:prstGeom>
+          <a:noFill/>
+        </p:spPr>
+        <p:txBody>
+          <a:bodyPr wrap="square" rtlCol="0">
+            <a:spAutoFit/>
+          </a:bodyPr>
+          <a:lstStyle/>
+          <a:p>
+            <a:r>
+              <a:rPr lang="es-MX" dirty="0"/>
+              <a:t>Pino Suarez</a:t>
+            </a:r>
+          </a:p>
+        </p:txBody>
+      </p:sp>
+      <p:sp>
+        <p:nvSpPr>
+          <p:cNvPr id="16" name="Triángulo isósceles 15">
+            <a:extLst>
+              <a:ext uri="{FF2B5EF4-FFF2-40B4-BE49-F238E27FC236}">
+                <a16:creationId xmlns:a16="http://schemas.microsoft.com/office/drawing/2014/main" id="{F86BF328-5AEC-473A-952C-16E5D68995C1}"/>
+              </a:ext>
+            </a:extLst>
+          </p:cNvPr>
+          <p:cNvSpPr/>
+          <p:nvPr/>
+        </p:nvSpPr>
+        <p:spPr>
+          <a:xfrm rot="10800000">
+            <a:off x="6923717" y="2385270"/>
+            <a:ext cx="134225" cy="176168"/>
+          </a:xfrm>
+          <a:prstGeom prst="triangle">
+            <a:avLst/>
+          </a:prstGeom>
+          <a:solidFill>
+            <a:schemeClr val="tx1"/>
+          </a:solidFill>
+        </p:spPr>
+        <p:style>
+          <a:lnRef idx="2">
+            <a:schemeClr val="accent1">
+              <a:shade val="50000"/>
+            </a:schemeClr>
+          </a:lnRef>
+          <a:fillRef idx="1">
+            <a:schemeClr val="accent1"/>
+          </a:fillRef>
+          <a:effectRef idx="0">
+            <a:schemeClr val="accent1"/>
+          </a:effectRef>
+          <a:fontRef idx="minor">
+            <a:schemeClr val="lt1"/>
+          </a:fontRef>
+        </p:style>
+        <p:txBody>
+          <a:bodyPr rtlCol="0" anchor="ctr"/>
+          <a:lstStyle/>
+          <a:p>
+            <a:pPr algn="ctr"/>
+            <a:endParaRPr lang="es-MX"/>
+          </a:p>
+        </p:txBody>
+      </p:sp>
+      <p:sp>
+        <p:nvSpPr>
+          <p:cNvPr id="17" name="CuadroTexto 16">
+            <a:extLst>
+              <a:ext uri="{FF2B5EF4-FFF2-40B4-BE49-F238E27FC236}">
+                <a16:creationId xmlns:a16="http://schemas.microsoft.com/office/drawing/2014/main" id="{C8E809A4-1E1A-49BE-9B55-9A0C33408CF8}"/>
+              </a:ext>
+            </a:extLst>
+          </p:cNvPr>
+          <p:cNvSpPr txBox="1"/>
+          <p:nvPr/>
+        </p:nvSpPr>
+        <p:spPr>
+          <a:xfrm>
+            <a:off x="4927137" y="2267607"/>
+            <a:ext cx="545286" cy="369332"/>
+          </a:xfrm>
+          <a:prstGeom prst="rect">
+            <a:avLst/>
+          </a:prstGeom>
+          <a:noFill/>
+        </p:spPr>
+        <p:txBody>
+          <a:bodyPr wrap="square" rtlCol="0">
+            <a:spAutoFit/>
+          </a:bodyPr>
+          <a:lstStyle/>
+          <a:p>
+            <a:pPr algn="r"/>
+            <a:r>
+              <a:rPr lang="es-MX" dirty="0" err="1"/>
+              <a:t>Site</a:t>
+            </a:r>
+            <a:endParaRPr lang="es-MX" dirty="0"/>
+          </a:p>
+        </p:txBody>
+      </p:sp>
+      <p:sp>
+        <p:nvSpPr>
+          <p:cNvPr id="19" name="Triángulo isósceles 18">
+            <a:extLst>
+              <a:ext uri="{FF2B5EF4-FFF2-40B4-BE49-F238E27FC236}">
+                <a16:creationId xmlns:a16="http://schemas.microsoft.com/office/drawing/2014/main" id="{1A6C1291-4226-4078-A668-CB3D46372F8B}"/>
+              </a:ext>
+            </a:extLst>
+          </p:cNvPr>
+          <p:cNvSpPr/>
+          <p:nvPr/>
+        </p:nvSpPr>
+        <p:spPr>
+          <a:xfrm rot="10800000">
+            <a:off x="7520729" y="3340916"/>
+            <a:ext cx="134225" cy="176168"/>
+          </a:xfrm>
+          <a:prstGeom prst="triangle">
+            <a:avLst/>
+          </a:prstGeom>
+          <a:solidFill>
+            <a:schemeClr val="tx1"/>
+          </a:solidFill>
+        </p:spPr>
+        <p:style>
+          <a:lnRef idx="2">
+            <a:schemeClr val="accent1">
+              <a:shade val="50000"/>
+            </a:schemeClr>
+          </a:lnRef>
+          <a:fillRef idx="1">
+            <a:schemeClr val="accent1"/>
+          </a:fillRef>
+          <a:effectRef idx="0">
+            <a:schemeClr val="accent1"/>
+          </a:effectRef>
+          <a:fontRef idx="minor">
+            <a:schemeClr val="lt1"/>
+          </a:fontRef>
+        </p:style>
+        <p:txBody>
+          <a:bodyPr rtlCol="0" anchor="ctr"/>
+          <a:lstStyle/>
+          <a:p>
+            <a:pPr algn="ctr"/>
+            <a:endParaRPr lang="es-MX"/>
+          </a:p>
+        </p:txBody>
+      </p:sp>
+      <p:sp>
+        <p:nvSpPr>
+          <p:cNvPr id="20" name="Triángulo isósceles 19">
+            <a:extLst>
+              <a:ext uri="{FF2B5EF4-FFF2-40B4-BE49-F238E27FC236}">
+                <a16:creationId xmlns:a16="http://schemas.microsoft.com/office/drawing/2014/main" id="{F15E7E98-053E-4D7B-9679-CC1F5A2EE38C}"/>
+              </a:ext>
+            </a:extLst>
+          </p:cNvPr>
+          <p:cNvSpPr/>
+          <p:nvPr/>
+        </p:nvSpPr>
+        <p:spPr>
+          <a:xfrm rot="10800000">
+            <a:off x="7520730" y="4074910"/>
+            <a:ext cx="134225" cy="176168"/>
+          </a:xfrm>
+          <a:prstGeom prst="triangle">
+            <a:avLst/>
+          </a:prstGeom>
+          <a:solidFill>
+            <a:schemeClr val="tx1"/>
+          </a:solidFill>
+        </p:spPr>
+        <p:style>
+          <a:lnRef idx="2">
+            <a:schemeClr val="accent1">
+              <a:shade val="50000"/>
+            </a:schemeClr>
+          </a:lnRef>
+          <a:fillRef idx="1">
+            <a:schemeClr val="accent1"/>
+          </a:fillRef>
+          <a:effectRef idx="0">
+            <a:schemeClr val="accent1"/>
+          </a:effectRef>
+          <a:fontRef idx="minor">
+            <a:schemeClr val="lt1"/>
+          </a:fontRef>
+        </p:style>
+        <p:txBody>
+          <a:bodyPr rtlCol="0" anchor="ctr"/>
+          <a:lstStyle/>
+          <a:p>
+            <a:pPr algn="ctr"/>
+            <a:endParaRPr lang="es-MX"/>
+          </a:p>
+        </p:txBody>
+      </p:sp>
+      <p:sp>
+        <p:nvSpPr>
+          <p:cNvPr id="21" name="Triángulo isósceles 20">
+            <a:extLst>
+              <a:ext uri="{FF2B5EF4-FFF2-40B4-BE49-F238E27FC236}">
+                <a16:creationId xmlns:a16="http://schemas.microsoft.com/office/drawing/2014/main" id="{0FDC9100-3D63-42FC-9B5C-E478DDE26888}"/>
+              </a:ext>
+            </a:extLst>
+          </p:cNvPr>
+          <p:cNvSpPr/>
+          <p:nvPr/>
+        </p:nvSpPr>
+        <p:spPr>
+          <a:xfrm rot="10800000">
+            <a:off x="7520730" y="3703040"/>
+            <a:ext cx="134225" cy="176168"/>
+          </a:xfrm>
+          <a:prstGeom prst="triangle">
+            <a:avLst/>
+          </a:prstGeom>
+          <a:solidFill>
+            <a:schemeClr val="tx1"/>
+          </a:solidFill>
+        </p:spPr>
+        <p:style>
+          <a:lnRef idx="2">
+            <a:schemeClr val="accent1">
+              <a:shade val="50000"/>
+            </a:schemeClr>
+          </a:lnRef>
+          <a:fillRef idx="1">
+            <a:schemeClr val="accent1"/>
+          </a:fillRef>
+          <a:effectRef idx="0">
+            <a:schemeClr val="accent1"/>
+          </a:effectRef>
+          <a:fontRef idx="minor">
+            <a:schemeClr val="lt1"/>
+          </a:fontRef>
+        </p:style>
+        <p:txBody>
+          <a:bodyPr rtlCol="0" anchor="ctr"/>
+          <a:lstStyle/>
+          <a:p>
+            <a:pPr algn="ctr"/>
+            <a:endParaRPr lang="es-MX"/>
+          </a:p>
+        </p:txBody>
+      </p:sp>
+      <p:sp>
+        <p:nvSpPr>
+          <p:cNvPr id="22" name="Triángulo isósceles 21">
+            <a:extLst>
+              <a:ext uri="{FF2B5EF4-FFF2-40B4-BE49-F238E27FC236}">
+                <a16:creationId xmlns:a16="http://schemas.microsoft.com/office/drawing/2014/main" id="{11B70D4C-9AB2-44C0-8AE2-A9C6C9404DF9}"/>
+              </a:ext>
+            </a:extLst>
+          </p:cNvPr>
+          <p:cNvSpPr/>
+          <p:nvPr/>
+        </p:nvSpPr>
+        <p:spPr>
+          <a:xfrm rot="10800000">
+            <a:off x="7520730" y="5524849"/>
+            <a:ext cx="134225" cy="176168"/>
+          </a:xfrm>
+          <a:prstGeom prst="triangle">
+            <a:avLst/>
+          </a:prstGeom>
+          <a:solidFill>
+            <a:schemeClr val="tx1"/>
+          </a:solidFill>
+        </p:spPr>
+        <p:style>
+          <a:lnRef idx="2">
+            <a:schemeClr val="accent1">
+              <a:shade val="50000"/>
+            </a:schemeClr>
+          </a:lnRef>
+          <a:fillRef idx="1">
+            <a:schemeClr val="accent1"/>
+          </a:fillRef>
+          <a:effectRef idx="0">
+            <a:schemeClr val="accent1"/>
+          </a:effectRef>
+          <a:fontRef idx="minor">
+            <a:schemeClr val="lt1"/>
+          </a:fontRef>
+        </p:style>
+        <p:txBody>
+          <a:bodyPr rtlCol="0" anchor="ctr"/>
+          <a:lstStyle/>
+          <a:p>
+            <a:pPr algn="ctr"/>
+            <a:endParaRPr lang="es-MX"/>
+          </a:p>
+        </p:txBody>
+      </p:sp>
+      <p:sp>
+        <p:nvSpPr>
+          <p:cNvPr id="23" name="Triángulo isósceles 22">
+            <a:extLst>
+              <a:ext uri="{FF2B5EF4-FFF2-40B4-BE49-F238E27FC236}">
+                <a16:creationId xmlns:a16="http://schemas.microsoft.com/office/drawing/2014/main" id="{AE33789E-9973-470A-81EA-8F09DF82C326}"/>
+              </a:ext>
+            </a:extLst>
+          </p:cNvPr>
+          <p:cNvSpPr/>
+          <p:nvPr/>
+        </p:nvSpPr>
+        <p:spPr>
+          <a:xfrm rot="10800000">
+            <a:off x="10063994" y="3342314"/>
+            <a:ext cx="134225" cy="176168"/>
+          </a:xfrm>
+          <a:prstGeom prst="triangle">
+            <a:avLst/>
+          </a:prstGeom>
+          <a:solidFill>
+            <a:schemeClr val="tx1"/>
+          </a:solidFill>
+        </p:spPr>
+        <p:style>
+          <a:lnRef idx="2">
+            <a:schemeClr val="accent1">
+              <a:shade val="50000"/>
+            </a:schemeClr>
+          </a:lnRef>
+          <a:fillRef idx="1">
+            <a:schemeClr val="accent1"/>
+          </a:fillRef>
+          <a:effectRef idx="0">
+            <a:schemeClr val="accent1"/>
+          </a:effectRef>
+          <a:fontRef idx="minor">
+            <a:schemeClr val="lt1"/>
+          </a:fontRef>
+        </p:style>
+        <p:txBody>
+          <a:bodyPr rtlCol="0" anchor="ctr"/>
+          <a:lstStyle/>
+          <a:p>
+            <a:pPr algn="ctr"/>
+            <a:endParaRPr lang="es-MX"/>
+          </a:p>
+        </p:txBody>
+      </p:sp>
+      <p:sp>
+        <p:nvSpPr>
+          <p:cNvPr id="24" name="Triángulo isósceles 23">
+            <a:extLst>
+              <a:ext uri="{FF2B5EF4-FFF2-40B4-BE49-F238E27FC236}">
+                <a16:creationId xmlns:a16="http://schemas.microsoft.com/office/drawing/2014/main" id="{7B629348-B0AD-4713-B06E-944FD6DB0DBB}"/>
+              </a:ext>
+            </a:extLst>
+          </p:cNvPr>
+          <p:cNvSpPr/>
+          <p:nvPr/>
+        </p:nvSpPr>
+        <p:spPr>
+          <a:xfrm rot="10800000">
+            <a:off x="10063995" y="4076308"/>
+            <a:ext cx="134225" cy="176168"/>
+          </a:xfrm>
+          <a:prstGeom prst="triangle">
+            <a:avLst/>
+          </a:prstGeom>
+          <a:solidFill>
+            <a:schemeClr val="tx1"/>
+          </a:solidFill>
+        </p:spPr>
+        <p:style>
+          <a:lnRef idx="2">
+            <a:schemeClr val="accent1">
+              <a:shade val="50000"/>
+            </a:schemeClr>
+          </a:lnRef>
+          <a:fillRef idx="1">
+            <a:schemeClr val="accent1"/>
+          </a:fillRef>
+          <a:effectRef idx="0">
+            <a:schemeClr val="accent1"/>
+          </a:effectRef>
+          <a:fontRef idx="minor">
+            <a:schemeClr val="lt1"/>
+          </a:fontRef>
+        </p:style>
+        <p:txBody>
+          <a:bodyPr rtlCol="0" anchor="ctr"/>
+          <a:lstStyle/>
+          <a:p>
+            <a:pPr algn="ctr"/>
+            <a:endParaRPr lang="es-MX"/>
+          </a:p>
+        </p:txBody>
+      </p:sp>
+      <p:sp>
+        <p:nvSpPr>
+          <p:cNvPr id="25" name="Triángulo isósceles 24">
+            <a:extLst>
+              <a:ext uri="{FF2B5EF4-FFF2-40B4-BE49-F238E27FC236}">
+                <a16:creationId xmlns:a16="http://schemas.microsoft.com/office/drawing/2014/main" id="{AA89217E-4CDF-4BA3-AF9D-3D092D84F1C8}"/>
+              </a:ext>
+            </a:extLst>
+          </p:cNvPr>
+          <p:cNvSpPr/>
+          <p:nvPr/>
+        </p:nvSpPr>
+        <p:spPr>
+          <a:xfrm rot="10800000">
+            <a:off x="10063995" y="3704438"/>
+            <a:ext cx="134225" cy="176168"/>
+          </a:xfrm>
+          <a:prstGeom prst="triangle">
+            <a:avLst/>
+          </a:prstGeom>
+          <a:solidFill>
+            <a:schemeClr val="tx1"/>
+          </a:solidFill>
+        </p:spPr>
+        <p:style>
+          <a:lnRef idx="2">
+            <a:schemeClr val="accent1">
+              <a:shade val="50000"/>
+            </a:schemeClr>
+          </a:lnRef>
+          <a:fillRef idx="1">
+            <a:schemeClr val="accent1"/>
+          </a:fillRef>
+          <a:effectRef idx="0">
+            <a:schemeClr val="accent1"/>
+          </a:effectRef>
+          <a:fontRef idx="minor">
+            <a:schemeClr val="lt1"/>
+          </a:fontRef>
+        </p:style>
+        <p:txBody>
+          <a:bodyPr rtlCol="0" anchor="ctr"/>
+          <a:lstStyle/>
+          <a:p>
+            <a:pPr algn="ctr"/>
+            <a:endParaRPr lang="es-MX"/>
+          </a:p>
+        </p:txBody>
+      </p:sp>
+      <p:sp>
+        <p:nvSpPr>
+          <p:cNvPr id="26" name="Triángulo isósceles 25">
+            <a:extLst>
+              <a:ext uri="{FF2B5EF4-FFF2-40B4-BE49-F238E27FC236}">
+                <a16:creationId xmlns:a16="http://schemas.microsoft.com/office/drawing/2014/main" id="{9249BE8B-057E-4062-B62C-C9607F139D4B}"/>
+              </a:ext>
+            </a:extLst>
+          </p:cNvPr>
+          <p:cNvSpPr/>
+          <p:nvPr/>
+        </p:nvSpPr>
+        <p:spPr>
+          <a:xfrm rot="10800000">
+            <a:off x="10063995" y="5526247"/>
+            <a:ext cx="134225" cy="176168"/>
+          </a:xfrm>
+          <a:prstGeom prst="triangle">
+            <a:avLst/>
+          </a:prstGeom>
+          <a:solidFill>
+            <a:schemeClr val="tx1"/>
+          </a:solidFill>
+        </p:spPr>
+        <p:style>
+          <a:lnRef idx="2">
+            <a:schemeClr val="accent1">
+              <a:shade val="50000"/>
+            </a:schemeClr>
+          </a:lnRef>
+          <a:fillRef idx="1">
+            <a:schemeClr val="accent1"/>
+          </a:fillRef>
+          <a:effectRef idx="0">
+            <a:schemeClr val="accent1"/>
+          </a:effectRef>
+          <a:fontRef idx="minor">
+            <a:schemeClr val="lt1"/>
+          </a:fontRef>
+        </p:style>
+        <p:txBody>
+          <a:bodyPr rtlCol="0" anchor="ctr"/>
+          <a:lstStyle/>
+          <a:p>
+            <a:pPr algn="ctr"/>
+            <a:endParaRPr lang="es-MX"/>
+          </a:p>
+        </p:txBody>
+      </p:sp>
+      <p:sp>
+        <p:nvSpPr>
+          <p:cNvPr id="27" name="Triángulo isósceles 26">
+            <a:extLst>
+              <a:ext uri="{FF2B5EF4-FFF2-40B4-BE49-F238E27FC236}">
+                <a16:creationId xmlns:a16="http://schemas.microsoft.com/office/drawing/2014/main" id="{72DDDF40-A4C0-45EA-B11E-9941D41CD93F}"/>
+              </a:ext>
+            </a:extLst>
+          </p:cNvPr>
+          <p:cNvSpPr/>
+          <p:nvPr/>
+        </p:nvSpPr>
+        <p:spPr>
+          <a:xfrm rot="10800000">
+            <a:off x="7513739" y="4437035"/>
+            <a:ext cx="134225" cy="176168"/>
+          </a:xfrm>
+          <a:prstGeom prst="triangle">
+            <a:avLst/>
+          </a:prstGeom>
+          <a:solidFill>
+            <a:schemeClr val="tx1"/>
+          </a:solidFill>
+        </p:spPr>
+        <p:style>
+          <a:lnRef idx="2">
+            <a:schemeClr val="accent1">
+              <a:shade val="50000"/>
+            </a:schemeClr>
+          </a:lnRef>
+          <a:fillRef idx="1">
+            <a:schemeClr val="accent1"/>
+          </a:fillRef>
+          <a:effectRef idx="0">
+            <a:schemeClr val="accent1"/>
+          </a:effectRef>
+          <a:fontRef idx="minor">
+            <a:schemeClr val="lt1"/>
+          </a:fontRef>
+        </p:style>
+        <p:txBody>
+          <a:bodyPr rtlCol="0" anchor="ctr"/>
+          <a:lstStyle/>
+          <a:p>
+            <a:pPr algn="ctr"/>
+            <a:endParaRPr lang="es-MX"/>
+          </a:p>
+        </p:txBody>
+      </p:sp>
+      <p:sp>
+        <p:nvSpPr>
+          <p:cNvPr id="28" name="Triángulo isósceles 27">
+            <a:extLst>
+              <a:ext uri="{FF2B5EF4-FFF2-40B4-BE49-F238E27FC236}">
+                <a16:creationId xmlns:a16="http://schemas.microsoft.com/office/drawing/2014/main" id="{B6621013-3BE4-417D-9244-C0E22CE992EB}"/>
+              </a:ext>
+            </a:extLst>
+          </p:cNvPr>
+          <p:cNvSpPr/>
+          <p:nvPr/>
+        </p:nvSpPr>
+        <p:spPr>
+          <a:xfrm rot="10800000">
+            <a:off x="10063993" y="4434375"/>
+            <a:ext cx="134225" cy="176168"/>
+          </a:xfrm>
+          <a:prstGeom prst="triangle">
+            <a:avLst/>
+          </a:prstGeom>
+          <a:solidFill>
+            <a:schemeClr val="tx1"/>
+          </a:solidFill>
+        </p:spPr>
+        <p:style>
+          <a:lnRef idx="2">
+            <a:schemeClr val="accent1">
+              <a:shade val="50000"/>
+            </a:schemeClr>
+          </a:lnRef>
+          <a:fillRef idx="1">
+            <a:schemeClr val="accent1"/>
+          </a:fillRef>
+          <a:effectRef idx="0">
+            <a:schemeClr val="accent1"/>
+          </a:effectRef>
+          <a:fontRef idx="minor">
+            <a:schemeClr val="lt1"/>
+          </a:fontRef>
+        </p:style>
+        <p:txBody>
+          <a:bodyPr rtlCol="0" anchor="ctr"/>
+          <a:lstStyle/>
+          <a:p>
+            <a:pPr algn="ctr"/>
+            <a:endParaRPr lang="es-MX"/>
+          </a:p>
+        </p:txBody>
+      </p:sp>
+    </p:spTree>
+    <p:extLst>
+      <p:ext uri="{BB962C8B-B14F-4D97-AF65-F5344CB8AC3E}">
+        <p14:creationId xmlns:p14="http://schemas.microsoft.com/office/powerpoint/2010/main" val="3225777157"/>
+      </p:ext>
+    </p:extLst>
+  </p:cSld>
+  <p:clrMapOvr>
+    <a:masterClrMapping/>
+  </p:clrMapOvr>
+</p:sld>
+</file>
+
+<file path=ppt/slides/slide11.xml><?xml version="1.0" encoding="utf-8"?>
 <p:sld xmlns:a="http://schemas.openxmlformats.org/drawingml/2006/main" xmlns:r="http://schemas.openxmlformats.org/officeDocument/2006/relationships" xmlns:p="http://schemas.openxmlformats.org/presentationml/2006/main">
   <p:cSld>
     <p:spTree>
@@ -6613,7 +8283,7 @@
 </p:sld>
 </file>
 
-<file path=ppt/slides/slide11.xml><?xml version="1.0" encoding="utf-8"?>
+<file path=ppt/slides/slide12.xml><?xml version="1.0" encoding="utf-8"?>
 <p:sld xmlns:a="http://schemas.openxmlformats.org/drawingml/2006/main" xmlns:r="http://schemas.openxmlformats.org/officeDocument/2006/relationships" xmlns:p="http://schemas.openxmlformats.org/presentationml/2006/main">
   <p:cSld>
     <p:spTree>
@@ -6764,7 +8434,7 @@
 </p:sld>
 </file>
 
-<file path=ppt/slides/slide12.xml><?xml version="1.0" encoding="utf-8"?>
+<file path=ppt/slides/slide13.xml><?xml version="1.0" encoding="utf-8"?>
 <p:sld xmlns:a="http://schemas.openxmlformats.org/drawingml/2006/main" xmlns:r="http://schemas.openxmlformats.org/officeDocument/2006/relationships" xmlns:p="http://schemas.openxmlformats.org/presentationml/2006/main">
   <p:cSld>
     <p:spTree>
@@ -8629,7 +10299,7 @@
 </p:sld>
 </file>
 
-<file path=ppt/slides/slide13.xml><?xml version="1.0" encoding="utf-8"?>
+<file path=ppt/slides/slide14.xml><?xml version="1.0" encoding="utf-8"?>
 <p:sld xmlns:a="http://schemas.openxmlformats.org/drawingml/2006/main" xmlns:r="http://schemas.openxmlformats.org/officeDocument/2006/relationships" xmlns:p="http://schemas.openxmlformats.org/presentationml/2006/main">
   <p:cSld>
     <p:spTree>
@@ -10839,7 +12509,7 @@
 </p:sld>
 </file>
 
-<file path=ppt/slides/slide14.xml><?xml version="1.0" encoding="utf-8"?>
+<file path=ppt/slides/slide15.xml><?xml version="1.0" encoding="utf-8"?>
 <p:sld xmlns:a="http://schemas.openxmlformats.org/drawingml/2006/main" xmlns:r="http://schemas.openxmlformats.org/officeDocument/2006/relationships" xmlns:p="http://schemas.openxmlformats.org/presentationml/2006/main">
   <p:cSld>
     <p:spTree>
@@ -12487,7 +14157,7 @@
 </p:sld>
 </file>
 
-<file path=ppt/slides/slide15.xml><?xml version="1.0" encoding="utf-8"?>
+<file path=ppt/slides/slide16.xml><?xml version="1.0" encoding="utf-8"?>
 <p:sld xmlns:a="http://schemas.openxmlformats.org/drawingml/2006/main" xmlns:r="http://schemas.openxmlformats.org/officeDocument/2006/relationships" xmlns:p="http://schemas.openxmlformats.org/presentationml/2006/main">
   <p:cSld>
     <p:spTree>
@@ -14384,7 +16054,7 @@
 </p:sld>
 </file>
 
-<file path=ppt/slides/slide16.xml><?xml version="1.0" encoding="utf-8"?>
+<file path=ppt/slides/slide17.xml><?xml version="1.0" encoding="utf-8"?>
 <p:sld xmlns:a="http://schemas.openxmlformats.org/drawingml/2006/main" xmlns:r="http://schemas.openxmlformats.org/officeDocument/2006/relationships" xmlns:p="http://schemas.openxmlformats.org/presentationml/2006/main">
   <p:cSld>
     <p:spTree>
@@ -17315,7 +18985,7 @@
 </p:sld>
 </file>
 
-<file path=ppt/slides/slide17.xml><?xml version="1.0" encoding="utf-8"?>
+<file path=ppt/slides/slide18.xml><?xml version="1.0" encoding="utf-8"?>
 <p:sld xmlns:a="http://schemas.openxmlformats.org/drawingml/2006/main" xmlns:r="http://schemas.openxmlformats.org/officeDocument/2006/relationships" xmlns:p="http://schemas.openxmlformats.org/presentationml/2006/main">
   <p:cSld>
     <p:spTree>
@@ -17466,7 +19136,7 @@
 </p:sld>
 </file>
 
-<file path=ppt/slides/slide18.xml><?xml version="1.0" encoding="utf-8"?>
+<file path=ppt/slides/slide19.xml><?xml version="1.0" encoding="utf-8"?>
 <p:sld xmlns:a="http://schemas.openxmlformats.org/drawingml/2006/main" xmlns:r="http://schemas.openxmlformats.org/officeDocument/2006/relationships" xmlns:p="http://schemas.openxmlformats.org/presentationml/2006/main">
   <p:cSld>
     <p:spTree>
@@ -20445,7 +22115,1192 @@
 </p:sld>
 </file>
 
-<file path=ppt/slides/slide19.xml><?xml version="1.0" encoding="utf-8"?>
+<file path=ppt/slides/slide2.xml><?xml version="1.0" encoding="utf-8"?>
+<p:sld xmlns:a="http://schemas.openxmlformats.org/drawingml/2006/main" xmlns:r="http://schemas.openxmlformats.org/officeDocument/2006/relationships" xmlns:p="http://schemas.openxmlformats.org/presentationml/2006/main">
+  <p:cSld>
+    <p:spTree>
+      <p:nvGrpSpPr>
+        <p:cNvPr id="1" name=""/>
+        <p:cNvGrpSpPr/>
+        <p:nvPr/>
+      </p:nvGrpSpPr>
+      <p:grpSpPr>
+        <a:xfrm>
+          <a:off x="0" y="0"/>
+          <a:ext cx="0" cy="0"/>
+          <a:chOff x="0" y="0"/>
+          <a:chExt cx="0" cy="0"/>
+        </a:xfrm>
+      </p:grpSpPr>
+      <p:pic>
+        <p:nvPicPr>
+          <p:cNvPr id="4" name="Picture 1" descr="Inicio">
+            <a:extLst>
+              <a:ext uri="{FF2B5EF4-FFF2-40B4-BE49-F238E27FC236}">
+                <a16:creationId xmlns:a16="http://schemas.microsoft.com/office/drawing/2014/main" id="{E9528D96-3FFB-40F9-B55C-E580502BD577}"/>
+              </a:ext>
+            </a:extLst>
+          </p:cNvPr>
+          <p:cNvPicPr>
+            <a:picLocks noChangeAspect="1" noChangeArrowheads="1"/>
+          </p:cNvPicPr>
+          <p:nvPr/>
+        </p:nvPicPr>
+        <p:blipFill>
+          <a:blip r:embed="rId2">
+            <a:extLst>
+              <a:ext uri="{28A0092B-C50C-407E-A947-70E740481C1C}">
+                <a14:useLocalDpi xmlns:a14="http://schemas.microsoft.com/office/drawing/2010/main" val="0"/>
+              </a:ext>
+            </a:extLst>
+          </a:blip>
+          <a:srcRect/>
+          <a:stretch>
+            <a:fillRect/>
+          </a:stretch>
+        </p:blipFill>
+        <p:spPr bwMode="auto">
+          <a:xfrm>
+            <a:off x="2508308" y="1275127"/>
+            <a:ext cx="2762250" cy="552450"/>
+          </a:xfrm>
+          <a:prstGeom prst="rect">
+            <a:avLst/>
+          </a:prstGeom>
+          <a:noFill/>
+          <a:extLst>
+            <a:ext uri="{909E8E84-426E-40DD-AFC4-6F175D3DCCD1}">
+              <a14:hiddenFill xmlns:a14="http://schemas.microsoft.com/office/drawing/2010/main">
+                <a:solidFill>
+                  <a:srgbClr val="FFFFFF"/>
+                </a:solidFill>
+              </a14:hiddenFill>
+            </a:ext>
+          </a:extLst>
+        </p:spPr>
+      </p:pic>
+      <p:sp>
+        <p:nvSpPr>
+          <p:cNvPr id="5" name="CuadroTexto 4">
+            <a:extLst>
+              <a:ext uri="{FF2B5EF4-FFF2-40B4-BE49-F238E27FC236}">
+                <a16:creationId xmlns:a16="http://schemas.microsoft.com/office/drawing/2014/main" id="{11A51133-018B-40C5-A768-4846C530C06B}"/>
+              </a:ext>
+            </a:extLst>
+          </p:cNvPr>
+          <p:cNvSpPr txBox="1"/>
+          <p:nvPr/>
+        </p:nvSpPr>
+        <p:spPr>
+          <a:xfrm>
+            <a:off x="-1" y="0"/>
+            <a:ext cx="3548543" cy="369332"/>
+          </a:xfrm>
+          <a:prstGeom prst="rect">
+            <a:avLst/>
+          </a:prstGeom>
+          <a:noFill/>
+        </p:spPr>
+        <p:txBody>
+          <a:bodyPr wrap="square" rtlCol="0">
+            <a:spAutoFit/>
+          </a:bodyPr>
+          <a:lstStyle/>
+          <a:p>
+            <a:r>
+              <a:rPr lang="es-MX" dirty="0"/>
+              <a:t>1.1 Mapeo de conceptos</a:t>
+            </a:r>
+          </a:p>
+        </p:txBody>
+      </p:sp>
+      <p:graphicFrame>
+        <p:nvGraphicFramePr>
+          <p:cNvPr id="7" name="Tabla 6">
+            <a:extLst>
+              <a:ext uri="{FF2B5EF4-FFF2-40B4-BE49-F238E27FC236}">
+                <a16:creationId xmlns:a16="http://schemas.microsoft.com/office/drawing/2014/main" id="{ACCE63BC-8A80-48E0-90CC-E46BBCE90A15}"/>
+              </a:ext>
+            </a:extLst>
+          </p:cNvPr>
+          <p:cNvGraphicFramePr>
+            <a:graphicFrameLocks noGrp="1"/>
+          </p:cNvGraphicFramePr>
+          <p:nvPr>
+            <p:extLst/>
+          </p:nvPr>
+        </p:nvGraphicFramePr>
+        <p:xfrm>
+          <a:off x="511728" y="2834040"/>
+          <a:ext cx="8933570" cy="2966720"/>
+        </p:xfrm>
+        <a:graphic>
+          <a:graphicData uri="http://schemas.openxmlformats.org/drawingml/2006/table">
+            <a:tbl>
+              <a:tblPr firstRow="1" bandRow="1">
+                <a:tableStyleId>{69C7853C-536D-4A76-A0AE-DD22124D55A5}</a:tableStyleId>
+              </a:tblPr>
+              <a:tblGrid>
+                <a:gridCol w="1773891">
+                  <a:extLst>
+                    <a:ext uri="{9D8B030D-6E8A-4147-A177-3AD203B41FA5}">
+                      <a16:colId xmlns:a16="http://schemas.microsoft.com/office/drawing/2014/main" val="287041030"/>
+                    </a:ext>
+                  </a:extLst>
+                </a:gridCol>
+                <a:gridCol w="1998298">
+                  <a:extLst>
+                    <a:ext uri="{9D8B030D-6E8A-4147-A177-3AD203B41FA5}">
+                      <a16:colId xmlns:a16="http://schemas.microsoft.com/office/drawing/2014/main" val="295397756"/>
+                    </a:ext>
+                  </a:extLst>
+                </a:gridCol>
+                <a:gridCol w="2125272">
+                  <a:extLst>
+                    <a:ext uri="{9D8B030D-6E8A-4147-A177-3AD203B41FA5}">
+                      <a16:colId xmlns:a16="http://schemas.microsoft.com/office/drawing/2014/main" val="17263893"/>
+                    </a:ext>
+                  </a:extLst>
+                </a:gridCol>
+                <a:gridCol w="1860639">
+                  <a:extLst>
+                    <a:ext uri="{9D8B030D-6E8A-4147-A177-3AD203B41FA5}">
+                      <a16:colId xmlns:a16="http://schemas.microsoft.com/office/drawing/2014/main" val="4284784571"/>
+                    </a:ext>
+                  </a:extLst>
+                </a:gridCol>
+                <a:gridCol w="1175470">
+                  <a:extLst>
+                    <a:ext uri="{9D8B030D-6E8A-4147-A177-3AD203B41FA5}">
+                      <a16:colId xmlns:a16="http://schemas.microsoft.com/office/drawing/2014/main" val="3972575351"/>
+                    </a:ext>
+                  </a:extLst>
+                </a:gridCol>
+              </a:tblGrid>
+              <a:tr h="370840">
+                <a:tc>
+                  <a:txBody>
+                    <a:bodyPr/>
+                    <a:lstStyle/>
+                    <a:p>
+                      <a:r>
+                        <a:rPr lang="es-MX" dirty="0"/>
+                        <a:t>Id Concepto</a:t>
+                      </a:r>
+                    </a:p>
+                  </a:txBody>
+                  <a:tcPr/>
+                </a:tc>
+                <a:tc>
+                  <a:txBody>
+                    <a:bodyPr/>
+                    <a:lstStyle/>
+                    <a:p>
+                      <a:r>
+                        <a:rPr lang="es-MX" dirty="0"/>
+                        <a:t>Concepto</a:t>
+                      </a:r>
+                    </a:p>
+                  </a:txBody>
+                  <a:tcPr/>
+                </a:tc>
+                <a:tc>
+                  <a:txBody>
+                    <a:bodyPr/>
+                    <a:lstStyle/>
+                    <a:p>
+                      <a:r>
+                        <a:rPr lang="es-MX" dirty="0"/>
+                        <a:t>Tipo Concepto</a:t>
+                      </a:r>
+                    </a:p>
+                  </a:txBody>
+                  <a:tcPr/>
+                </a:tc>
+                <a:tc>
+                  <a:txBody>
+                    <a:bodyPr/>
+                    <a:lstStyle/>
+                    <a:p>
+                      <a:r>
+                        <a:rPr lang="es-MX" dirty="0"/>
+                        <a:t>Id Concepto PS</a:t>
+                      </a:r>
+                    </a:p>
+                  </a:txBody>
+                  <a:tcPr/>
+                </a:tc>
+                <a:tc>
+                  <a:txBody>
+                    <a:bodyPr/>
+                    <a:lstStyle/>
+                    <a:p>
+                      <a:r>
+                        <a:rPr lang="es-MX" dirty="0"/>
+                        <a:t>Concepto</a:t>
+                      </a:r>
+                    </a:p>
+                  </a:txBody>
+                  <a:tcPr/>
+                </a:tc>
+                <a:extLst>
+                  <a:ext uri="{0D108BD9-81ED-4DB2-BD59-A6C34878D82A}">
+                    <a16:rowId xmlns:a16="http://schemas.microsoft.com/office/drawing/2014/main" val="2929165909"/>
+                  </a:ext>
+                </a:extLst>
+              </a:tr>
+              <a:tr h="370840">
+                <a:tc>
+                  <a:txBody>
+                    <a:bodyPr/>
+                    <a:lstStyle/>
+                    <a:p>
+                      <a:r>
+                        <a:rPr lang="es-MX" dirty="0"/>
+                        <a:t>1</a:t>
+                      </a:r>
+                    </a:p>
+                  </a:txBody>
+                  <a:tcPr/>
+                </a:tc>
+                <a:tc>
+                  <a:txBody>
+                    <a:bodyPr/>
+                    <a:lstStyle/>
+                    <a:p>
+                      <a:r>
+                        <a:rPr lang="es-MX" dirty="0"/>
+                        <a:t>Bono 3D</a:t>
+                      </a:r>
+                    </a:p>
+                  </a:txBody>
+                  <a:tcPr/>
+                </a:tc>
+                <a:tc>
+                  <a:txBody>
+                    <a:bodyPr/>
+                    <a:lstStyle/>
+                    <a:p>
+                      <a:r>
+                        <a:rPr lang="es-MX" dirty="0"/>
+                        <a:t>Percepción</a:t>
+                      </a:r>
+                    </a:p>
+                  </a:txBody>
+                  <a:tcPr/>
+                </a:tc>
+                <a:tc>
+                  <a:txBody>
+                    <a:bodyPr/>
+                    <a:lstStyle/>
+                    <a:p>
+                      <a:r>
+                        <a:rPr lang="es-MX" dirty="0"/>
+                        <a:t>1</a:t>
+                      </a:r>
+                    </a:p>
+                  </a:txBody>
+                  <a:tcPr/>
+                </a:tc>
+                <a:tc>
+                  <a:txBody>
+                    <a:bodyPr/>
+                    <a:lstStyle/>
+                    <a:p>
+                      <a:r>
+                        <a:rPr lang="es-MX" dirty="0"/>
+                        <a:t>Bonos </a:t>
+                      </a:r>
+                    </a:p>
+                  </a:txBody>
+                  <a:tcPr/>
+                </a:tc>
+                <a:extLst>
+                  <a:ext uri="{0D108BD9-81ED-4DB2-BD59-A6C34878D82A}">
+                    <a16:rowId xmlns:a16="http://schemas.microsoft.com/office/drawing/2014/main" val="185459679"/>
+                  </a:ext>
+                </a:extLst>
+              </a:tr>
+              <a:tr h="370840">
+                <a:tc>
+                  <a:txBody>
+                    <a:bodyPr/>
+                    <a:lstStyle/>
+                    <a:p>
+                      <a:r>
+                        <a:rPr lang="es-MX" dirty="0"/>
+                        <a:t>2</a:t>
+                      </a:r>
+                    </a:p>
+                  </a:txBody>
+                  <a:tcPr/>
+                </a:tc>
+                <a:tc>
+                  <a:txBody>
+                    <a:bodyPr/>
+                    <a:lstStyle/>
+                    <a:p>
+                      <a:r>
+                        <a:rPr lang="es-MX" dirty="0"/>
+                        <a:t>Bono Bilingüe</a:t>
+                      </a:r>
+                    </a:p>
+                  </a:txBody>
+                  <a:tcPr/>
+                </a:tc>
+                <a:tc>
+                  <a:txBody>
+                    <a:bodyPr/>
+                    <a:lstStyle/>
+                    <a:p>
+                      <a:pPr marL="0" marR="0" lvl="0" indent="0" algn="l" defTabSz="914400" rtl="0" eaLnBrk="1" fontAlgn="auto" latinLnBrk="0" hangingPunct="1">
+                        <a:lnSpc>
+                          <a:spcPct val="100000"/>
+                        </a:lnSpc>
+                        <a:spcBef>
+                          <a:spcPts val="0"/>
+                        </a:spcBef>
+                        <a:spcAft>
+                          <a:spcPts val="0"/>
+                        </a:spcAft>
+                        <a:buClrTx/>
+                        <a:buSzTx/>
+                        <a:buFontTx/>
+                        <a:buNone/>
+                        <a:tabLst/>
+                        <a:defRPr/>
+                      </a:pPr>
+                      <a:r>
+                        <a:rPr lang="es-MX" dirty="0"/>
+                        <a:t>Percepción</a:t>
+                      </a:r>
+                    </a:p>
+                  </a:txBody>
+                  <a:tcPr/>
+                </a:tc>
+                <a:tc>
+                  <a:txBody>
+                    <a:bodyPr/>
+                    <a:lstStyle/>
+                    <a:p>
+                      <a:r>
+                        <a:rPr lang="es-MX" dirty="0"/>
+                        <a:t>1</a:t>
+                      </a:r>
+                    </a:p>
+                  </a:txBody>
+                  <a:tcPr/>
+                </a:tc>
+                <a:tc>
+                  <a:txBody>
+                    <a:bodyPr/>
+                    <a:lstStyle/>
+                    <a:p>
+                      <a:r>
+                        <a:rPr lang="es-MX" dirty="0"/>
+                        <a:t>Bonos</a:t>
+                      </a:r>
+                    </a:p>
+                  </a:txBody>
+                  <a:tcPr/>
+                </a:tc>
+                <a:extLst>
+                  <a:ext uri="{0D108BD9-81ED-4DB2-BD59-A6C34878D82A}">
+                    <a16:rowId xmlns:a16="http://schemas.microsoft.com/office/drawing/2014/main" val="3977598622"/>
+                  </a:ext>
+                </a:extLst>
+              </a:tr>
+              <a:tr h="370840">
+                <a:tc>
+                  <a:txBody>
+                    <a:bodyPr/>
+                    <a:lstStyle/>
+                    <a:p>
+                      <a:r>
+                        <a:rPr lang="es-MX" dirty="0"/>
+                        <a:t>…</a:t>
+                      </a:r>
+                    </a:p>
+                  </a:txBody>
+                  <a:tcPr/>
+                </a:tc>
+                <a:tc>
+                  <a:txBody>
+                    <a:bodyPr/>
+                    <a:lstStyle/>
+                    <a:p>
+                      <a:endParaRPr lang="es-MX"/>
+                    </a:p>
+                  </a:txBody>
+                  <a:tcPr/>
+                </a:tc>
+                <a:tc>
+                  <a:txBody>
+                    <a:bodyPr/>
+                    <a:lstStyle/>
+                    <a:p>
+                      <a:endParaRPr lang="es-MX"/>
+                    </a:p>
+                  </a:txBody>
+                  <a:tcPr/>
+                </a:tc>
+                <a:tc>
+                  <a:txBody>
+                    <a:bodyPr/>
+                    <a:lstStyle/>
+                    <a:p>
+                      <a:endParaRPr lang="es-MX"/>
+                    </a:p>
+                  </a:txBody>
+                  <a:tcPr/>
+                </a:tc>
+                <a:tc>
+                  <a:txBody>
+                    <a:bodyPr/>
+                    <a:lstStyle/>
+                    <a:p>
+                      <a:endParaRPr lang="es-MX"/>
+                    </a:p>
+                  </a:txBody>
+                  <a:tcPr/>
+                </a:tc>
+                <a:extLst>
+                  <a:ext uri="{0D108BD9-81ED-4DB2-BD59-A6C34878D82A}">
+                    <a16:rowId xmlns:a16="http://schemas.microsoft.com/office/drawing/2014/main" val="3361288856"/>
+                  </a:ext>
+                </a:extLst>
+              </a:tr>
+              <a:tr h="370840">
+                <a:tc>
+                  <a:txBody>
+                    <a:bodyPr/>
+                    <a:lstStyle/>
+                    <a:p>
+                      <a:r>
+                        <a:rPr lang="es-MX" dirty="0"/>
+                        <a:t>…</a:t>
+                      </a:r>
+                    </a:p>
+                  </a:txBody>
+                  <a:tcPr/>
+                </a:tc>
+                <a:tc>
+                  <a:txBody>
+                    <a:bodyPr/>
+                    <a:lstStyle/>
+                    <a:p>
+                      <a:endParaRPr lang="es-MX"/>
+                    </a:p>
+                  </a:txBody>
+                  <a:tcPr/>
+                </a:tc>
+                <a:tc>
+                  <a:txBody>
+                    <a:bodyPr/>
+                    <a:lstStyle/>
+                    <a:p>
+                      <a:endParaRPr lang="es-MX"/>
+                    </a:p>
+                  </a:txBody>
+                  <a:tcPr/>
+                </a:tc>
+                <a:tc>
+                  <a:txBody>
+                    <a:bodyPr/>
+                    <a:lstStyle/>
+                    <a:p>
+                      <a:endParaRPr lang="es-MX"/>
+                    </a:p>
+                  </a:txBody>
+                  <a:tcPr/>
+                </a:tc>
+                <a:tc>
+                  <a:txBody>
+                    <a:bodyPr/>
+                    <a:lstStyle/>
+                    <a:p>
+                      <a:endParaRPr lang="es-MX" dirty="0"/>
+                    </a:p>
+                  </a:txBody>
+                  <a:tcPr/>
+                </a:tc>
+                <a:extLst>
+                  <a:ext uri="{0D108BD9-81ED-4DB2-BD59-A6C34878D82A}">
+                    <a16:rowId xmlns:a16="http://schemas.microsoft.com/office/drawing/2014/main" val="61845317"/>
+                  </a:ext>
+                </a:extLst>
+              </a:tr>
+              <a:tr h="370840">
+                <a:tc>
+                  <a:txBody>
+                    <a:bodyPr/>
+                    <a:lstStyle/>
+                    <a:p>
+                      <a:r>
+                        <a:rPr lang="es-MX" dirty="0"/>
+                        <a:t>15</a:t>
+                      </a:r>
+                    </a:p>
+                  </a:txBody>
+                  <a:tcPr/>
+                </a:tc>
+                <a:tc>
+                  <a:txBody>
+                    <a:bodyPr/>
+                    <a:lstStyle/>
+                    <a:p>
+                      <a:r>
+                        <a:rPr lang="es-MX" dirty="0"/>
+                        <a:t>Caja de ahorro</a:t>
+                      </a:r>
+                    </a:p>
+                  </a:txBody>
+                  <a:tcPr/>
+                </a:tc>
+                <a:tc>
+                  <a:txBody>
+                    <a:bodyPr/>
+                    <a:lstStyle/>
+                    <a:p>
+                      <a:r>
+                        <a:rPr lang="es-MX" dirty="0"/>
+                        <a:t>Deducción Impuesto</a:t>
+                      </a:r>
+                    </a:p>
+                  </a:txBody>
+                  <a:tcPr/>
+                </a:tc>
+                <a:tc>
+                  <a:txBody>
+                    <a:bodyPr/>
+                    <a:lstStyle/>
+                    <a:p>
+                      <a:r>
+                        <a:rPr lang="es-MX" dirty="0"/>
+                        <a:t>15</a:t>
+                      </a:r>
+                    </a:p>
+                  </a:txBody>
+                  <a:tcPr/>
+                </a:tc>
+                <a:tc>
+                  <a:txBody>
+                    <a:bodyPr/>
+                    <a:lstStyle/>
+                    <a:p>
+                      <a:r>
+                        <a:rPr lang="es-MX" dirty="0"/>
+                        <a:t>Ahorros</a:t>
+                      </a:r>
+                    </a:p>
+                  </a:txBody>
+                  <a:tcPr/>
+                </a:tc>
+                <a:extLst>
+                  <a:ext uri="{0D108BD9-81ED-4DB2-BD59-A6C34878D82A}">
+                    <a16:rowId xmlns:a16="http://schemas.microsoft.com/office/drawing/2014/main" val="655081239"/>
+                  </a:ext>
+                </a:extLst>
+              </a:tr>
+              <a:tr h="370840">
+                <a:tc>
+                  <a:txBody>
+                    <a:bodyPr/>
+                    <a:lstStyle/>
+                    <a:p>
+                      <a:r>
+                        <a:rPr lang="es-MX" dirty="0"/>
+                        <a:t>…</a:t>
+                      </a:r>
+                    </a:p>
+                  </a:txBody>
+                  <a:tcPr/>
+                </a:tc>
+                <a:tc>
+                  <a:txBody>
+                    <a:bodyPr/>
+                    <a:lstStyle/>
+                    <a:p>
+                      <a:endParaRPr lang="es-MX" dirty="0"/>
+                    </a:p>
+                  </a:txBody>
+                  <a:tcPr/>
+                </a:tc>
+                <a:tc>
+                  <a:txBody>
+                    <a:bodyPr/>
+                    <a:lstStyle/>
+                    <a:p>
+                      <a:endParaRPr lang="es-MX" dirty="0"/>
+                    </a:p>
+                  </a:txBody>
+                  <a:tcPr/>
+                </a:tc>
+                <a:tc>
+                  <a:txBody>
+                    <a:bodyPr/>
+                    <a:lstStyle/>
+                    <a:p>
+                      <a:endParaRPr lang="es-MX" dirty="0"/>
+                    </a:p>
+                  </a:txBody>
+                  <a:tcPr/>
+                </a:tc>
+                <a:tc>
+                  <a:txBody>
+                    <a:bodyPr/>
+                    <a:lstStyle/>
+                    <a:p>
+                      <a:endParaRPr lang="es-MX" dirty="0"/>
+                    </a:p>
+                  </a:txBody>
+                  <a:tcPr/>
+                </a:tc>
+                <a:extLst>
+                  <a:ext uri="{0D108BD9-81ED-4DB2-BD59-A6C34878D82A}">
+                    <a16:rowId xmlns:a16="http://schemas.microsoft.com/office/drawing/2014/main" val="175323464"/>
+                  </a:ext>
+                </a:extLst>
+              </a:tr>
+              <a:tr h="370840">
+                <a:tc>
+                  <a:txBody>
+                    <a:bodyPr/>
+                    <a:lstStyle/>
+                    <a:p>
+                      <a:r>
+                        <a:rPr lang="es-MX" dirty="0"/>
+                        <a:t>…</a:t>
+                      </a:r>
+                    </a:p>
+                  </a:txBody>
+                  <a:tcPr/>
+                </a:tc>
+                <a:tc>
+                  <a:txBody>
+                    <a:bodyPr/>
+                    <a:lstStyle/>
+                    <a:p>
+                      <a:endParaRPr lang="es-MX" dirty="0"/>
+                    </a:p>
+                  </a:txBody>
+                  <a:tcPr/>
+                </a:tc>
+                <a:tc>
+                  <a:txBody>
+                    <a:bodyPr/>
+                    <a:lstStyle/>
+                    <a:p>
+                      <a:endParaRPr lang="es-MX" dirty="0"/>
+                    </a:p>
+                  </a:txBody>
+                  <a:tcPr/>
+                </a:tc>
+                <a:tc>
+                  <a:txBody>
+                    <a:bodyPr/>
+                    <a:lstStyle/>
+                    <a:p>
+                      <a:endParaRPr lang="es-MX" dirty="0"/>
+                    </a:p>
+                  </a:txBody>
+                  <a:tcPr/>
+                </a:tc>
+                <a:tc>
+                  <a:txBody>
+                    <a:bodyPr/>
+                    <a:lstStyle/>
+                    <a:p>
+                      <a:endParaRPr lang="es-MX" dirty="0"/>
+                    </a:p>
+                  </a:txBody>
+                  <a:tcPr/>
+                </a:tc>
+                <a:extLst>
+                  <a:ext uri="{0D108BD9-81ED-4DB2-BD59-A6C34878D82A}">
+                    <a16:rowId xmlns:a16="http://schemas.microsoft.com/office/drawing/2014/main" val="345380153"/>
+                  </a:ext>
+                </a:extLst>
+              </a:tr>
+            </a:tbl>
+          </a:graphicData>
+        </a:graphic>
+      </p:graphicFrame>
+      <p:sp>
+        <p:nvSpPr>
+          <p:cNvPr id="8" name="Rectángulo 7">
+            <a:extLst>
+              <a:ext uri="{FF2B5EF4-FFF2-40B4-BE49-F238E27FC236}">
+                <a16:creationId xmlns:a16="http://schemas.microsoft.com/office/drawing/2014/main" id="{B4D77DE5-67DE-49ED-9DDD-4DEFA7CEBE4F}"/>
+              </a:ext>
+            </a:extLst>
+          </p:cNvPr>
+          <p:cNvSpPr/>
+          <p:nvPr/>
+        </p:nvSpPr>
+        <p:spPr>
+          <a:xfrm>
+            <a:off x="1937857" y="2323751"/>
+            <a:ext cx="1610686" cy="310392"/>
+          </a:xfrm>
+          <a:prstGeom prst="rect">
+            <a:avLst/>
+          </a:prstGeom>
+          <a:noFill/>
+        </p:spPr>
+        <p:style>
+          <a:lnRef idx="2">
+            <a:schemeClr val="accent1">
+              <a:shade val="50000"/>
+            </a:schemeClr>
+          </a:lnRef>
+          <a:fillRef idx="1">
+            <a:schemeClr val="accent1"/>
+          </a:fillRef>
+          <a:effectRef idx="0">
+            <a:schemeClr val="accent1"/>
+          </a:effectRef>
+          <a:fontRef idx="minor">
+            <a:schemeClr val="lt1"/>
+          </a:fontRef>
+        </p:style>
+        <p:txBody>
+          <a:bodyPr rtlCol="0" anchor="ctr"/>
+          <a:lstStyle/>
+          <a:p>
+            <a:pPr algn="ctr"/>
+            <a:endParaRPr lang="es-MX"/>
+          </a:p>
+        </p:txBody>
+      </p:sp>
+      <p:sp>
+        <p:nvSpPr>
+          <p:cNvPr id="9" name="CuadroTexto 8">
+            <a:extLst>
+              <a:ext uri="{FF2B5EF4-FFF2-40B4-BE49-F238E27FC236}">
+                <a16:creationId xmlns:a16="http://schemas.microsoft.com/office/drawing/2014/main" id="{C8B634B3-E8A4-4043-ACB9-9033F5FEB388}"/>
+              </a:ext>
+            </a:extLst>
+          </p:cNvPr>
+          <p:cNvSpPr txBox="1"/>
+          <p:nvPr/>
+        </p:nvSpPr>
+        <p:spPr>
+          <a:xfrm>
+            <a:off x="511728" y="2264811"/>
+            <a:ext cx="1224793" cy="369332"/>
+          </a:xfrm>
+          <a:prstGeom prst="rect">
+            <a:avLst/>
+          </a:prstGeom>
+          <a:noFill/>
+        </p:spPr>
+        <p:txBody>
+          <a:bodyPr wrap="square" rtlCol="0">
+            <a:spAutoFit/>
+          </a:bodyPr>
+          <a:lstStyle/>
+          <a:p>
+            <a:pPr algn="r"/>
+            <a:r>
+              <a:rPr lang="es-MX" dirty="0"/>
+              <a:t>País</a:t>
+            </a:r>
+          </a:p>
+        </p:txBody>
+      </p:sp>
+      <p:sp>
+        <p:nvSpPr>
+          <p:cNvPr id="10" name="CuadroTexto 9">
+            <a:extLst>
+              <a:ext uri="{FF2B5EF4-FFF2-40B4-BE49-F238E27FC236}">
+                <a16:creationId xmlns:a16="http://schemas.microsoft.com/office/drawing/2014/main" id="{426FF1E6-B42A-4DFC-AE41-F95BB2F93AD4}"/>
+              </a:ext>
+            </a:extLst>
+          </p:cNvPr>
+          <p:cNvSpPr txBox="1"/>
+          <p:nvPr/>
+        </p:nvSpPr>
+        <p:spPr>
+          <a:xfrm>
+            <a:off x="1979802" y="2266210"/>
+            <a:ext cx="1224793" cy="369332"/>
+          </a:xfrm>
+          <a:prstGeom prst="rect">
+            <a:avLst/>
+          </a:prstGeom>
+          <a:noFill/>
+        </p:spPr>
+        <p:txBody>
+          <a:bodyPr wrap="square" rtlCol="0">
+            <a:spAutoFit/>
+          </a:bodyPr>
+          <a:lstStyle/>
+          <a:p>
+            <a:r>
+              <a:rPr lang="es-MX" dirty="0"/>
+              <a:t>México</a:t>
+            </a:r>
+          </a:p>
+        </p:txBody>
+      </p:sp>
+      <p:sp>
+        <p:nvSpPr>
+          <p:cNvPr id="11" name="Triángulo isósceles 10">
+            <a:extLst>
+              <a:ext uri="{FF2B5EF4-FFF2-40B4-BE49-F238E27FC236}">
+                <a16:creationId xmlns:a16="http://schemas.microsoft.com/office/drawing/2014/main" id="{08188281-C8B6-4898-AB2F-6DB6FE3836E8}"/>
+              </a:ext>
+            </a:extLst>
+          </p:cNvPr>
+          <p:cNvSpPr/>
+          <p:nvPr/>
+        </p:nvSpPr>
+        <p:spPr>
+          <a:xfrm rot="10800000">
+            <a:off x="3313651" y="2382474"/>
+            <a:ext cx="134225" cy="176168"/>
+          </a:xfrm>
+          <a:prstGeom prst="triangle">
+            <a:avLst/>
+          </a:prstGeom>
+          <a:solidFill>
+            <a:schemeClr val="tx1"/>
+          </a:solidFill>
+        </p:spPr>
+        <p:style>
+          <a:lnRef idx="2">
+            <a:schemeClr val="accent1">
+              <a:shade val="50000"/>
+            </a:schemeClr>
+          </a:lnRef>
+          <a:fillRef idx="1">
+            <a:schemeClr val="accent1"/>
+          </a:fillRef>
+          <a:effectRef idx="0">
+            <a:schemeClr val="accent1"/>
+          </a:effectRef>
+          <a:fontRef idx="minor">
+            <a:schemeClr val="lt1"/>
+          </a:fontRef>
+        </p:style>
+        <p:txBody>
+          <a:bodyPr rtlCol="0" anchor="ctr"/>
+          <a:lstStyle/>
+          <a:p>
+            <a:pPr algn="ctr"/>
+            <a:endParaRPr lang="es-MX"/>
+          </a:p>
+        </p:txBody>
+      </p:sp>
+      <p:sp>
+        <p:nvSpPr>
+          <p:cNvPr id="12" name="Triángulo isósceles 11">
+            <a:extLst>
+              <a:ext uri="{FF2B5EF4-FFF2-40B4-BE49-F238E27FC236}">
+                <a16:creationId xmlns:a16="http://schemas.microsoft.com/office/drawing/2014/main" id="{E852BB06-E897-4BDD-85F3-85AEFAB73AB1}"/>
+              </a:ext>
+            </a:extLst>
+          </p:cNvPr>
+          <p:cNvSpPr/>
+          <p:nvPr/>
+        </p:nvSpPr>
+        <p:spPr>
+          <a:xfrm rot="10800000">
+            <a:off x="9237677" y="3289883"/>
+            <a:ext cx="134225" cy="176168"/>
+          </a:xfrm>
+          <a:prstGeom prst="triangle">
+            <a:avLst/>
+          </a:prstGeom>
+          <a:solidFill>
+            <a:schemeClr val="tx1"/>
+          </a:solidFill>
+        </p:spPr>
+        <p:style>
+          <a:lnRef idx="2">
+            <a:schemeClr val="accent1">
+              <a:shade val="50000"/>
+            </a:schemeClr>
+          </a:lnRef>
+          <a:fillRef idx="1">
+            <a:schemeClr val="accent1"/>
+          </a:fillRef>
+          <a:effectRef idx="0">
+            <a:schemeClr val="accent1"/>
+          </a:effectRef>
+          <a:fontRef idx="minor">
+            <a:schemeClr val="lt1"/>
+          </a:fontRef>
+        </p:style>
+        <p:txBody>
+          <a:bodyPr rtlCol="0" anchor="ctr"/>
+          <a:lstStyle/>
+          <a:p>
+            <a:pPr algn="ctr"/>
+            <a:endParaRPr lang="es-MX"/>
+          </a:p>
+        </p:txBody>
+      </p:sp>
+      <p:sp>
+        <p:nvSpPr>
+          <p:cNvPr id="13" name="Triángulo isósceles 12">
+            <a:extLst>
+              <a:ext uri="{FF2B5EF4-FFF2-40B4-BE49-F238E27FC236}">
+                <a16:creationId xmlns:a16="http://schemas.microsoft.com/office/drawing/2014/main" id="{46FBCDFF-336A-435E-A809-FAC9BED58437}"/>
+              </a:ext>
+            </a:extLst>
+          </p:cNvPr>
+          <p:cNvSpPr/>
+          <p:nvPr/>
+        </p:nvSpPr>
+        <p:spPr>
+          <a:xfrm rot="10800000">
+            <a:off x="9237676" y="3675336"/>
+            <a:ext cx="134225" cy="176168"/>
+          </a:xfrm>
+          <a:prstGeom prst="triangle">
+            <a:avLst/>
+          </a:prstGeom>
+          <a:solidFill>
+            <a:schemeClr val="tx1"/>
+          </a:solidFill>
+        </p:spPr>
+        <p:style>
+          <a:lnRef idx="2">
+            <a:schemeClr val="accent1">
+              <a:shade val="50000"/>
+            </a:schemeClr>
+          </a:lnRef>
+          <a:fillRef idx="1">
+            <a:schemeClr val="accent1"/>
+          </a:fillRef>
+          <a:effectRef idx="0">
+            <a:schemeClr val="accent1"/>
+          </a:effectRef>
+          <a:fontRef idx="minor">
+            <a:schemeClr val="lt1"/>
+          </a:fontRef>
+        </p:style>
+        <p:txBody>
+          <a:bodyPr rtlCol="0" anchor="ctr"/>
+          <a:lstStyle/>
+          <a:p>
+            <a:pPr algn="ctr"/>
+            <a:endParaRPr lang="es-MX"/>
+          </a:p>
+        </p:txBody>
+      </p:sp>
+      <p:sp>
+        <p:nvSpPr>
+          <p:cNvPr id="14" name="Triángulo isósceles 13">
+            <a:extLst>
+              <a:ext uri="{FF2B5EF4-FFF2-40B4-BE49-F238E27FC236}">
+                <a16:creationId xmlns:a16="http://schemas.microsoft.com/office/drawing/2014/main" id="{F6BA541D-7406-441E-95D3-A8A310D162A5}"/>
+              </a:ext>
+            </a:extLst>
+          </p:cNvPr>
+          <p:cNvSpPr/>
+          <p:nvPr/>
+        </p:nvSpPr>
+        <p:spPr>
+          <a:xfrm rot="10800000">
+            <a:off x="9237675" y="4794827"/>
+            <a:ext cx="134225" cy="176168"/>
+          </a:xfrm>
+          <a:prstGeom prst="triangle">
+            <a:avLst/>
+          </a:prstGeom>
+          <a:solidFill>
+            <a:schemeClr val="tx1"/>
+          </a:solidFill>
+        </p:spPr>
+        <p:style>
+          <a:lnRef idx="2">
+            <a:schemeClr val="accent1">
+              <a:shade val="50000"/>
+            </a:schemeClr>
+          </a:lnRef>
+          <a:fillRef idx="1">
+            <a:schemeClr val="accent1"/>
+          </a:fillRef>
+          <a:effectRef idx="0">
+            <a:schemeClr val="accent1"/>
+          </a:effectRef>
+          <a:fontRef idx="minor">
+            <a:schemeClr val="lt1"/>
+          </a:fontRef>
+        </p:style>
+        <p:txBody>
+          <a:bodyPr rtlCol="0" anchor="ctr"/>
+          <a:lstStyle/>
+          <a:p>
+            <a:pPr algn="ctr"/>
+            <a:endParaRPr lang="es-MX"/>
+          </a:p>
+        </p:txBody>
+      </p:sp>
+      <p:sp>
+        <p:nvSpPr>
+          <p:cNvPr id="15" name="Triángulo isósceles 14">
+            <a:extLst>
+              <a:ext uri="{FF2B5EF4-FFF2-40B4-BE49-F238E27FC236}">
+                <a16:creationId xmlns:a16="http://schemas.microsoft.com/office/drawing/2014/main" id="{53BC5241-A3C7-44B8-A710-9E5F961FC224}"/>
+              </a:ext>
+            </a:extLst>
+          </p:cNvPr>
+          <p:cNvSpPr/>
+          <p:nvPr/>
+        </p:nvSpPr>
+        <p:spPr>
+          <a:xfrm rot="10800000">
+            <a:off x="8039449" y="3289883"/>
+            <a:ext cx="134225" cy="176168"/>
+          </a:xfrm>
+          <a:prstGeom prst="triangle">
+            <a:avLst/>
+          </a:prstGeom>
+          <a:solidFill>
+            <a:schemeClr val="tx1"/>
+          </a:solidFill>
+        </p:spPr>
+        <p:style>
+          <a:lnRef idx="2">
+            <a:schemeClr val="accent1">
+              <a:shade val="50000"/>
+            </a:schemeClr>
+          </a:lnRef>
+          <a:fillRef idx="1">
+            <a:schemeClr val="accent1"/>
+          </a:fillRef>
+          <a:effectRef idx="0">
+            <a:schemeClr val="accent1"/>
+          </a:effectRef>
+          <a:fontRef idx="minor">
+            <a:schemeClr val="lt1"/>
+          </a:fontRef>
+        </p:style>
+        <p:txBody>
+          <a:bodyPr rtlCol="0" anchor="ctr"/>
+          <a:lstStyle/>
+          <a:p>
+            <a:pPr algn="ctr"/>
+            <a:endParaRPr lang="es-MX"/>
+          </a:p>
+        </p:txBody>
+      </p:sp>
+      <p:sp>
+        <p:nvSpPr>
+          <p:cNvPr id="16" name="Triángulo isósceles 15">
+            <a:extLst>
+              <a:ext uri="{FF2B5EF4-FFF2-40B4-BE49-F238E27FC236}">
+                <a16:creationId xmlns:a16="http://schemas.microsoft.com/office/drawing/2014/main" id="{D54916A4-6837-4C7A-B79E-2C913F1446F8}"/>
+              </a:ext>
+            </a:extLst>
+          </p:cNvPr>
+          <p:cNvSpPr/>
+          <p:nvPr/>
+        </p:nvSpPr>
+        <p:spPr>
+          <a:xfrm rot="10800000">
+            <a:off x="8039448" y="3675336"/>
+            <a:ext cx="134225" cy="176168"/>
+          </a:xfrm>
+          <a:prstGeom prst="triangle">
+            <a:avLst/>
+          </a:prstGeom>
+          <a:solidFill>
+            <a:schemeClr val="tx1"/>
+          </a:solidFill>
+        </p:spPr>
+        <p:style>
+          <a:lnRef idx="2">
+            <a:schemeClr val="accent1">
+              <a:shade val="50000"/>
+            </a:schemeClr>
+          </a:lnRef>
+          <a:fillRef idx="1">
+            <a:schemeClr val="accent1"/>
+          </a:fillRef>
+          <a:effectRef idx="0">
+            <a:schemeClr val="accent1"/>
+          </a:effectRef>
+          <a:fontRef idx="minor">
+            <a:schemeClr val="lt1"/>
+          </a:fontRef>
+        </p:style>
+        <p:txBody>
+          <a:bodyPr rtlCol="0" anchor="ctr"/>
+          <a:lstStyle/>
+          <a:p>
+            <a:pPr algn="ctr"/>
+            <a:endParaRPr lang="es-MX"/>
+          </a:p>
+        </p:txBody>
+      </p:sp>
+      <p:sp>
+        <p:nvSpPr>
+          <p:cNvPr id="17" name="Triángulo isósceles 16">
+            <a:extLst>
+              <a:ext uri="{FF2B5EF4-FFF2-40B4-BE49-F238E27FC236}">
+                <a16:creationId xmlns:a16="http://schemas.microsoft.com/office/drawing/2014/main" id="{9F1F7816-ABAC-4016-A0C8-C3D96EA17E67}"/>
+              </a:ext>
+            </a:extLst>
+          </p:cNvPr>
+          <p:cNvSpPr/>
+          <p:nvPr/>
+        </p:nvSpPr>
+        <p:spPr>
+          <a:xfrm rot="10800000">
+            <a:off x="8039447" y="4794827"/>
+            <a:ext cx="134225" cy="176168"/>
+          </a:xfrm>
+          <a:prstGeom prst="triangle">
+            <a:avLst/>
+          </a:prstGeom>
+          <a:solidFill>
+            <a:schemeClr val="tx1"/>
+          </a:solidFill>
+        </p:spPr>
+        <p:style>
+          <a:lnRef idx="2">
+            <a:schemeClr val="accent1">
+              <a:shade val="50000"/>
+            </a:schemeClr>
+          </a:lnRef>
+          <a:fillRef idx="1">
+            <a:schemeClr val="accent1"/>
+          </a:fillRef>
+          <a:effectRef idx="0">
+            <a:schemeClr val="accent1"/>
+          </a:effectRef>
+          <a:fontRef idx="minor">
+            <a:schemeClr val="lt1"/>
+          </a:fontRef>
+        </p:style>
+        <p:txBody>
+          <a:bodyPr rtlCol="0" anchor="ctr"/>
+          <a:lstStyle/>
+          <a:p>
+            <a:pPr algn="ctr"/>
+            <a:endParaRPr lang="es-MX"/>
+          </a:p>
+        </p:txBody>
+      </p:sp>
+    </p:spTree>
+    <p:extLst>
+      <p:ext uri="{BB962C8B-B14F-4D97-AF65-F5344CB8AC3E}">
+        <p14:creationId xmlns:p14="http://schemas.microsoft.com/office/powerpoint/2010/main" val="1594677429"/>
+      </p:ext>
+    </p:extLst>
+  </p:cSld>
+  <p:clrMapOvr>
+    <a:masterClrMapping/>
+  </p:clrMapOvr>
+</p:sld>
+</file>
+
+<file path=ppt/slides/slide20.xml><?xml version="1.0" encoding="utf-8"?>
 <p:sld xmlns:a="http://schemas.openxmlformats.org/drawingml/2006/main" xmlns:r="http://schemas.openxmlformats.org/officeDocument/2006/relationships" xmlns:p="http://schemas.openxmlformats.org/presentationml/2006/main">
   <p:cSld>
     <p:spTree>
@@ -22354,7 +25209,278 @@
 </p:sld>
 </file>
 
-<file path=ppt/slides/slide2.xml><?xml version="1.0" encoding="utf-8"?>
+<file path=ppt/slides/slide21.xml><?xml version="1.0" encoding="utf-8"?>
+<p:sld xmlns:a="http://schemas.openxmlformats.org/drawingml/2006/main" xmlns:r="http://schemas.openxmlformats.org/officeDocument/2006/relationships" xmlns:p="http://schemas.openxmlformats.org/presentationml/2006/main">
+  <p:cSld>
+    <p:spTree>
+      <p:nvGrpSpPr>
+        <p:cNvPr id="1" name=""/>
+        <p:cNvGrpSpPr/>
+        <p:nvPr/>
+      </p:nvGrpSpPr>
+      <p:grpSpPr>
+        <a:xfrm>
+          <a:off x="0" y="0"/>
+          <a:ext cx="0" cy="0"/>
+          <a:chOff x="0" y="0"/>
+          <a:chExt cx="0" cy="0"/>
+        </a:xfrm>
+      </p:grpSpPr>
+      <p:pic>
+        <p:nvPicPr>
+          <p:cNvPr id="3" name="Picture 1" descr="Inicio">
+            <a:extLst>
+              <a:ext uri="{FF2B5EF4-FFF2-40B4-BE49-F238E27FC236}">
+                <a16:creationId xmlns:a16="http://schemas.microsoft.com/office/drawing/2014/main" id="{4E9313C6-7636-4C68-8ABD-3B684A2D6314}"/>
+              </a:ext>
+            </a:extLst>
+          </p:cNvPr>
+          <p:cNvPicPr>
+            <a:picLocks noChangeAspect="1" noChangeArrowheads="1"/>
+          </p:cNvPicPr>
+          <p:nvPr/>
+        </p:nvPicPr>
+        <p:blipFill>
+          <a:blip r:embed="rId2">
+            <a:extLst>
+              <a:ext uri="{28A0092B-C50C-407E-A947-70E740481C1C}">
+                <a14:useLocalDpi xmlns:a14="http://schemas.microsoft.com/office/drawing/2010/main" val="0"/>
+              </a:ext>
+            </a:extLst>
+          </a:blip>
+          <a:srcRect/>
+          <a:stretch>
+            <a:fillRect/>
+          </a:stretch>
+        </p:blipFill>
+        <p:spPr bwMode="auto">
+          <a:xfrm>
+            <a:off x="2508308" y="1275127"/>
+            <a:ext cx="2762250" cy="552450"/>
+          </a:xfrm>
+          <a:prstGeom prst="rect">
+            <a:avLst/>
+          </a:prstGeom>
+          <a:noFill/>
+          <a:extLst>
+            <a:ext uri="{909E8E84-426E-40DD-AFC4-6F175D3DCCD1}">
+              <a14:hiddenFill xmlns:a14="http://schemas.microsoft.com/office/drawing/2010/main">
+                <a:solidFill>
+                  <a:srgbClr val="FFFFFF"/>
+                </a:solidFill>
+              </a14:hiddenFill>
+            </a:ext>
+          </a:extLst>
+        </p:spPr>
+      </p:pic>
+      <p:sp>
+        <p:nvSpPr>
+          <p:cNvPr id="4" name="CuadroTexto 3">
+            <a:extLst>
+              <a:ext uri="{FF2B5EF4-FFF2-40B4-BE49-F238E27FC236}">
+                <a16:creationId xmlns:a16="http://schemas.microsoft.com/office/drawing/2014/main" id="{E1717313-2642-4CBE-A4F1-9302DDD332C3}"/>
+              </a:ext>
+            </a:extLst>
+          </p:cNvPr>
+          <p:cNvSpPr txBox="1"/>
+          <p:nvPr/>
+        </p:nvSpPr>
+        <p:spPr>
+          <a:xfrm>
+            <a:off x="-1" y="0"/>
+            <a:ext cx="6296026" cy="369332"/>
+          </a:xfrm>
+          <a:prstGeom prst="rect">
+            <a:avLst/>
+          </a:prstGeom>
+          <a:noFill/>
+        </p:spPr>
+        <p:txBody>
+          <a:bodyPr wrap="square" rtlCol="0">
+            <a:spAutoFit/>
+          </a:bodyPr>
+          <a:lstStyle/>
+          <a:p>
+            <a:r>
+              <a:rPr lang="es-MX" dirty="0"/>
+              <a:t>20 Programa de Depuración o Cierre de </a:t>
+            </a:r>
+            <a:r>
+              <a:rPr lang="es-MX" dirty="0" err="1"/>
+              <a:t>Movs</a:t>
+            </a:r>
+            <a:r>
+              <a:rPr lang="es-MX" dirty="0"/>
+              <a:t>. no autorizados</a:t>
+            </a:r>
+          </a:p>
+        </p:txBody>
+      </p:sp>
+      <p:sp>
+        <p:nvSpPr>
+          <p:cNvPr id="5" name="CuadroTexto 4">
+            <a:extLst>
+              <a:ext uri="{FF2B5EF4-FFF2-40B4-BE49-F238E27FC236}">
+                <a16:creationId xmlns:a16="http://schemas.microsoft.com/office/drawing/2014/main" id="{7A556A2E-A7FA-45E2-8F2C-FFB6CFE8DFD5}"/>
+              </a:ext>
+            </a:extLst>
+          </p:cNvPr>
+          <p:cNvSpPr txBox="1"/>
+          <p:nvPr/>
+        </p:nvSpPr>
+        <p:spPr>
+          <a:xfrm>
+            <a:off x="931178" y="2751589"/>
+            <a:ext cx="7784983" cy="369332"/>
+          </a:xfrm>
+          <a:prstGeom prst="rect">
+            <a:avLst/>
+          </a:prstGeom>
+          <a:noFill/>
+        </p:spPr>
+        <p:txBody>
+          <a:bodyPr wrap="square" rtlCol="0">
+            <a:spAutoFit/>
+          </a:bodyPr>
+          <a:lstStyle/>
+          <a:p>
+            <a:r>
+              <a:rPr lang="es-MX" b="1" dirty="0">
+                <a:solidFill>
+                  <a:srgbClr val="FF0000"/>
+                </a:solidFill>
+              </a:rPr>
+              <a:t>Es un proceso fuera de Menús en el sistema y formularios de captura</a:t>
+            </a:r>
+          </a:p>
+        </p:txBody>
+      </p:sp>
+    </p:spTree>
+    <p:extLst>
+      <p:ext uri="{BB962C8B-B14F-4D97-AF65-F5344CB8AC3E}">
+        <p14:creationId xmlns:p14="http://schemas.microsoft.com/office/powerpoint/2010/main" val="97285743"/>
+      </p:ext>
+    </p:extLst>
+  </p:cSld>
+  <p:clrMapOvr>
+    <a:masterClrMapping/>
+  </p:clrMapOvr>
+</p:sld>
+</file>
+
+<file path=ppt/slides/slide22.xml><?xml version="1.0" encoding="utf-8"?>
+<p:sld xmlns:a="http://schemas.openxmlformats.org/drawingml/2006/main" xmlns:r="http://schemas.openxmlformats.org/officeDocument/2006/relationships" xmlns:p="http://schemas.openxmlformats.org/presentationml/2006/main">
+  <p:cSld>
+    <p:spTree>
+      <p:nvGrpSpPr>
+        <p:cNvPr id="1" name=""/>
+        <p:cNvGrpSpPr/>
+        <p:nvPr/>
+      </p:nvGrpSpPr>
+      <p:grpSpPr>
+        <a:xfrm>
+          <a:off x="0" y="0"/>
+          <a:ext cx="0" cy="0"/>
+          <a:chOff x="0" y="0"/>
+          <a:chExt cx="0" cy="0"/>
+        </a:xfrm>
+      </p:grpSpPr>
+      <p:pic>
+        <p:nvPicPr>
+          <p:cNvPr id="3" name="Picture 1" descr="Inicio">
+            <a:extLst>
+              <a:ext uri="{FF2B5EF4-FFF2-40B4-BE49-F238E27FC236}">
+                <a16:creationId xmlns:a16="http://schemas.microsoft.com/office/drawing/2014/main" id="{4E9313C6-7636-4C68-8ABD-3B684A2D6314}"/>
+              </a:ext>
+            </a:extLst>
+          </p:cNvPr>
+          <p:cNvPicPr>
+            <a:picLocks noChangeAspect="1" noChangeArrowheads="1"/>
+          </p:cNvPicPr>
+          <p:nvPr/>
+        </p:nvPicPr>
+        <p:blipFill>
+          <a:blip r:embed="rId2">
+            <a:extLst>
+              <a:ext uri="{28A0092B-C50C-407E-A947-70E740481C1C}">
+                <a14:useLocalDpi xmlns:a14="http://schemas.microsoft.com/office/drawing/2010/main" val="0"/>
+              </a:ext>
+            </a:extLst>
+          </a:blip>
+          <a:srcRect/>
+          <a:stretch>
+            <a:fillRect/>
+          </a:stretch>
+        </p:blipFill>
+        <p:spPr bwMode="auto">
+          <a:xfrm>
+            <a:off x="2508308" y="1275127"/>
+            <a:ext cx="2762250" cy="552450"/>
+          </a:xfrm>
+          <a:prstGeom prst="rect">
+            <a:avLst/>
+          </a:prstGeom>
+          <a:noFill/>
+          <a:extLst>
+            <a:ext uri="{909E8E84-426E-40DD-AFC4-6F175D3DCCD1}">
+              <a14:hiddenFill xmlns:a14="http://schemas.microsoft.com/office/drawing/2010/main">
+                <a:solidFill>
+                  <a:srgbClr val="FFFFFF"/>
+                </a:solidFill>
+              </a14:hiddenFill>
+            </a:ext>
+          </a:extLst>
+        </p:spPr>
+      </p:pic>
+      <p:sp>
+        <p:nvSpPr>
+          <p:cNvPr id="4" name="CuadroTexto 3">
+            <a:extLst>
+              <a:ext uri="{FF2B5EF4-FFF2-40B4-BE49-F238E27FC236}">
+                <a16:creationId xmlns:a16="http://schemas.microsoft.com/office/drawing/2014/main" id="{3F19C1EE-908C-4B62-B0AC-F2E75235BCA2}"/>
+              </a:ext>
+            </a:extLst>
+          </p:cNvPr>
+          <p:cNvSpPr txBox="1"/>
+          <p:nvPr/>
+        </p:nvSpPr>
+        <p:spPr>
+          <a:xfrm>
+            <a:off x="0" y="0"/>
+            <a:ext cx="4555222" cy="369332"/>
+          </a:xfrm>
+          <a:prstGeom prst="rect">
+            <a:avLst/>
+          </a:prstGeom>
+          <a:noFill/>
+        </p:spPr>
+        <p:txBody>
+          <a:bodyPr wrap="square" rtlCol="0">
+            <a:spAutoFit/>
+          </a:bodyPr>
+          <a:lstStyle/>
+          <a:p>
+            <a:r>
+              <a:rPr lang="es-MX" dirty="0"/>
+              <a:t>.</a:t>
+            </a:r>
+          </a:p>
+        </p:txBody>
+      </p:sp>
+    </p:spTree>
+    <p:extLst>
+      <p:ext uri="{BB962C8B-B14F-4D97-AF65-F5344CB8AC3E}">
+        <p14:creationId xmlns:p14="http://schemas.microsoft.com/office/powerpoint/2010/main" val="299088019"/>
+      </p:ext>
+    </p:extLst>
+  </p:cSld>
+  <p:clrMapOvr>
+    <a:masterClrMapping/>
+  </p:clrMapOvr>
+</p:sld>
+</file>
+
+<file path=ppt/slides/slide3.xml><?xml version="1.0" encoding="utf-8"?>
 <p:sld xmlns:a="http://schemas.openxmlformats.org/drawingml/2006/main" xmlns:r="http://schemas.openxmlformats.org/officeDocument/2006/relationships" xmlns:p="http://schemas.openxmlformats.org/presentationml/2006/main">
   <p:cSld>
     <p:spTree>
@@ -23046,278 +26172,7 @@
 </p:sld>
 </file>
 
-<file path=ppt/slides/slide20.xml><?xml version="1.0" encoding="utf-8"?>
-<p:sld xmlns:a="http://schemas.openxmlformats.org/drawingml/2006/main" xmlns:r="http://schemas.openxmlformats.org/officeDocument/2006/relationships" xmlns:p="http://schemas.openxmlformats.org/presentationml/2006/main">
-  <p:cSld>
-    <p:spTree>
-      <p:nvGrpSpPr>
-        <p:cNvPr id="1" name=""/>
-        <p:cNvGrpSpPr/>
-        <p:nvPr/>
-      </p:nvGrpSpPr>
-      <p:grpSpPr>
-        <a:xfrm>
-          <a:off x="0" y="0"/>
-          <a:ext cx="0" cy="0"/>
-          <a:chOff x="0" y="0"/>
-          <a:chExt cx="0" cy="0"/>
-        </a:xfrm>
-      </p:grpSpPr>
-      <p:pic>
-        <p:nvPicPr>
-          <p:cNvPr id="3" name="Picture 1" descr="Inicio">
-            <a:extLst>
-              <a:ext uri="{FF2B5EF4-FFF2-40B4-BE49-F238E27FC236}">
-                <a16:creationId xmlns:a16="http://schemas.microsoft.com/office/drawing/2014/main" id="{4E9313C6-7636-4C68-8ABD-3B684A2D6314}"/>
-              </a:ext>
-            </a:extLst>
-          </p:cNvPr>
-          <p:cNvPicPr>
-            <a:picLocks noChangeAspect="1" noChangeArrowheads="1"/>
-          </p:cNvPicPr>
-          <p:nvPr/>
-        </p:nvPicPr>
-        <p:blipFill>
-          <a:blip r:embed="rId2">
-            <a:extLst>
-              <a:ext uri="{28A0092B-C50C-407E-A947-70E740481C1C}">
-                <a14:useLocalDpi xmlns:a14="http://schemas.microsoft.com/office/drawing/2010/main" val="0"/>
-              </a:ext>
-            </a:extLst>
-          </a:blip>
-          <a:srcRect/>
-          <a:stretch>
-            <a:fillRect/>
-          </a:stretch>
-        </p:blipFill>
-        <p:spPr bwMode="auto">
-          <a:xfrm>
-            <a:off x="2508308" y="1275127"/>
-            <a:ext cx="2762250" cy="552450"/>
-          </a:xfrm>
-          <a:prstGeom prst="rect">
-            <a:avLst/>
-          </a:prstGeom>
-          <a:noFill/>
-          <a:extLst>
-            <a:ext uri="{909E8E84-426E-40DD-AFC4-6F175D3DCCD1}">
-              <a14:hiddenFill xmlns:a14="http://schemas.microsoft.com/office/drawing/2010/main">
-                <a:solidFill>
-                  <a:srgbClr val="FFFFFF"/>
-                </a:solidFill>
-              </a14:hiddenFill>
-            </a:ext>
-          </a:extLst>
-        </p:spPr>
-      </p:pic>
-      <p:sp>
-        <p:nvSpPr>
-          <p:cNvPr id="4" name="CuadroTexto 3">
-            <a:extLst>
-              <a:ext uri="{FF2B5EF4-FFF2-40B4-BE49-F238E27FC236}">
-                <a16:creationId xmlns:a16="http://schemas.microsoft.com/office/drawing/2014/main" id="{E1717313-2642-4CBE-A4F1-9302DDD332C3}"/>
-              </a:ext>
-            </a:extLst>
-          </p:cNvPr>
-          <p:cNvSpPr txBox="1"/>
-          <p:nvPr/>
-        </p:nvSpPr>
-        <p:spPr>
-          <a:xfrm>
-            <a:off x="-1" y="0"/>
-            <a:ext cx="6296026" cy="369332"/>
-          </a:xfrm>
-          <a:prstGeom prst="rect">
-            <a:avLst/>
-          </a:prstGeom>
-          <a:noFill/>
-        </p:spPr>
-        <p:txBody>
-          <a:bodyPr wrap="square" rtlCol="0">
-            <a:spAutoFit/>
-          </a:bodyPr>
-          <a:lstStyle/>
-          <a:p>
-            <a:r>
-              <a:rPr lang="es-MX" dirty="0"/>
-              <a:t>20 Programa de Depuración o Cierre de </a:t>
-            </a:r>
-            <a:r>
-              <a:rPr lang="es-MX" dirty="0" err="1"/>
-              <a:t>Movs</a:t>
-            </a:r>
-            <a:r>
-              <a:rPr lang="es-MX" dirty="0"/>
-              <a:t>. no autorizados</a:t>
-            </a:r>
-          </a:p>
-        </p:txBody>
-      </p:sp>
-      <p:sp>
-        <p:nvSpPr>
-          <p:cNvPr id="5" name="CuadroTexto 4">
-            <a:extLst>
-              <a:ext uri="{FF2B5EF4-FFF2-40B4-BE49-F238E27FC236}">
-                <a16:creationId xmlns:a16="http://schemas.microsoft.com/office/drawing/2014/main" id="{7A556A2E-A7FA-45E2-8F2C-FFB6CFE8DFD5}"/>
-              </a:ext>
-            </a:extLst>
-          </p:cNvPr>
-          <p:cNvSpPr txBox="1"/>
-          <p:nvPr/>
-        </p:nvSpPr>
-        <p:spPr>
-          <a:xfrm>
-            <a:off x="931178" y="2751589"/>
-            <a:ext cx="7784983" cy="369332"/>
-          </a:xfrm>
-          <a:prstGeom prst="rect">
-            <a:avLst/>
-          </a:prstGeom>
-          <a:noFill/>
-        </p:spPr>
-        <p:txBody>
-          <a:bodyPr wrap="square" rtlCol="0">
-            <a:spAutoFit/>
-          </a:bodyPr>
-          <a:lstStyle/>
-          <a:p>
-            <a:r>
-              <a:rPr lang="es-MX" b="1" dirty="0">
-                <a:solidFill>
-                  <a:srgbClr val="FF0000"/>
-                </a:solidFill>
-              </a:rPr>
-              <a:t>Es un proceso fuera de Menús en el sistema y formularios de captura</a:t>
-            </a:r>
-          </a:p>
-        </p:txBody>
-      </p:sp>
-    </p:spTree>
-    <p:extLst>
-      <p:ext uri="{BB962C8B-B14F-4D97-AF65-F5344CB8AC3E}">
-        <p14:creationId xmlns:p14="http://schemas.microsoft.com/office/powerpoint/2010/main" val="97285743"/>
-      </p:ext>
-    </p:extLst>
-  </p:cSld>
-  <p:clrMapOvr>
-    <a:masterClrMapping/>
-  </p:clrMapOvr>
-</p:sld>
-</file>
-
-<file path=ppt/slides/slide21.xml><?xml version="1.0" encoding="utf-8"?>
-<p:sld xmlns:a="http://schemas.openxmlformats.org/drawingml/2006/main" xmlns:r="http://schemas.openxmlformats.org/officeDocument/2006/relationships" xmlns:p="http://schemas.openxmlformats.org/presentationml/2006/main">
-  <p:cSld>
-    <p:spTree>
-      <p:nvGrpSpPr>
-        <p:cNvPr id="1" name=""/>
-        <p:cNvGrpSpPr/>
-        <p:nvPr/>
-      </p:nvGrpSpPr>
-      <p:grpSpPr>
-        <a:xfrm>
-          <a:off x="0" y="0"/>
-          <a:ext cx="0" cy="0"/>
-          <a:chOff x="0" y="0"/>
-          <a:chExt cx="0" cy="0"/>
-        </a:xfrm>
-      </p:grpSpPr>
-      <p:pic>
-        <p:nvPicPr>
-          <p:cNvPr id="3" name="Picture 1" descr="Inicio">
-            <a:extLst>
-              <a:ext uri="{FF2B5EF4-FFF2-40B4-BE49-F238E27FC236}">
-                <a16:creationId xmlns:a16="http://schemas.microsoft.com/office/drawing/2014/main" id="{4E9313C6-7636-4C68-8ABD-3B684A2D6314}"/>
-              </a:ext>
-            </a:extLst>
-          </p:cNvPr>
-          <p:cNvPicPr>
-            <a:picLocks noChangeAspect="1" noChangeArrowheads="1"/>
-          </p:cNvPicPr>
-          <p:nvPr/>
-        </p:nvPicPr>
-        <p:blipFill>
-          <a:blip r:embed="rId2">
-            <a:extLst>
-              <a:ext uri="{28A0092B-C50C-407E-A947-70E740481C1C}">
-                <a14:useLocalDpi xmlns:a14="http://schemas.microsoft.com/office/drawing/2010/main" val="0"/>
-              </a:ext>
-            </a:extLst>
-          </a:blip>
-          <a:srcRect/>
-          <a:stretch>
-            <a:fillRect/>
-          </a:stretch>
-        </p:blipFill>
-        <p:spPr bwMode="auto">
-          <a:xfrm>
-            <a:off x="2508308" y="1275127"/>
-            <a:ext cx="2762250" cy="552450"/>
-          </a:xfrm>
-          <a:prstGeom prst="rect">
-            <a:avLst/>
-          </a:prstGeom>
-          <a:noFill/>
-          <a:extLst>
-            <a:ext uri="{909E8E84-426E-40DD-AFC4-6F175D3DCCD1}">
-              <a14:hiddenFill xmlns:a14="http://schemas.microsoft.com/office/drawing/2010/main">
-                <a:solidFill>
-                  <a:srgbClr val="FFFFFF"/>
-                </a:solidFill>
-              </a14:hiddenFill>
-            </a:ext>
-          </a:extLst>
-        </p:spPr>
-      </p:pic>
-      <p:sp>
-        <p:nvSpPr>
-          <p:cNvPr id="4" name="CuadroTexto 3">
-            <a:extLst>
-              <a:ext uri="{FF2B5EF4-FFF2-40B4-BE49-F238E27FC236}">
-                <a16:creationId xmlns:a16="http://schemas.microsoft.com/office/drawing/2014/main" id="{3F19C1EE-908C-4B62-B0AC-F2E75235BCA2}"/>
-              </a:ext>
-            </a:extLst>
-          </p:cNvPr>
-          <p:cNvSpPr txBox="1"/>
-          <p:nvPr/>
-        </p:nvSpPr>
-        <p:spPr>
-          <a:xfrm>
-            <a:off x="0" y="0"/>
-            <a:ext cx="4555222" cy="369332"/>
-          </a:xfrm>
-          <a:prstGeom prst="rect">
-            <a:avLst/>
-          </a:prstGeom>
-          <a:noFill/>
-        </p:spPr>
-        <p:txBody>
-          <a:bodyPr wrap="square" rtlCol="0">
-            <a:spAutoFit/>
-          </a:bodyPr>
-          <a:lstStyle/>
-          <a:p>
-            <a:r>
-              <a:rPr lang="es-MX" dirty="0"/>
-              <a:t>.</a:t>
-            </a:r>
-          </a:p>
-        </p:txBody>
-      </p:sp>
-    </p:spTree>
-    <p:extLst>
-      <p:ext uri="{BB962C8B-B14F-4D97-AF65-F5344CB8AC3E}">
-        <p14:creationId xmlns:p14="http://schemas.microsoft.com/office/powerpoint/2010/main" val="299088019"/>
-      </p:ext>
-    </p:extLst>
-  </p:cSld>
-  <p:clrMapOvr>
-    <a:masterClrMapping/>
-  </p:clrMapOvr>
-</p:sld>
-</file>
-
-<file path=ppt/slides/slide3.xml><?xml version="1.0" encoding="utf-8"?>
+<file path=ppt/slides/slide4.xml><?xml version="1.0" encoding="utf-8"?>
 <p:sld xmlns:a="http://schemas.openxmlformats.org/drawingml/2006/main" xmlns:r="http://schemas.openxmlformats.org/officeDocument/2006/relationships" xmlns:p="http://schemas.openxmlformats.org/presentationml/2006/main">
   <p:cSld>
     <p:spTree>
@@ -24355,7 +27210,7 @@
 </p:sld>
 </file>
 
-<file path=ppt/slides/slide4.xml><?xml version="1.0" encoding="utf-8"?>
+<file path=ppt/slides/slide5.xml><?xml version="1.0" encoding="utf-8"?>
 <p:sld xmlns:a="http://schemas.openxmlformats.org/drawingml/2006/main" xmlns:r="http://schemas.openxmlformats.org/officeDocument/2006/relationships" xmlns:p="http://schemas.openxmlformats.org/presentationml/2006/main">
   <p:cSld>
     <p:spTree>
@@ -26482,7 +29337,7 @@
 </p:sld>
 </file>
 
-<file path=ppt/slides/slide5.xml><?xml version="1.0" encoding="utf-8"?>
+<file path=ppt/slides/slide6.xml><?xml version="1.0" encoding="utf-8"?>
 <p:sld xmlns:a="http://schemas.openxmlformats.org/drawingml/2006/main" xmlns:r="http://schemas.openxmlformats.org/officeDocument/2006/relationships" xmlns:p="http://schemas.openxmlformats.org/presentationml/2006/main">
   <p:cSld>
     <p:spTree>
@@ -26576,7 +29431,7 @@
           <a:p>
             <a:r>
               <a:rPr lang="es-MX" dirty="0"/>
-              <a:t>ABC Estructura Organizacional</a:t>
+              <a:t>4. ABC Estructura Organizacional</a:t>
             </a:r>
           </a:p>
         </p:txBody>
@@ -26633,7 +29488,7 @@
 </p:sld>
 </file>
 
-<file path=ppt/slides/slide6.xml><?xml version="1.0" encoding="utf-8"?>
+<file path=ppt/slides/slide7.xml><?xml version="1.0" encoding="utf-8"?>
 <p:sld xmlns:a="http://schemas.openxmlformats.org/drawingml/2006/main" xmlns:r="http://schemas.openxmlformats.org/officeDocument/2006/relationships" xmlns:p="http://schemas.openxmlformats.org/presentationml/2006/main">
   <p:cSld>
     <p:spTree>
@@ -27525,7 +30380,7 @@
 </p:sld>
 </file>
 
-<file path=ppt/slides/slide7.xml><?xml version="1.0" encoding="utf-8"?>
+<file path=ppt/slides/slide8.xml><?xml version="1.0" encoding="utf-8"?>
 <p:sld xmlns:a="http://schemas.openxmlformats.org/drawingml/2006/main" xmlns:r="http://schemas.openxmlformats.org/officeDocument/2006/relationships" xmlns:p="http://schemas.openxmlformats.org/presentationml/2006/main">
   <p:cSld>
     <p:spTree>
@@ -28402,7 +31257,7 @@
 </p:sld>
 </file>
 
-<file path=ppt/slides/slide8.xml><?xml version="1.0" encoding="utf-8"?>
+<file path=ppt/slides/slide9.xml><?xml version="1.0" encoding="utf-8"?>
 <p:sld xmlns:a="http://schemas.openxmlformats.org/drawingml/2006/main" xmlns:r="http://schemas.openxmlformats.org/officeDocument/2006/relationships" xmlns:p="http://schemas.openxmlformats.org/presentationml/2006/main">
   <p:cSld>
     <p:spTree>
@@ -31420,2005 +34275,6 @@
     <p:extLst>
       <p:ext uri="{BB962C8B-B14F-4D97-AF65-F5344CB8AC3E}">
         <p14:creationId xmlns:p14="http://schemas.microsoft.com/office/powerpoint/2010/main" val="900177075"/>
-      </p:ext>
-    </p:extLst>
-  </p:cSld>
-  <p:clrMapOvr>
-    <a:masterClrMapping/>
-  </p:clrMapOvr>
-</p:sld>
-</file>
-
-<file path=ppt/slides/slide9.xml><?xml version="1.0" encoding="utf-8"?>
-<p:sld xmlns:a="http://schemas.openxmlformats.org/drawingml/2006/main" xmlns:r="http://schemas.openxmlformats.org/officeDocument/2006/relationships" xmlns:p="http://schemas.openxmlformats.org/presentationml/2006/main">
-  <p:cSld>
-    <p:spTree>
-      <p:nvGrpSpPr>
-        <p:cNvPr id="1" name=""/>
-        <p:cNvGrpSpPr/>
-        <p:nvPr/>
-      </p:nvGrpSpPr>
-      <p:grpSpPr>
-        <a:xfrm>
-          <a:off x="0" y="0"/>
-          <a:ext cx="0" cy="0"/>
-          <a:chOff x="0" y="0"/>
-          <a:chExt cx="0" cy="0"/>
-        </a:xfrm>
-      </p:grpSpPr>
-      <p:pic>
-        <p:nvPicPr>
-          <p:cNvPr id="3" name="Picture 1" descr="Inicio">
-            <a:extLst>
-              <a:ext uri="{FF2B5EF4-FFF2-40B4-BE49-F238E27FC236}">
-                <a16:creationId xmlns:a16="http://schemas.microsoft.com/office/drawing/2014/main" id="{85E39C0E-B9B0-4C0A-B196-FAF9F81E5271}"/>
-              </a:ext>
-            </a:extLst>
-          </p:cNvPr>
-          <p:cNvPicPr>
-            <a:picLocks noChangeAspect="1" noChangeArrowheads="1"/>
-          </p:cNvPicPr>
-          <p:nvPr/>
-        </p:nvPicPr>
-        <p:blipFill>
-          <a:blip r:embed="rId2">
-            <a:extLst>
-              <a:ext uri="{28A0092B-C50C-407E-A947-70E740481C1C}">
-                <a14:useLocalDpi xmlns:a14="http://schemas.microsoft.com/office/drawing/2010/main" val="0"/>
-              </a:ext>
-            </a:extLst>
-          </a:blip>
-          <a:srcRect/>
-          <a:stretch>
-            <a:fillRect/>
-          </a:stretch>
-        </p:blipFill>
-        <p:spPr bwMode="auto">
-          <a:xfrm>
-            <a:off x="2508308" y="1275127"/>
-            <a:ext cx="2762250" cy="552450"/>
-          </a:xfrm>
-          <a:prstGeom prst="rect">
-            <a:avLst/>
-          </a:prstGeom>
-          <a:noFill/>
-          <a:extLst>
-            <a:ext uri="{909E8E84-426E-40DD-AFC4-6F175D3DCCD1}">
-              <a14:hiddenFill xmlns:a14="http://schemas.microsoft.com/office/drawing/2010/main">
-                <a:solidFill>
-                  <a:srgbClr val="FFFFFF"/>
-                </a:solidFill>
-              </a14:hiddenFill>
-            </a:ext>
-          </a:extLst>
-        </p:spPr>
-      </p:pic>
-      <p:sp>
-        <p:nvSpPr>
-          <p:cNvPr id="4" name="CuadroTexto 3">
-            <a:extLst>
-              <a:ext uri="{FF2B5EF4-FFF2-40B4-BE49-F238E27FC236}">
-                <a16:creationId xmlns:a16="http://schemas.microsoft.com/office/drawing/2014/main" id="{E544784B-B685-464E-A1B9-CDE4ED712386}"/>
-              </a:ext>
-            </a:extLst>
-          </p:cNvPr>
-          <p:cNvSpPr txBox="1"/>
-          <p:nvPr/>
-        </p:nvSpPr>
-        <p:spPr>
-          <a:xfrm>
-            <a:off x="0" y="0"/>
-            <a:ext cx="3254928" cy="369332"/>
-          </a:xfrm>
-          <a:prstGeom prst="rect">
-            <a:avLst/>
-          </a:prstGeom>
-          <a:noFill/>
-        </p:spPr>
-        <p:txBody>
-          <a:bodyPr wrap="square" rtlCol="0">
-            <a:spAutoFit/>
-          </a:bodyPr>
-          <a:lstStyle/>
-          <a:p>
-            <a:r>
-              <a:rPr lang="es-MX" dirty="0"/>
-              <a:t>8. ABC Carga de Documentos</a:t>
-            </a:r>
-          </a:p>
-        </p:txBody>
-      </p:sp>
-      <p:graphicFrame>
-        <p:nvGraphicFramePr>
-          <p:cNvPr id="5" name="Tabla 4">
-            <a:extLst>
-              <a:ext uri="{FF2B5EF4-FFF2-40B4-BE49-F238E27FC236}">
-                <a16:creationId xmlns:a16="http://schemas.microsoft.com/office/drawing/2014/main" id="{F1BE4F58-DC59-4E8C-944A-0F602F5783E4}"/>
-              </a:ext>
-            </a:extLst>
-          </p:cNvPr>
-          <p:cNvGraphicFramePr>
-            <a:graphicFrameLocks noGrp="1"/>
-          </p:cNvGraphicFramePr>
-          <p:nvPr>
-            <p:extLst>
-              <p:ext uri="{D42A27DB-BD31-4B8C-83A1-F6EECF244321}">
-                <p14:modId xmlns:p14="http://schemas.microsoft.com/office/powerpoint/2010/main" val="1101318276"/>
-              </p:ext>
-            </p:extLst>
-          </p:nvPr>
-        </p:nvGraphicFramePr>
-        <p:xfrm>
-          <a:off x="511727" y="2834040"/>
-          <a:ext cx="11148968" cy="3708400"/>
-        </p:xfrm>
-        <a:graphic>
-          <a:graphicData uri="http://schemas.openxmlformats.org/drawingml/2006/table">
-            <a:tbl>
-              <a:tblPr firstRow="1" bandRow="1">
-                <a:tableStyleId>{69C7853C-536D-4A76-A0AE-DD22124D55A5}</a:tableStyleId>
-              </a:tblPr>
-              <a:tblGrid>
-                <a:gridCol w="1513724">
-                  <a:extLst>
-                    <a:ext uri="{9D8B030D-6E8A-4147-A177-3AD203B41FA5}">
-                      <a16:colId xmlns:a16="http://schemas.microsoft.com/office/drawing/2014/main" val="287041030"/>
-                    </a:ext>
-                  </a:extLst>
-                </a:gridCol>
-                <a:gridCol w="3091833">
-                  <a:extLst>
-                    <a:ext uri="{9D8B030D-6E8A-4147-A177-3AD203B41FA5}">
-                      <a16:colId xmlns:a16="http://schemas.microsoft.com/office/drawing/2014/main" val="295397756"/>
-                    </a:ext>
-                  </a:extLst>
-                </a:gridCol>
-                <a:gridCol w="2659310">
-                  <a:extLst>
-                    <a:ext uri="{9D8B030D-6E8A-4147-A177-3AD203B41FA5}">
-                      <a16:colId xmlns:a16="http://schemas.microsoft.com/office/drawing/2014/main" val="17263893"/>
-                    </a:ext>
-                  </a:extLst>
-                </a:gridCol>
-                <a:gridCol w="2500687">
-                  <a:extLst>
-                    <a:ext uri="{9D8B030D-6E8A-4147-A177-3AD203B41FA5}">
-                      <a16:colId xmlns:a16="http://schemas.microsoft.com/office/drawing/2014/main" val="4284784571"/>
-                    </a:ext>
-                  </a:extLst>
-                </a:gridCol>
-                <a:gridCol w="1383414">
-                  <a:extLst>
-                    <a:ext uri="{9D8B030D-6E8A-4147-A177-3AD203B41FA5}">
-                      <a16:colId xmlns:a16="http://schemas.microsoft.com/office/drawing/2014/main" val="3972575351"/>
-                    </a:ext>
-                  </a:extLst>
-                </a:gridCol>
-              </a:tblGrid>
-              <a:tr h="370840">
-                <a:tc>
-                  <a:txBody>
-                    <a:bodyPr/>
-                    <a:lstStyle/>
-                    <a:p>
-                      <a:r>
-                        <a:rPr lang="es-MX" dirty="0"/>
-                        <a:t>Folio Solicitud</a:t>
-                      </a:r>
-                    </a:p>
-                  </a:txBody>
-                  <a:tcPr/>
-                </a:tc>
-                <a:tc>
-                  <a:txBody>
-                    <a:bodyPr/>
-                    <a:lstStyle/>
-                    <a:p>
-                      <a:r>
-                        <a:rPr lang="es-MX" dirty="0"/>
-                        <a:t>Archivo</a:t>
-                      </a:r>
-                    </a:p>
-                  </a:txBody>
-                  <a:tcPr/>
-                </a:tc>
-                <a:tc>
-                  <a:txBody>
-                    <a:bodyPr/>
-                    <a:lstStyle/>
-                    <a:p>
-                      <a:r>
-                        <a:rPr lang="es-MX" dirty="0"/>
-                        <a:t>Id Solicitante/Autorizador</a:t>
-                      </a:r>
-                    </a:p>
-                  </a:txBody>
-                  <a:tcPr/>
-                </a:tc>
-                <a:tc>
-                  <a:txBody>
-                    <a:bodyPr/>
-                    <a:lstStyle/>
-                    <a:p>
-                      <a:r>
-                        <a:rPr lang="es-MX" dirty="0"/>
-                        <a:t>Solicitante/Autorizador</a:t>
-                      </a:r>
-                    </a:p>
-                  </a:txBody>
-                  <a:tcPr/>
-                </a:tc>
-                <a:tc>
-                  <a:txBody>
-                    <a:bodyPr/>
-                    <a:lstStyle/>
-                    <a:p>
-                      <a:endParaRPr lang="es-MX" dirty="0"/>
-                    </a:p>
-                  </a:txBody>
-                  <a:tcPr/>
-                </a:tc>
-                <a:extLst>
-                  <a:ext uri="{0D108BD9-81ED-4DB2-BD59-A6C34878D82A}">
-                    <a16:rowId xmlns:a16="http://schemas.microsoft.com/office/drawing/2014/main" val="2929165909"/>
-                  </a:ext>
-                </a:extLst>
-              </a:tr>
-              <a:tr h="370840">
-                <a:tc>
-                  <a:txBody>
-                    <a:bodyPr/>
-                    <a:lstStyle/>
-                    <a:p>
-                      <a:r>
-                        <a:rPr lang="es-MX" dirty="0"/>
-                        <a:t>1</a:t>
-                      </a:r>
-                    </a:p>
-                  </a:txBody>
-                  <a:tcPr/>
-                </a:tc>
-                <a:tc>
-                  <a:txBody>
-                    <a:bodyPr/>
-                    <a:lstStyle/>
-                    <a:p>
-                      <a:pPr marL="0" marR="0" lvl="0" indent="0" algn="l" defTabSz="914400" rtl="0" eaLnBrk="1" fontAlgn="auto" latinLnBrk="0" hangingPunct="1">
-                        <a:lnSpc>
-                          <a:spcPct val="100000"/>
-                        </a:lnSpc>
-                        <a:spcBef>
-                          <a:spcPts val="0"/>
-                        </a:spcBef>
-                        <a:spcAft>
-                          <a:spcPts val="0"/>
-                        </a:spcAft>
-                        <a:buClrTx/>
-                        <a:buSzTx/>
-                        <a:buFontTx/>
-                        <a:buNone/>
-                        <a:tabLst/>
-                        <a:defRPr/>
-                      </a:pPr>
-                      <a:r>
-                        <a:rPr lang="es-MX" dirty="0"/>
-                        <a:t>Autorización_semanal.xls</a:t>
-                      </a:r>
-                    </a:p>
-                  </a:txBody>
-                  <a:tcPr/>
-                </a:tc>
-                <a:tc>
-                  <a:txBody>
-                    <a:bodyPr/>
-                    <a:lstStyle/>
-                    <a:p>
-                      <a:r>
-                        <a:rPr lang="es-MX" dirty="0"/>
-                        <a:t>1</a:t>
-                      </a:r>
-                    </a:p>
-                  </a:txBody>
-                  <a:tcPr/>
-                </a:tc>
-                <a:tc>
-                  <a:txBody>
-                    <a:bodyPr/>
-                    <a:lstStyle/>
-                    <a:p>
-                      <a:pPr marL="0" marR="0" lvl="0" indent="0" algn="l" defTabSz="914400" rtl="0" eaLnBrk="1" fontAlgn="auto" latinLnBrk="0" hangingPunct="1">
-                        <a:lnSpc>
-                          <a:spcPct val="100000"/>
-                        </a:lnSpc>
-                        <a:spcBef>
-                          <a:spcPts val="0"/>
-                        </a:spcBef>
-                        <a:spcAft>
-                          <a:spcPts val="0"/>
-                        </a:spcAft>
-                        <a:buClrTx/>
-                        <a:buSzTx/>
-                        <a:buFontTx/>
-                        <a:buNone/>
-                        <a:tabLst/>
-                        <a:defRPr/>
-                      </a:pPr>
-                      <a:r>
-                        <a:rPr lang="es-MX" dirty="0"/>
-                        <a:t>Alberto</a:t>
-                      </a:r>
-                    </a:p>
-                  </a:txBody>
-                  <a:tcPr/>
-                </a:tc>
-                <a:tc>
-                  <a:txBody>
-                    <a:bodyPr/>
-                    <a:lstStyle/>
-                    <a:p>
-                      <a:endParaRPr lang="es-MX" dirty="0"/>
-                    </a:p>
-                  </a:txBody>
-                  <a:tcPr/>
-                </a:tc>
-                <a:extLst>
-                  <a:ext uri="{0D108BD9-81ED-4DB2-BD59-A6C34878D82A}">
-                    <a16:rowId xmlns:a16="http://schemas.microsoft.com/office/drawing/2014/main" val="185459679"/>
-                  </a:ext>
-                </a:extLst>
-              </a:tr>
-              <a:tr h="370840">
-                <a:tc>
-                  <a:txBody>
-                    <a:bodyPr/>
-                    <a:lstStyle/>
-                    <a:p>
-                      <a:r>
-                        <a:rPr lang="es-MX" dirty="0"/>
-                        <a:t>1</a:t>
-                      </a:r>
-                    </a:p>
-                  </a:txBody>
-                  <a:tcPr/>
-                </a:tc>
-                <a:tc>
-                  <a:txBody>
-                    <a:bodyPr/>
-                    <a:lstStyle/>
-                    <a:p>
-                      <a:pPr marL="0" marR="0" lvl="0" indent="0" algn="l" defTabSz="914400" rtl="0" eaLnBrk="1" fontAlgn="auto" latinLnBrk="0" hangingPunct="1">
-                        <a:lnSpc>
-                          <a:spcPct val="100000"/>
-                        </a:lnSpc>
-                        <a:spcBef>
-                          <a:spcPts val="0"/>
-                        </a:spcBef>
-                        <a:spcAft>
-                          <a:spcPts val="0"/>
-                        </a:spcAft>
-                        <a:buClrTx/>
-                        <a:buSzTx/>
-                        <a:buFontTx/>
-                        <a:buNone/>
-                        <a:tabLst/>
-                        <a:defRPr/>
-                      </a:pPr>
-                      <a:r>
-                        <a:rPr lang="es-MX" dirty="0"/>
-                        <a:t>Correo_Autorización.msg</a:t>
-                      </a:r>
-                    </a:p>
-                  </a:txBody>
-                  <a:tcPr/>
-                </a:tc>
-                <a:tc>
-                  <a:txBody>
-                    <a:bodyPr/>
-                    <a:lstStyle/>
-                    <a:p>
-                      <a:r>
-                        <a:rPr lang="es-MX" dirty="0"/>
-                        <a:t>4</a:t>
-                      </a:r>
-                    </a:p>
-                  </a:txBody>
-                  <a:tcPr/>
-                </a:tc>
-                <a:tc>
-                  <a:txBody>
-                    <a:bodyPr/>
-                    <a:lstStyle/>
-                    <a:p>
-                      <a:r>
-                        <a:rPr lang="es-MX" dirty="0"/>
-                        <a:t>Darío</a:t>
-                      </a:r>
-                    </a:p>
-                  </a:txBody>
-                  <a:tcPr/>
-                </a:tc>
-                <a:tc>
-                  <a:txBody>
-                    <a:bodyPr/>
-                    <a:lstStyle/>
-                    <a:p>
-                      <a:endParaRPr lang="es-MX" dirty="0"/>
-                    </a:p>
-                  </a:txBody>
-                  <a:tcPr/>
-                </a:tc>
-                <a:extLst>
-                  <a:ext uri="{0D108BD9-81ED-4DB2-BD59-A6C34878D82A}">
-                    <a16:rowId xmlns:a16="http://schemas.microsoft.com/office/drawing/2014/main" val="3658644719"/>
-                  </a:ext>
-                </a:extLst>
-              </a:tr>
-              <a:tr h="370840">
-                <a:tc>
-                  <a:txBody>
-                    <a:bodyPr/>
-                    <a:lstStyle/>
-                    <a:p>
-                      <a:r>
-                        <a:rPr lang="es-MX" dirty="0"/>
-                        <a:t>2</a:t>
-                      </a:r>
-                    </a:p>
-                  </a:txBody>
-                  <a:tcPr/>
-                </a:tc>
-                <a:tc>
-                  <a:txBody>
-                    <a:bodyPr/>
-                    <a:lstStyle/>
-                    <a:p>
-                      <a:pPr marL="0" marR="0" lvl="0" indent="0" algn="l" defTabSz="914400" rtl="0" eaLnBrk="1" fontAlgn="auto" latinLnBrk="0" hangingPunct="1">
-                        <a:lnSpc>
-                          <a:spcPct val="100000"/>
-                        </a:lnSpc>
-                        <a:spcBef>
-                          <a:spcPts val="0"/>
-                        </a:spcBef>
-                        <a:spcAft>
-                          <a:spcPts val="0"/>
-                        </a:spcAft>
-                        <a:buClrTx/>
-                        <a:buSzTx/>
-                        <a:buFontTx/>
-                        <a:buNone/>
-                        <a:tabLst/>
-                        <a:defRPr/>
-                      </a:pPr>
-                      <a:r>
-                        <a:rPr lang="es-MX" dirty="0"/>
-                        <a:t>Confirma_Autorización.msg</a:t>
-                      </a:r>
-                    </a:p>
-                  </a:txBody>
-                  <a:tcPr/>
-                </a:tc>
-                <a:tc>
-                  <a:txBody>
-                    <a:bodyPr/>
-                    <a:lstStyle/>
-                    <a:p>
-                      <a:r>
-                        <a:rPr lang="es-MX" dirty="0"/>
-                        <a:t>2</a:t>
-                      </a:r>
-                    </a:p>
-                  </a:txBody>
-                  <a:tcPr/>
-                </a:tc>
-                <a:tc>
-                  <a:txBody>
-                    <a:bodyPr/>
-                    <a:lstStyle/>
-                    <a:p>
-                      <a:r>
-                        <a:rPr lang="es-MX" dirty="0"/>
-                        <a:t>Beatriz</a:t>
-                      </a:r>
-                    </a:p>
-                  </a:txBody>
-                  <a:tcPr/>
-                </a:tc>
-                <a:tc>
-                  <a:txBody>
-                    <a:bodyPr/>
-                    <a:lstStyle/>
-                    <a:p>
-                      <a:endParaRPr lang="es-MX" dirty="0"/>
-                    </a:p>
-                  </a:txBody>
-                  <a:tcPr/>
-                </a:tc>
-                <a:extLst>
-                  <a:ext uri="{0D108BD9-81ED-4DB2-BD59-A6C34878D82A}">
-                    <a16:rowId xmlns:a16="http://schemas.microsoft.com/office/drawing/2014/main" val="3367508404"/>
-                  </a:ext>
-                </a:extLst>
-              </a:tr>
-              <a:tr h="370840">
-                <a:tc>
-                  <a:txBody>
-                    <a:bodyPr/>
-                    <a:lstStyle/>
-                    <a:p>
-                      <a:r>
-                        <a:rPr lang="es-MX" dirty="0"/>
-                        <a:t>2</a:t>
-                      </a:r>
-                    </a:p>
-                  </a:txBody>
-                  <a:tcPr/>
-                </a:tc>
-                <a:tc>
-                  <a:txBody>
-                    <a:bodyPr/>
-                    <a:lstStyle/>
-                    <a:p>
-                      <a:pPr marL="0" marR="0" lvl="0" indent="0" algn="l" defTabSz="914400" rtl="0" eaLnBrk="1" fontAlgn="auto" latinLnBrk="0" hangingPunct="1">
-                        <a:lnSpc>
-                          <a:spcPct val="100000"/>
-                        </a:lnSpc>
-                        <a:spcBef>
-                          <a:spcPts val="0"/>
-                        </a:spcBef>
-                        <a:spcAft>
-                          <a:spcPts val="0"/>
-                        </a:spcAft>
-                        <a:buClrTx/>
-                        <a:buSzTx/>
-                        <a:buFontTx/>
-                        <a:buNone/>
-                        <a:tabLst/>
-                        <a:defRPr/>
-                      </a:pPr>
-                      <a:r>
-                        <a:rPr lang="es-MX" dirty="0"/>
-                        <a:t>Archivo_Carga.xls</a:t>
-                      </a:r>
-                    </a:p>
-                  </a:txBody>
-                  <a:tcPr/>
-                </a:tc>
-                <a:tc>
-                  <a:txBody>
-                    <a:bodyPr/>
-                    <a:lstStyle/>
-                    <a:p>
-                      <a:r>
-                        <a:rPr lang="es-MX" dirty="0"/>
-                        <a:t>3</a:t>
-                      </a:r>
-                    </a:p>
-                  </a:txBody>
-                  <a:tcPr/>
-                </a:tc>
-                <a:tc>
-                  <a:txBody>
-                    <a:bodyPr/>
-                    <a:lstStyle/>
-                    <a:p>
-                      <a:r>
-                        <a:rPr lang="es-MX" dirty="0"/>
-                        <a:t>Carlos</a:t>
-                      </a:r>
-                    </a:p>
-                  </a:txBody>
-                  <a:tcPr/>
-                </a:tc>
-                <a:tc>
-                  <a:txBody>
-                    <a:bodyPr/>
-                    <a:lstStyle/>
-                    <a:p>
-                      <a:endParaRPr lang="es-MX" dirty="0"/>
-                    </a:p>
-                  </a:txBody>
-                  <a:tcPr/>
-                </a:tc>
-                <a:extLst>
-                  <a:ext uri="{0D108BD9-81ED-4DB2-BD59-A6C34878D82A}">
-                    <a16:rowId xmlns:a16="http://schemas.microsoft.com/office/drawing/2014/main" val="1506842795"/>
-                  </a:ext>
-                </a:extLst>
-              </a:tr>
-              <a:tr h="370840">
-                <a:tc>
-                  <a:txBody>
-                    <a:bodyPr/>
-                    <a:lstStyle/>
-                    <a:p>
-                      <a:r>
-                        <a:rPr lang="es-MX" dirty="0"/>
-                        <a:t>...</a:t>
-                      </a:r>
-                    </a:p>
-                  </a:txBody>
-                  <a:tcPr/>
-                </a:tc>
-                <a:tc>
-                  <a:txBody>
-                    <a:bodyPr/>
-                    <a:lstStyle/>
-                    <a:p>
-                      <a:pPr marL="0" marR="0" lvl="0" indent="0" algn="l" defTabSz="914400" rtl="0" eaLnBrk="1" fontAlgn="auto" latinLnBrk="0" hangingPunct="1">
-                        <a:lnSpc>
-                          <a:spcPct val="100000"/>
-                        </a:lnSpc>
-                        <a:spcBef>
-                          <a:spcPts val="0"/>
-                        </a:spcBef>
-                        <a:spcAft>
-                          <a:spcPts val="0"/>
-                        </a:spcAft>
-                        <a:buClrTx/>
-                        <a:buSzTx/>
-                        <a:buFontTx/>
-                        <a:buNone/>
-                        <a:tabLst/>
-                        <a:defRPr/>
-                      </a:pPr>
-                      <a:endParaRPr lang="es-MX" dirty="0"/>
-                    </a:p>
-                  </a:txBody>
-                  <a:tcPr/>
-                </a:tc>
-                <a:tc>
-                  <a:txBody>
-                    <a:bodyPr/>
-                    <a:lstStyle/>
-                    <a:p>
-                      <a:endParaRPr lang="es-MX" dirty="0"/>
-                    </a:p>
-                  </a:txBody>
-                  <a:tcPr/>
-                </a:tc>
-                <a:tc>
-                  <a:txBody>
-                    <a:bodyPr/>
-                    <a:lstStyle/>
-                    <a:p>
-                      <a:endParaRPr lang="es-MX" dirty="0"/>
-                    </a:p>
-                  </a:txBody>
-                  <a:tcPr/>
-                </a:tc>
-                <a:tc>
-                  <a:txBody>
-                    <a:bodyPr/>
-                    <a:lstStyle/>
-                    <a:p>
-                      <a:endParaRPr lang="es-MX" dirty="0"/>
-                    </a:p>
-                  </a:txBody>
-                  <a:tcPr/>
-                </a:tc>
-                <a:extLst>
-                  <a:ext uri="{0D108BD9-81ED-4DB2-BD59-A6C34878D82A}">
-                    <a16:rowId xmlns:a16="http://schemas.microsoft.com/office/drawing/2014/main" val="3735866088"/>
-                  </a:ext>
-                </a:extLst>
-              </a:tr>
-              <a:tr h="370840">
-                <a:tc>
-                  <a:txBody>
-                    <a:bodyPr/>
-                    <a:lstStyle/>
-                    <a:p>
-                      <a:r>
-                        <a:rPr lang="es-MX" dirty="0"/>
-                        <a:t>…</a:t>
-                      </a:r>
-                    </a:p>
-                  </a:txBody>
-                  <a:tcPr/>
-                </a:tc>
-                <a:tc>
-                  <a:txBody>
-                    <a:bodyPr/>
-                    <a:lstStyle/>
-                    <a:p>
-                      <a:pPr marL="0" marR="0" lvl="0" indent="0" algn="l" defTabSz="914400" rtl="0" eaLnBrk="1" fontAlgn="auto" latinLnBrk="0" hangingPunct="1">
-                        <a:lnSpc>
-                          <a:spcPct val="100000"/>
-                        </a:lnSpc>
-                        <a:spcBef>
-                          <a:spcPts val="0"/>
-                        </a:spcBef>
-                        <a:spcAft>
-                          <a:spcPts val="0"/>
-                        </a:spcAft>
-                        <a:buClrTx/>
-                        <a:buSzTx/>
-                        <a:buFontTx/>
-                        <a:buNone/>
-                        <a:tabLst/>
-                        <a:defRPr/>
-                      </a:pPr>
-                      <a:endParaRPr lang="es-MX" dirty="0"/>
-                    </a:p>
-                  </a:txBody>
-                  <a:tcPr/>
-                </a:tc>
-                <a:tc>
-                  <a:txBody>
-                    <a:bodyPr/>
-                    <a:lstStyle/>
-                    <a:p>
-                      <a:endParaRPr lang="es-MX" dirty="0"/>
-                    </a:p>
-                  </a:txBody>
-                  <a:tcPr/>
-                </a:tc>
-                <a:tc>
-                  <a:txBody>
-                    <a:bodyPr/>
-                    <a:lstStyle/>
-                    <a:p>
-                      <a:endParaRPr lang="es-MX" dirty="0"/>
-                    </a:p>
-                  </a:txBody>
-                  <a:tcPr/>
-                </a:tc>
-                <a:tc>
-                  <a:txBody>
-                    <a:bodyPr/>
-                    <a:lstStyle/>
-                    <a:p>
-                      <a:endParaRPr lang="es-MX" dirty="0"/>
-                    </a:p>
-                  </a:txBody>
-                  <a:tcPr/>
-                </a:tc>
-                <a:extLst>
-                  <a:ext uri="{0D108BD9-81ED-4DB2-BD59-A6C34878D82A}">
-                    <a16:rowId xmlns:a16="http://schemas.microsoft.com/office/drawing/2014/main" val="333505091"/>
-                  </a:ext>
-                </a:extLst>
-              </a:tr>
-              <a:tr h="370840">
-                <a:tc>
-                  <a:txBody>
-                    <a:bodyPr/>
-                    <a:lstStyle/>
-                    <a:p>
-                      <a:r>
-                        <a:rPr lang="es-MX" dirty="0"/>
-                        <a:t>15</a:t>
-                      </a:r>
-                    </a:p>
-                  </a:txBody>
-                  <a:tcPr/>
-                </a:tc>
-                <a:tc>
-                  <a:txBody>
-                    <a:bodyPr/>
-                    <a:lstStyle/>
-                    <a:p>
-                      <a:pPr marL="0" marR="0" lvl="0" indent="0" algn="l" defTabSz="914400" rtl="0" eaLnBrk="1" fontAlgn="auto" latinLnBrk="0" hangingPunct="1">
-                        <a:lnSpc>
-                          <a:spcPct val="100000"/>
-                        </a:lnSpc>
-                        <a:spcBef>
-                          <a:spcPts val="0"/>
-                        </a:spcBef>
-                        <a:spcAft>
-                          <a:spcPts val="0"/>
-                        </a:spcAft>
-                        <a:buClrTx/>
-                        <a:buSzTx/>
-                        <a:buFontTx/>
-                        <a:buNone/>
-                        <a:tabLst/>
-                        <a:defRPr/>
-                      </a:pPr>
-                      <a:r>
-                        <a:rPr lang="es-MX" dirty="0"/>
-                        <a:t>Autorización_Pino_Suarez.xls</a:t>
-                      </a:r>
-                    </a:p>
-                  </a:txBody>
-                  <a:tcPr/>
-                </a:tc>
-                <a:tc>
-                  <a:txBody>
-                    <a:bodyPr/>
-                    <a:lstStyle/>
-                    <a:p>
-                      <a:r>
-                        <a:rPr lang="es-MX" dirty="0"/>
-                        <a:t>5</a:t>
-                      </a:r>
-                    </a:p>
-                  </a:txBody>
-                  <a:tcPr/>
-                </a:tc>
-                <a:tc>
-                  <a:txBody>
-                    <a:bodyPr/>
-                    <a:lstStyle/>
-                    <a:p>
-                      <a:r>
-                        <a:rPr lang="es-MX" dirty="0"/>
-                        <a:t>Eliza</a:t>
-                      </a:r>
-                    </a:p>
-                  </a:txBody>
-                  <a:tcPr/>
-                </a:tc>
-                <a:tc>
-                  <a:txBody>
-                    <a:bodyPr/>
-                    <a:lstStyle/>
-                    <a:p>
-                      <a:endParaRPr lang="es-MX" dirty="0"/>
-                    </a:p>
-                  </a:txBody>
-                  <a:tcPr/>
-                </a:tc>
-                <a:extLst>
-                  <a:ext uri="{0D108BD9-81ED-4DB2-BD59-A6C34878D82A}">
-                    <a16:rowId xmlns:a16="http://schemas.microsoft.com/office/drawing/2014/main" val="236918690"/>
-                  </a:ext>
-                </a:extLst>
-              </a:tr>
-              <a:tr h="370840">
-                <a:tc>
-                  <a:txBody>
-                    <a:bodyPr/>
-                    <a:lstStyle/>
-                    <a:p>
-                      <a:r>
-                        <a:rPr lang="es-MX" dirty="0"/>
-                        <a:t>…</a:t>
-                      </a:r>
-                    </a:p>
-                  </a:txBody>
-                  <a:tcPr/>
-                </a:tc>
-                <a:tc>
-                  <a:txBody>
-                    <a:bodyPr/>
-                    <a:lstStyle/>
-                    <a:p>
-                      <a:pPr marL="0" marR="0" lvl="0" indent="0" algn="l" defTabSz="914400" rtl="0" eaLnBrk="1" fontAlgn="auto" latinLnBrk="0" hangingPunct="1">
-                        <a:lnSpc>
-                          <a:spcPct val="100000"/>
-                        </a:lnSpc>
-                        <a:spcBef>
-                          <a:spcPts val="0"/>
-                        </a:spcBef>
-                        <a:spcAft>
-                          <a:spcPts val="0"/>
-                        </a:spcAft>
-                        <a:buClrTx/>
-                        <a:buSzTx/>
-                        <a:buFontTx/>
-                        <a:buNone/>
-                        <a:tabLst/>
-                        <a:defRPr/>
-                      </a:pPr>
-                      <a:endParaRPr lang="es-MX" dirty="0"/>
-                    </a:p>
-                  </a:txBody>
-                  <a:tcPr/>
-                </a:tc>
-                <a:tc>
-                  <a:txBody>
-                    <a:bodyPr/>
-                    <a:lstStyle/>
-                    <a:p>
-                      <a:endParaRPr lang="es-MX" dirty="0"/>
-                    </a:p>
-                  </a:txBody>
-                  <a:tcPr/>
-                </a:tc>
-                <a:tc>
-                  <a:txBody>
-                    <a:bodyPr/>
-                    <a:lstStyle/>
-                    <a:p>
-                      <a:endParaRPr lang="es-MX" dirty="0"/>
-                    </a:p>
-                  </a:txBody>
-                  <a:tcPr/>
-                </a:tc>
-                <a:tc>
-                  <a:txBody>
-                    <a:bodyPr/>
-                    <a:lstStyle/>
-                    <a:p>
-                      <a:endParaRPr lang="es-MX" dirty="0"/>
-                    </a:p>
-                  </a:txBody>
-                  <a:tcPr/>
-                </a:tc>
-                <a:extLst>
-                  <a:ext uri="{0D108BD9-81ED-4DB2-BD59-A6C34878D82A}">
-                    <a16:rowId xmlns:a16="http://schemas.microsoft.com/office/drawing/2014/main" val="2567443424"/>
-                  </a:ext>
-                </a:extLst>
-              </a:tr>
-              <a:tr h="370840">
-                <a:tc>
-                  <a:txBody>
-                    <a:bodyPr/>
-                    <a:lstStyle/>
-                    <a:p>
-                      <a:r>
-                        <a:rPr lang="es-MX" dirty="0"/>
-                        <a:t>…</a:t>
-                      </a:r>
-                    </a:p>
-                  </a:txBody>
-                  <a:tcPr/>
-                </a:tc>
-                <a:tc>
-                  <a:txBody>
-                    <a:bodyPr/>
-                    <a:lstStyle/>
-                    <a:p>
-                      <a:pPr marL="0" marR="0" lvl="0" indent="0" algn="l" defTabSz="914400" rtl="0" eaLnBrk="1" fontAlgn="auto" latinLnBrk="0" hangingPunct="1">
-                        <a:lnSpc>
-                          <a:spcPct val="100000"/>
-                        </a:lnSpc>
-                        <a:spcBef>
-                          <a:spcPts val="0"/>
-                        </a:spcBef>
-                        <a:spcAft>
-                          <a:spcPts val="0"/>
-                        </a:spcAft>
-                        <a:buClrTx/>
-                        <a:buSzTx/>
-                        <a:buFontTx/>
-                        <a:buNone/>
-                        <a:tabLst/>
-                        <a:defRPr/>
-                      </a:pPr>
-                      <a:endParaRPr lang="es-MX" dirty="0"/>
-                    </a:p>
-                  </a:txBody>
-                  <a:tcPr/>
-                </a:tc>
-                <a:tc>
-                  <a:txBody>
-                    <a:bodyPr/>
-                    <a:lstStyle/>
-                    <a:p>
-                      <a:endParaRPr lang="es-MX" dirty="0"/>
-                    </a:p>
-                  </a:txBody>
-                  <a:tcPr/>
-                </a:tc>
-                <a:tc>
-                  <a:txBody>
-                    <a:bodyPr/>
-                    <a:lstStyle/>
-                    <a:p>
-                      <a:endParaRPr lang="es-MX" dirty="0"/>
-                    </a:p>
-                  </a:txBody>
-                  <a:tcPr/>
-                </a:tc>
-                <a:tc>
-                  <a:txBody>
-                    <a:bodyPr/>
-                    <a:lstStyle/>
-                    <a:p>
-                      <a:endParaRPr lang="es-MX" dirty="0"/>
-                    </a:p>
-                  </a:txBody>
-                  <a:tcPr/>
-                </a:tc>
-                <a:extLst>
-                  <a:ext uri="{0D108BD9-81ED-4DB2-BD59-A6C34878D82A}">
-                    <a16:rowId xmlns:a16="http://schemas.microsoft.com/office/drawing/2014/main" val="3639933898"/>
-                  </a:ext>
-                </a:extLst>
-              </a:tr>
-            </a:tbl>
-          </a:graphicData>
-        </a:graphic>
-      </p:graphicFrame>
-      <p:sp>
-        <p:nvSpPr>
-          <p:cNvPr id="6" name="Rectángulo 5">
-            <a:extLst>
-              <a:ext uri="{FF2B5EF4-FFF2-40B4-BE49-F238E27FC236}">
-                <a16:creationId xmlns:a16="http://schemas.microsoft.com/office/drawing/2014/main" id="{88D7E01F-87ED-4149-8CB3-D9B7E3AC69F4}"/>
-              </a:ext>
-            </a:extLst>
-          </p:cNvPr>
-          <p:cNvSpPr/>
-          <p:nvPr/>
-        </p:nvSpPr>
-        <p:spPr>
-          <a:xfrm>
-            <a:off x="947955" y="2323751"/>
-            <a:ext cx="1610686" cy="310392"/>
-          </a:xfrm>
-          <a:prstGeom prst="rect">
-            <a:avLst/>
-          </a:prstGeom>
-          <a:noFill/>
-        </p:spPr>
-        <p:style>
-          <a:lnRef idx="2">
-            <a:schemeClr val="accent1">
-              <a:shade val="50000"/>
-            </a:schemeClr>
-          </a:lnRef>
-          <a:fillRef idx="1">
-            <a:schemeClr val="accent1"/>
-          </a:fillRef>
-          <a:effectRef idx="0">
-            <a:schemeClr val="accent1"/>
-          </a:effectRef>
-          <a:fontRef idx="minor">
-            <a:schemeClr val="lt1"/>
-          </a:fontRef>
-        </p:style>
-        <p:txBody>
-          <a:bodyPr rtlCol="0" anchor="ctr"/>
-          <a:lstStyle/>
-          <a:p>
-            <a:pPr algn="ctr"/>
-            <a:endParaRPr lang="es-MX"/>
-          </a:p>
-        </p:txBody>
-      </p:sp>
-      <p:sp>
-        <p:nvSpPr>
-          <p:cNvPr id="7" name="CuadroTexto 6">
-            <a:extLst>
-              <a:ext uri="{FF2B5EF4-FFF2-40B4-BE49-F238E27FC236}">
-                <a16:creationId xmlns:a16="http://schemas.microsoft.com/office/drawing/2014/main" id="{131A7C29-E420-458C-B8B3-8A9F6B0BB6C4}"/>
-              </a:ext>
-            </a:extLst>
-          </p:cNvPr>
-          <p:cNvSpPr txBox="1"/>
-          <p:nvPr/>
-        </p:nvSpPr>
-        <p:spPr>
-          <a:xfrm>
-            <a:off x="989900" y="2266210"/>
-            <a:ext cx="1224793" cy="369332"/>
-          </a:xfrm>
-          <a:prstGeom prst="rect">
-            <a:avLst/>
-          </a:prstGeom>
-          <a:noFill/>
-        </p:spPr>
-        <p:txBody>
-          <a:bodyPr wrap="square" rtlCol="0">
-            <a:spAutoFit/>
-          </a:bodyPr>
-          <a:lstStyle/>
-          <a:p>
-            <a:r>
-              <a:rPr lang="es-MX" dirty="0"/>
-              <a:t>México</a:t>
-            </a:r>
-          </a:p>
-        </p:txBody>
-      </p:sp>
-      <p:sp>
-        <p:nvSpPr>
-          <p:cNvPr id="8" name="Triángulo isósceles 7">
-            <a:extLst>
-              <a:ext uri="{FF2B5EF4-FFF2-40B4-BE49-F238E27FC236}">
-                <a16:creationId xmlns:a16="http://schemas.microsoft.com/office/drawing/2014/main" id="{30D30DC8-DE2B-4085-896F-CFDF6F7E5B90}"/>
-              </a:ext>
-            </a:extLst>
-          </p:cNvPr>
-          <p:cNvSpPr/>
-          <p:nvPr/>
-        </p:nvSpPr>
-        <p:spPr>
-          <a:xfrm rot="10800000">
-            <a:off x="2323749" y="2382474"/>
-            <a:ext cx="134225" cy="176168"/>
-          </a:xfrm>
-          <a:prstGeom prst="triangle">
-            <a:avLst/>
-          </a:prstGeom>
-          <a:solidFill>
-            <a:schemeClr val="tx1"/>
-          </a:solidFill>
-        </p:spPr>
-        <p:style>
-          <a:lnRef idx="2">
-            <a:schemeClr val="accent1">
-              <a:shade val="50000"/>
-            </a:schemeClr>
-          </a:lnRef>
-          <a:fillRef idx="1">
-            <a:schemeClr val="accent1"/>
-          </a:fillRef>
-          <a:effectRef idx="0">
-            <a:schemeClr val="accent1"/>
-          </a:effectRef>
-          <a:fontRef idx="minor">
-            <a:schemeClr val="lt1"/>
-          </a:fontRef>
-        </p:style>
-        <p:txBody>
-          <a:bodyPr rtlCol="0" anchor="ctr"/>
-          <a:lstStyle/>
-          <a:p>
-            <a:pPr algn="ctr"/>
-            <a:endParaRPr lang="es-MX"/>
-          </a:p>
-        </p:txBody>
-      </p:sp>
-      <p:sp>
-        <p:nvSpPr>
-          <p:cNvPr id="9" name="CuadroTexto 8">
-            <a:extLst>
-              <a:ext uri="{FF2B5EF4-FFF2-40B4-BE49-F238E27FC236}">
-                <a16:creationId xmlns:a16="http://schemas.microsoft.com/office/drawing/2014/main" id="{3C2BD5D6-5E32-4579-A171-80EC560A2736}"/>
-              </a:ext>
-            </a:extLst>
-          </p:cNvPr>
-          <p:cNvSpPr txBox="1"/>
-          <p:nvPr/>
-        </p:nvSpPr>
-        <p:spPr>
-          <a:xfrm>
-            <a:off x="343947" y="2264811"/>
-            <a:ext cx="604008" cy="369332"/>
-          </a:xfrm>
-          <a:prstGeom prst="rect">
-            <a:avLst/>
-          </a:prstGeom>
-          <a:noFill/>
-        </p:spPr>
-        <p:txBody>
-          <a:bodyPr wrap="square" rtlCol="0">
-            <a:spAutoFit/>
-          </a:bodyPr>
-          <a:lstStyle/>
-          <a:p>
-            <a:pPr algn="r"/>
-            <a:r>
-              <a:rPr lang="es-MX" dirty="0"/>
-              <a:t>País</a:t>
-            </a:r>
-          </a:p>
-        </p:txBody>
-      </p:sp>
-      <p:sp>
-        <p:nvSpPr>
-          <p:cNvPr id="10" name="Rectángulo 9">
-            <a:extLst>
-              <a:ext uri="{FF2B5EF4-FFF2-40B4-BE49-F238E27FC236}">
-                <a16:creationId xmlns:a16="http://schemas.microsoft.com/office/drawing/2014/main" id="{BE76B5D4-B74A-40C0-BBB1-154A4279C51C}"/>
-              </a:ext>
-            </a:extLst>
-          </p:cNvPr>
-          <p:cNvSpPr/>
-          <p:nvPr/>
-        </p:nvSpPr>
-        <p:spPr>
-          <a:xfrm>
-            <a:off x="3323440" y="2325149"/>
-            <a:ext cx="1610686" cy="310392"/>
-          </a:xfrm>
-          <a:prstGeom prst="rect">
-            <a:avLst/>
-          </a:prstGeom>
-          <a:noFill/>
-        </p:spPr>
-        <p:style>
-          <a:lnRef idx="2">
-            <a:schemeClr val="accent1">
-              <a:shade val="50000"/>
-            </a:schemeClr>
-          </a:lnRef>
-          <a:fillRef idx="1">
-            <a:schemeClr val="accent1"/>
-          </a:fillRef>
-          <a:effectRef idx="0">
-            <a:schemeClr val="accent1"/>
-          </a:effectRef>
-          <a:fontRef idx="minor">
-            <a:schemeClr val="lt1"/>
-          </a:fontRef>
-        </p:style>
-        <p:txBody>
-          <a:bodyPr rtlCol="0" anchor="ctr"/>
-          <a:lstStyle/>
-          <a:p>
-            <a:pPr algn="ctr"/>
-            <a:endParaRPr lang="es-MX"/>
-          </a:p>
-        </p:txBody>
-      </p:sp>
-      <p:sp>
-        <p:nvSpPr>
-          <p:cNvPr id="11" name="CuadroTexto 10">
-            <a:extLst>
-              <a:ext uri="{FF2B5EF4-FFF2-40B4-BE49-F238E27FC236}">
-                <a16:creationId xmlns:a16="http://schemas.microsoft.com/office/drawing/2014/main" id="{2EEF55D7-A87F-4F3C-AB67-D826908351AA}"/>
-              </a:ext>
-            </a:extLst>
-          </p:cNvPr>
-          <p:cNvSpPr txBox="1"/>
-          <p:nvPr/>
-        </p:nvSpPr>
-        <p:spPr>
-          <a:xfrm>
-            <a:off x="3365385" y="2267608"/>
-            <a:ext cx="1224793" cy="369332"/>
-          </a:xfrm>
-          <a:prstGeom prst="rect">
-            <a:avLst/>
-          </a:prstGeom>
-          <a:noFill/>
-        </p:spPr>
-        <p:txBody>
-          <a:bodyPr wrap="square" rtlCol="0">
-            <a:spAutoFit/>
-          </a:bodyPr>
-          <a:lstStyle/>
-          <a:p>
-            <a:r>
-              <a:rPr lang="es-MX" dirty="0"/>
-              <a:t>Monterrey</a:t>
-            </a:r>
-          </a:p>
-        </p:txBody>
-      </p:sp>
-      <p:sp>
-        <p:nvSpPr>
-          <p:cNvPr id="12" name="Triángulo isósceles 11">
-            <a:extLst>
-              <a:ext uri="{FF2B5EF4-FFF2-40B4-BE49-F238E27FC236}">
-                <a16:creationId xmlns:a16="http://schemas.microsoft.com/office/drawing/2014/main" id="{5D6DF6D6-7271-4204-AF41-B888EB4F9B8A}"/>
-              </a:ext>
-            </a:extLst>
-          </p:cNvPr>
-          <p:cNvSpPr/>
-          <p:nvPr/>
-        </p:nvSpPr>
-        <p:spPr>
-          <a:xfrm rot="10800000">
-            <a:off x="4699234" y="2383872"/>
-            <a:ext cx="134225" cy="176168"/>
-          </a:xfrm>
-          <a:prstGeom prst="triangle">
-            <a:avLst/>
-          </a:prstGeom>
-          <a:solidFill>
-            <a:schemeClr val="tx1"/>
-          </a:solidFill>
-        </p:spPr>
-        <p:style>
-          <a:lnRef idx="2">
-            <a:schemeClr val="accent1">
-              <a:shade val="50000"/>
-            </a:schemeClr>
-          </a:lnRef>
-          <a:fillRef idx="1">
-            <a:schemeClr val="accent1"/>
-          </a:fillRef>
-          <a:effectRef idx="0">
-            <a:schemeClr val="accent1"/>
-          </a:effectRef>
-          <a:fontRef idx="minor">
-            <a:schemeClr val="lt1"/>
-          </a:fontRef>
-        </p:style>
-        <p:txBody>
-          <a:bodyPr rtlCol="0" anchor="ctr"/>
-          <a:lstStyle/>
-          <a:p>
-            <a:pPr algn="ctr"/>
-            <a:endParaRPr lang="es-MX"/>
-          </a:p>
-        </p:txBody>
-      </p:sp>
-      <p:sp>
-        <p:nvSpPr>
-          <p:cNvPr id="13" name="CuadroTexto 12">
-            <a:extLst>
-              <a:ext uri="{FF2B5EF4-FFF2-40B4-BE49-F238E27FC236}">
-                <a16:creationId xmlns:a16="http://schemas.microsoft.com/office/drawing/2014/main" id="{D58A36FD-F25A-4787-AC0F-991E7240D42C}"/>
-              </a:ext>
-            </a:extLst>
-          </p:cNvPr>
-          <p:cNvSpPr txBox="1"/>
-          <p:nvPr/>
-        </p:nvSpPr>
-        <p:spPr>
-          <a:xfrm>
-            <a:off x="2501317" y="2266209"/>
-            <a:ext cx="847289" cy="369332"/>
-          </a:xfrm>
-          <a:prstGeom prst="rect">
-            <a:avLst/>
-          </a:prstGeom>
-          <a:noFill/>
-        </p:spPr>
-        <p:txBody>
-          <a:bodyPr wrap="square" rtlCol="0">
-            <a:spAutoFit/>
-          </a:bodyPr>
-          <a:lstStyle/>
-          <a:p>
-            <a:pPr algn="r"/>
-            <a:r>
-              <a:rPr lang="es-MX" dirty="0"/>
-              <a:t>Ciudad</a:t>
-            </a:r>
-          </a:p>
-        </p:txBody>
-      </p:sp>
-      <p:sp>
-        <p:nvSpPr>
-          <p:cNvPr id="14" name="Rectángulo 13">
-            <a:extLst>
-              <a:ext uri="{FF2B5EF4-FFF2-40B4-BE49-F238E27FC236}">
-                <a16:creationId xmlns:a16="http://schemas.microsoft.com/office/drawing/2014/main" id="{680583AB-A9B0-4091-8298-40779C19D7D4}"/>
-              </a:ext>
-            </a:extLst>
-          </p:cNvPr>
-          <p:cNvSpPr/>
-          <p:nvPr/>
-        </p:nvSpPr>
-        <p:spPr>
-          <a:xfrm>
-            <a:off x="5547923" y="2326547"/>
-            <a:ext cx="1610686" cy="310392"/>
-          </a:xfrm>
-          <a:prstGeom prst="rect">
-            <a:avLst/>
-          </a:prstGeom>
-          <a:noFill/>
-        </p:spPr>
-        <p:style>
-          <a:lnRef idx="2">
-            <a:schemeClr val="accent1">
-              <a:shade val="50000"/>
-            </a:schemeClr>
-          </a:lnRef>
-          <a:fillRef idx="1">
-            <a:schemeClr val="accent1"/>
-          </a:fillRef>
-          <a:effectRef idx="0">
-            <a:schemeClr val="accent1"/>
-          </a:effectRef>
-          <a:fontRef idx="minor">
-            <a:schemeClr val="lt1"/>
-          </a:fontRef>
-        </p:style>
-        <p:txBody>
-          <a:bodyPr rtlCol="0" anchor="ctr"/>
-          <a:lstStyle/>
-          <a:p>
-            <a:pPr algn="ctr"/>
-            <a:endParaRPr lang="es-MX"/>
-          </a:p>
-        </p:txBody>
-      </p:sp>
-      <p:sp>
-        <p:nvSpPr>
-          <p:cNvPr id="15" name="CuadroTexto 14">
-            <a:extLst>
-              <a:ext uri="{FF2B5EF4-FFF2-40B4-BE49-F238E27FC236}">
-                <a16:creationId xmlns:a16="http://schemas.microsoft.com/office/drawing/2014/main" id="{C7A7DD54-8818-487A-9898-DBB48DF5BFC4}"/>
-              </a:ext>
-            </a:extLst>
-          </p:cNvPr>
-          <p:cNvSpPr txBox="1"/>
-          <p:nvPr/>
-        </p:nvSpPr>
-        <p:spPr>
-          <a:xfrm>
-            <a:off x="5547924" y="2269006"/>
-            <a:ext cx="1266738" cy="369332"/>
-          </a:xfrm>
-          <a:prstGeom prst="rect">
-            <a:avLst/>
-          </a:prstGeom>
-          <a:noFill/>
-        </p:spPr>
-        <p:txBody>
-          <a:bodyPr wrap="square" rtlCol="0">
-            <a:spAutoFit/>
-          </a:bodyPr>
-          <a:lstStyle/>
-          <a:p>
-            <a:r>
-              <a:rPr lang="es-MX" dirty="0"/>
-              <a:t>Pino Suarez</a:t>
-            </a:r>
-          </a:p>
-        </p:txBody>
-      </p:sp>
-      <p:sp>
-        <p:nvSpPr>
-          <p:cNvPr id="16" name="Triángulo isósceles 15">
-            <a:extLst>
-              <a:ext uri="{FF2B5EF4-FFF2-40B4-BE49-F238E27FC236}">
-                <a16:creationId xmlns:a16="http://schemas.microsoft.com/office/drawing/2014/main" id="{F86BF328-5AEC-473A-952C-16E5D68995C1}"/>
-              </a:ext>
-            </a:extLst>
-          </p:cNvPr>
-          <p:cNvSpPr/>
-          <p:nvPr/>
-        </p:nvSpPr>
-        <p:spPr>
-          <a:xfrm rot="10800000">
-            <a:off x="6923717" y="2385270"/>
-            <a:ext cx="134225" cy="176168"/>
-          </a:xfrm>
-          <a:prstGeom prst="triangle">
-            <a:avLst/>
-          </a:prstGeom>
-          <a:solidFill>
-            <a:schemeClr val="tx1"/>
-          </a:solidFill>
-        </p:spPr>
-        <p:style>
-          <a:lnRef idx="2">
-            <a:schemeClr val="accent1">
-              <a:shade val="50000"/>
-            </a:schemeClr>
-          </a:lnRef>
-          <a:fillRef idx="1">
-            <a:schemeClr val="accent1"/>
-          </a:fillRef>
-          <a:effectRef idx="0">
-            <a:schemeClr val="accent1"/>
-          </a:effectRef>
-          <a:fontRef idx="minor">
-            <a:schemeClr val="lt1"/>
-          </a:fontRef>
-        </p:style>
-        <p:txBody>
-          <a:bodyPr rtlCol="0" anchor="ctr"/>
-          <a:lstStyle/>
-          <a:p>
-            <a:pPr algn="ctr"/>
-            <a:endParaRPr lang="es-MX"/>
-          </a:p>
-        </p:txBody>
-      </p:sp>
-      <p:sp>
-        <p:nvSpPr>
-          <p:cNvPr id="17" name="CuadroTexto 16">
-            <a:extLst>
-              <a:ext uri="{FF2B5EF4-FFF2-40B4-BE49-F238E27FC236}">
-                <a16:creationId xmlns:a16="http://schemas.microsoft.com/office/drawing/2014/main" id="{C8E809A4-1E1A-49BE-9B55-9A0C33408CF8}"/>
-              </a:ext>
-            </a:extLst>
-          </p:cNvPr>
-          <p:cNvSpPr txBox="1"/>
-          <p:nvPr/>
-        </p:nvSpPr>
-        <p:spPr>
-          <a:xfrm>
-            <a:off x="4927137" y="2267607"/>
-            <a:ext cx="545286" cy="369332"/>
-          </a:xfrm>
-          <a:prstGeom prst="rect">
-            <a:avLst/>
-          </a:prstGeom>
-          <a:noFill/>
-        </p:spPr>
-        <p:txBody>
-          <a:bodyPr wrap="square" rtlCol="0">
-            <a:spAutoFit/>
-          </a:bodyPr>
-          <a:lstStyle/>
-          <a:p>
-            <a:pPr algn="r"/>
-            <a:r>
-              <a:rPr lang="es-MX" dirty="0" err="1"/>
-              <a:t>Site</a:t>
-            </a:r>
-            <a:endParaRPr lang="es-MX" dirty="0"/>
-          </a:p>
-        </p:txBody>
-      </p:sp>
-      <p:sp>
-        <p:nvSpPr>
-          <p:cNvPr id="19" name="Triángulo isósceles 18">
-            <a:extLst>
-              <a:ext uri="{FF2B5EF4-FFF2-40B4-BE49-F238E27FC236}">
-                <a16:creationId xmlns:a16="http://schemas.microsoft.com/office/drawing/2014/main" id="{1A6C1291-4226-4078-A668-CB3D46372F8B}"/>
-              </a:ext>
-            </a:extLst>
-          </p:cNvPr>
-          <p:cNvSpPr/>
-          <p:nvPr/>
-        </p:nvSpPr>
-        <p:spPr>
-          <a:xfrm rot="10800000">
-            <a:off x="7520729" y="3340916"/>
-            <a:ext cx="134225" cy="176168"/>
-          </a:xfrm>
-          <a:prstGeom prst="triangle">
-            <a:avLst/>
-          </a:prstGeom>
-          <a:solidFill>
-            <a:schemeClr val="tx1"/>
-          </a:solidFill>
-        </p:spPr>
-        <p:style>
-          <a:lnRef idx="2">
-            <a:schemeClr val="accent1">
-              <a:shade val="50000"/>
-            </a:schemeClr>
-          </a:lnRef>
-          <a:fillRef idx="1">
-            <a:schemeClr val="accent1"/>
-          </a:fillRef>
-          <a:effectRef idx="0">
-            <a:schemeClr val="accent1"/>
-          </a:effectRef>
-          <a:fontRef idx="minor">
-            <a:schemeClr val="lt1"/>
-          </a:fontRef>
-        </p:style>
-        <p:txBody>
-          <a:bodyPr rtlCol="0" anchor="ctr"/>
-          <a:lstStyle/>
-          <a:p>
-            <a:pPr algn="ctr"/>
-            <a:endParaRPr lang="es-MX"/>
-          </a:p>
-        </p:txBody>
-      </p:sp>
-      <p:sp>
-        <p:nvSpPr>
-          <p:cNvPr id="20" name="Triángulo isósceles 19">
-            <a:extLst>
-              <a:ext uri="{FF2B5EF4-FFF2-40B4-BE49-F238E27FC236}">
-                <a16:creationId xmlns:a16="http://schemas.microsoft.com/office/drawing/2014/main" id="{F15E7E98-053E-4D7B-9679-CC1F5A2EE38C}"/>
-              </a:ext>
-            </a:extLst>
-          </p:cNvPr>
-          <p:cNvSpPr/>
-          <p:nvPr/>
-        </p:nvSpPr>
-        <p:spPr>
-          <a:xfrm rot="10800000">
-            <a:off x="7520730" y="4074910"/>
-            <a:ext cx="134225" cy="176168"/>
-          </a:xfrm>
-          <a:prstGeom prst="triangle">
-            <a:avLst/>
-          </a:prstGeom>
-          <a:solidFill>
-            <a:schemeClr val="tx1"/>
-          </a:solidFill>
-        </p:spPr>
-        <p:style>
-          <a:lnRef idx="2">
-            <a:schemeClr val="accent1">
-              <a:shade val="50000"/>
-            </a:schemeClr>
-          </a:lnRef>
-          <a:fillRef idx="1">
-            <a:schemeClr val="accent1"/>
-          </a:fillRef>
-          <a:effectRef idx="0">
-            <a:schemeClr val="accent1"/>
-          </a:effectRef>
-          <a:fontRef idx="minor">
-            <a:schemeClr val="lt1"/>
-          </a:fontRef>
-        </p:style>
-        <p:txBody>
-          <a:bodyPr rtlCol="0" anchor="ctr"/>
-          <a:lstStyle/>
-          <a:p>
-            <a:pPr algn="ctr"/>
-            <a:endParaRPr lang="es-MX"/>
-          </a:p>
-        </p:txBody>
-      </p:sp>
-      <p:sp>
-        <p:nvSpPr>
-          <p:cNvPr id="21" name="Triángulo isósceles 20">
-            <a:extLst>
-              <a:ext uri="{FF2B5EF4-FFF2-40B4-BE49-F238E27FC236}">
-                <a16:creationId xmlns:a16="http://schemas.microsoft.com/office/drawing/2014/main" id="{0FDC9100-3D63-42FC-9B5C-E478DDE26888}"/>
-              </a:ext>
-            </a:extLst>
-          </p:cNvPr>
-          <p:cNvSpPr/>
-          <p:nvPr/>
-        </p:nvSpPr>
-        <p:spPr>
-          <a:xfrm rot="10800000">
-            <a:off x="7520730" y="3703040"/>
-            <a:ext cx="134225" cy="176168"/>
-          </a:xfrm>
-          <a:prstGeom prst="triangle">
-            <a:avLst/>
-          </a:prstGeom>
-          <a:solidFill>
-            <a:schemeClr val="tx1"/>
-          </a:solidFill>
-        </p:spPr>
-        <p:style>
-          <a:lnRef idx="2">
-            <a:schemeClr val="accent1">
-              <a:shade val="50000"/>
-            </a:schemeClr>
-          </a:lnRef>
-          <a:fillRef idx="1">
-            <a:schemeClr val="accent1"/>
-          </a:fillRef>
-          <a:effectRef idx="0">
-            <a:schemeClr val="accent1"/>
-          </a:effectRef>
-          <a:fontRef idx="minor">
-            <a:schemeClr val="lt1"/>
-          </a:fontRef>
-        </p:style>
-        <p:txBody>
-          <a:bodyPr rtlCol="0" anchor="ctr"/>
-          <a:lstStyle/>
-          <a:p>
-            <a:pPr algn="ctr"/>
-            <a:endParaRPr lang="es-MX"/>
-          </a:p>
-        </p:txBody>
-      </p:sp>
-      <p:sp>
-        <p:nvSpPr>
-          <p:cNvPr id="22" name="Triángulo isósceles 21">
-            <a:extLst>
-              <a:ext uri="{FF2B5EF4-FFF2-40B4-BE49-F238E27FC236}">
-                <a16:creationId xmlns:a16="http://schemas.microsoft.com/office/drawing/2014/main" id="{11B70D4C-9AB2-44C0-8AE2-A9C6C9404DF9}"/>
-              </a:ext>
-            </a:extLst>
-          </p:cNvPr>
-          <p:cNvSpPr/>
-          <p:nvPr/>
-        </p:nvSpPr>
-        <p:spPr>
-          <a:xfrm rot="10800000">
-            <a:off x="7520730" y="5524849"/>
-            <a:ext cx="134225" cy="176168"/>
-          </a:xfrm>
-          <a:prstGeom prst="triangle">
-            <a:avLst/>
-          </a:prstGeom>
-          <a:solidFill>
-            <a:schemeClr val="tx1"/>
-          </a:solidFill>
-        </p:spPr>
-        <p:style>
-          <a:lnRef idx="2">
-            <a:schemeClr val="accent1">
-              <a:shade val="50000"/>
-            </a:schemeClr>
-          </a:lnRef>
-          <a:fillRef idx="1">
-            <a:schemeClr val="accent1"/>
-          </a:fillRef>
-          <a:effectRef idx="0">
-            <a:schemeClr val="accent1"/>
-          </a:effectRef>
-          <a:fontRef idx="minor">
-            <a:schemeClr val="lt1"/>
-          </a:fontRef>
-        </p:style>
-        <p:txBody>
-          <a:bodyPr rtlCol="0" anchor="ctr"/>
-          <a:lstStyle/>
-          <a:p>
-            <a:pPr algn="ctr"/>
-            <a:endParaRPr lang="es-MX"/>
-          </a:p>
-        </p:txBody>
-      </p:sp>
-      <p:sp>
-        <p:nvSpPr>
-          <p:cNvPr id="23" name="Triángulo isósceles 22">
-            <a:extLst>
-              <a:ext uri="{FF2B5EF4-FFF2-40B4-BE49-F238E27FC236}">
-                <a16:creationId xmlns:a16="http://schemas.microsoft.com/office/drawing/2014/main" id="{AE33789E-9973-470A-81EA-8F09DF82C326}"/>
-              </a:ext>
-            </a:extLst>
-          </p:cNvPr>
-          <p:cNvSpPr/>
-          <p:nvPr/>
-        </p:nvSpPr>
-        <p:spPr>
-          <a:xfrm rot="10800000">
-            <a:off x="10063994" y="3342314"/>
-            <a:ext cx="134225" cy="176168"/>
-          </a:xfrm>
-          <a:prstGeom prst="triangle">
-            <a:avLst/>
-          </a:prstGeom>
-          <a:solidFill>
-            <a:schemeClr val="tx1"/>
-          </a:solidFill>
-        </p:spPr>
-        <p:style>
-          <a:lnRef idx="2">
-            <a:schemeClr val="accent1">
-              <a:shade val="50000"/>
-            </a:schemeClr>
-          </a:lnRef>
-          <a:fillRef idx="1">
-            <a:schemeClr val="accent1"/>
-          </a:fillRef>
-          <a:effectRef idx="0">
-            <a:schemeClr val="accent1"/>
-          </a:effectRef>
-          <a:fontRef idx="minor">
-            <a:schemeClr val="lt1"/>
-          </a:fontRef>
-        </p:style>
-        <p:txBody>
-          <a:bodyPr rtlCol="0" anchor="ctr"/>
-          <a:lstStyle/>
-          <a:p>
-            <a:pPr algn="ctr"/>
-            <a:endParaRPr lang="es-MX"/>
-          </a:p>
-        </p:txBody>
-      </p:sp>
-      <p:sp>
-        <p:nvSpPr>
-          <p:cNvPr id="24" name="Triángulo isósceles 23">
-            <a:extLst>
-              <a:ext uri="{FF2B5EF4-FFF2-40B4-BE49-F238E27FC236}">
-                <a16:creationId xmlns:a16="http://schemas.microsoft.com/office/drawing/2014/main" id="{7B629348-B0AD-4713-B06E-944FD6DB0DBB}"/>
-              </a:ext>
-            </a:extLst>
-          </p:cNvPr>
-          <p:cNvSpPr/>
-          <p:nvPr/>
-        </p:nvSpPr>
-        <p:spPr>
-          <a:xfrm rot="10800000">
-            <a:off x="10063995" y="4076308"/>
-            <a:ext cx="134225" cy="176168"/>
-          </a:xfrm>
-          <a:prstGeom prst="triangle">
-            <a:avLst/>
-          </a:prstGeom>
-          <a:solidFill>
-            <a:schemeClr val="tx1"/>
-          </a:solidFill>
-        </p:spPr>
-        <p:style>
-          <a:lnRef idx="2">
-            <a:schemeClr val="accent1">
-              <a:shade val="50000"/>
-            </a:schemeClr>
-          </a:lnRef>
-          <a:fillRef idx="1">
-            <a:schemeClr val="accent1"/>
-          </a:fillRef>
-          <a:effectRef idx="0">
-            <a:schemeClr val="accent1"/>
-          </a:effectRef>
-          <a:fontRef idx="minor">
-            <a:schemeClr val="lt1"/>
-          </a:fontRef>
-        </p:style>
-        <p:txBody>
-          <a:bodyPr rtlCol="0" anchor="ctr"/>
-          <a:lstStyle/>
-          <a:p>
-            <a:pPr algn="ctr"/>
-            <a:endParaRPr lang="es-MX"/>
-          </a:p>
-        </p:txBody>
-      </p:sp>
-      <p:sp>
-        <p:nvSpPr>
-          <p:cNvPr id="25" name="Triángulo isósceles 24">
-            <a:extLst>
-              <a:ext uri="{FF2B5EF4-FFF2-40B4-BE49-F238E27FC236}">
-                <a16:creationId xmlns:a16="http://schemas.microsoft.com/office/drawing/2014/main" id="{AA89217E-4CDF-4BA3-AF9D-3D092D84F1C8}"/>
-              </a:ext>
-            </a:extLst>
-          </p:cNvPr>
-          <p:cNvSpPr/>
-          <p:nvPr/>
-        </p:nvSpPr>
-        <p:spPr>
-          <a:xfrm rot="10800000">
-            <a:off x="10063995" y="3704438"/>
-            <a:ext cx="134225" cy="176168"/>
-          </a:xfrm>
-          <a:prstGeom prst="triangle">
-            <a:avLst/>
-          </a:prstGeom>
-          <a:solidFill>
-            <a:schemeClr val="tx1"/>
-          </a:solidFill>
-        </p:spPr>
-        <p:style>
-          <a:lnRef idx="2">
-            <a:schemeClr val="accent1">
-              <a:shade val="50000"/>
-            </a:schemeClr>
-          </a:lnRef>
-          <a:fillRef idx="1">
-            <a:schemeClr val="accent1"/>
-          </a:fillRef>
-          <a:effectRef idx="0">
-            <a:schemeClr val="accent1"/>
-          </a:effectRef>
-          <a:fontRef idx="minor">
-            <a:schemeClr val="lt1"/>
-          </a:fontRef>
-        </p:style>
-        <p:txBody>
-          <a:bodyPr rtlCol="0" anchor="ctr"/>
-          <a:lstStyle/>
-          <a:p>
-            <a:pPr algn="ctr"/>
-            <a:endParaRPr lang="es-MX"/>
-          </a:p>
-        </p:txBody>
-      </p:sp>
-      <p:sp>
-        <p:nvSpPr>
-          <p:cNvPr id="26" name="Triángulo isósceles 25">
-            <a:extLst>
-              <a:ext uri="{FF2B5EF4-FFF2-40B4-BE49-F238E27FC236}">
-                <a16:creationId xmlns:a16="http://schemas.microsoft.com/office/drawing/2014/main" id="{9249BE8B-057E-4062-B62C-C9607F139D4B}"/>
-              </a:ext>
-            </a:extLst>
-          </p:cNvPr>
-          <p:cNvSpPr/>
-          <p:nvPr/>
-        </p:nvSpPr>
-        <p:spPr>
-          <a:xfrm rot="10800000">
-            <a:off x="10063995" y="5526247"/>
-            <a:ext cx="134225" cy="176168"/>
-          </a:xfrm>
-          <a:prstGeom prst="triangle">
-            <a:avLst/>
-          </a:prstGeom>
-          <a:solidFill>
-            <a:schemeClr val="tx1"/>
-          </a:solidFill>
-        </p:spPr>
-        <p:style>
-          <a:lnRef idx="2">
-            <a:schemeClr val="accent1">
-              <a:shade val="50000"/>
-            </a:schemeClr>
-          </a:lnRef>
-          <a:fillRef idx="1">
-            <a:schemeClr val="accent1"/>
-          </a:fillRef>
-          <a:effectRef idx="0">
-            <a:schemeClr val="accent1"/>
-          </a:effectRef>
-          <a:fontRef idx="minor">
-            <a:schemeClr val="lt1"/>
-          </a:fontRef>
-        </p:style>
-        <p:txBody>
-          <a:bodyPr rtlCol="0" anchor="ctr"/>
-          <a:lstStyle/>
-          <a:p>
-            <a:pPr algn="ctr"/>
-            <a:endParaRPr lang="es-MX"/>
-          </a:p>
-        </p:txBody>
-      </p:sp>
-      <p:sp>
-        <p:nvSpPr>
-          <p:cNvPr id="27" name="Triángulo isósceles 26">
-            <a:extLst>
-              <a:ext uri="{FF2B5EF4-FFF2-40B4-BE49-F238E27FC236}">
-                <a16:creationId xmlns:a16="http://schemas.microsoft.com/office/drawing/2014/main" id="{72DDDF40-A4C0-45EA-B11E-9941D41CD93F}"/>
-              </a:ext>
-            </a:extLst>
-          </p:cNvPr>
-          <p:cNvSpPr/>
-          <p:nvPr/>
-        </p:nvSpPr>
-        <p:spPr>
-          <a:xfrm rot="10800000">
-            <a:off x="7513739" y="4437035"/>
-            <a:ext cx="134225" cy="176168"/>
-          </a:xfrm>
-          <a:prstGeom prst="triangle">
-            <a:avLst/>
-          </a:prstGeom>
-          <a:solidFill>
-            <a:schemeClr val="tx1"/>
-          </a:solidFill>
-        </p:spPr>
-        <p:style>
-          <a:lnRef idx="2">
-            <a:schemeClr val="accent1">
-              <a:shade val="50000"/>
-            </a:schemeClr>
-          </a:lnRef>
-          <a:fillRef idx="1">
-            <a:schemeClr val="accent1"/>
-          </a:fillRef>
-          <a:effectRef idx="0">
-            <a:schemeClr val="accent1"/>
-          </a:effectRef>
-          <a:fontRef idx="minor">
-            <a:schemeClr val="lt1"/>
-          </a:fontRef>
-        </p:style>
-        <p:txBody>
-          <a:bodyPr rtlCol="0" anchor="ctr"/>
-          <a:lstStyle/>
-          <a:p>
-            <a:pPr algn="ctr"/>
-            <a:endParaRPr lang="es-MX"/>
-          </a:p>
-        </p:txBody>
-      </p:sp>
-      <p:sp>
-        <p:nvSpPr>
-          <p:cNvPr id="28" name="Triángulo isósceles 27">
-            <a:extLst>
-              <a:ext uri="{FF2B5EF4-FFF2-40B4-BE49-F238E27FC236}">
-                <a16:creationId xmlns:a16="http://schemas.microsoft.com/office/drawing/2014/main" id="{B6621013-3BE4-417D-9244-C0E22CE992EB}"/>
-              </a:ext>
-            </a:extLst>
-          </p:cNvPr>
-          <p:cNvSpPr/>
-          <p:nvPr/>
-        </p:nvSpPr>
-        <p:spPr>
-          <a:xfrm rot="10800000">
-            <a:off x="10063993" y="4434375"/>
-            <a:ext cx="134225" cy="176168"/>
-          </a:xfrm>
-          <a:prstGeom prst="triangle">
-            <a:avLst/>
-          </a:prstGeom>
-          <a:solidFill>
-            <a:schemeClr val="tx1"/>
-          </a:solidFill>
-        </p:spPr>
-        <p:style>
-          <a:lnRef idx="2">
-            <a:schemeClr val="accent1">
-              <a:shade val="50000"/>
-            </a:schemeClr>
-          </a:lnRef>
-          <a:fillRef idx="1">
-            <a:schemeClr val="accent1"/>
-          </a:fillRef>
-          <a:effectRef idx="0">
-            <a:schemeClr val="accent1"/>
-          </a:effectRef>
-          <a:fontRef idx="minor">
-            <a:schemeClr val="lt1"/>
-          </a:fontRef>
-        </p:style>
-        <p:txBody>
-          <a:bodyPr rtlCol="0" anchor="ctr"/>
-          <a:lstStyle/>
-          <a:p>
-            <a:pPr algn="ctr"/>
-            <a:endParaRPr lang="es-MX"/>
-          </a:p>
-        </p:txBody>
-      </p:sp>
-    </p:spTree>
-    <p:extLst>
-      <p:ext uri="{BB962C8B-B14F-4D97-AF65-F5344CB8AC3E}">
-        <p14:creationId xmlns:p14="http://schemas.microsoft.com/office/powerpoint/2010/main" val="3225777157"/>
       </p:ext>
     </p:extLst>
   </p:cSld>

--- a/Documentos/Prototipos ASN.pptx
+++ b/Documentos/Prototipos ASN.pptx
@@ -282,7 +282,7 @@
           <a:p>
             <a:fld id="{12D47082-DEE0-4172-B4B5-F7FDE94EB7DD}" type="datetimeFigureOut">
               <a:rPr lang="es-MX" smtClean="0"/>
-              <a:t>18/02/2019</a:t>
+              <a:t>21/02/2019</a:t>
             </a:fld>
             <a:endParaRPr lang="es-MX"/>
           </a:p>
@@ -482,7 +482,7 @@
           <a:p>
             <a:fld id="{12D47082-DEE0-4172-B4B5-F7FDE94EB7DD}" type="datetimeFigureOut">
               <a:rPr lang="es-MX" smtClean="0"/>
-              <a:t>18/02/2019</a:t>
+              <a:t>21/02/2019</a:t>
             </a:fld>
             <a:endParaRPr lang="es-MX"/>
           </a:p>
@@ -692,7 +692,7 @@
           <a:p>
             <a:fld id="{12D47082-DEE0-4172-B4B5-F7FDE94EB7DD}" type="datetimeFigureOut">
               <a:rPr lang="es-MX" smtClean="0"/>
-              <a:t>18/02/2019</a:t>
+              <a:t>21/02/2019</a:t>
             </a:fld>
             <a:endParaRPr lang="es-MX"/>
           </a:p>
@@ -892,7 +892,7 @@
           <a:p>
             <a:fld id="{12D47082-DEE0-4172-B4B5-F7FDE94EB7DD}" type="datetimeFigureOut">
               <a:rPr lang="es-MX" smtClean="0"/>
-              <a:t>18/02/2019</a:t>
+              <a:t>21/02/2019</a:t>
             </a:fld>
             <a:endParaRPr lang="es-MX"/>
           </a:p>
@@ -1168,7 +1168,7 @@
           <a:p>
             <a:fld id="{12D47082-DEE0-4172-B4B5-F7FDE94EB7DD}" type="datetimeFigureOut">
               <a:rPr lang="es-MX" smtClean="0"/>
-              <a:t>18/02/2019</a:t>
+              <a:t>21/02/2019</a:t>
             </a:fld>
             <a:endParaRPr lang="es-MX"/>
           </a:p>
@@ -1436,7 +1436,7 @@
           <a:p>
             <a:fld id="{12D47082-DEE0-4172-B4B5-F7FDE94EB7DD}" type="datetimeFigureOut">
               <a:rPr lang="es-MX" smtClean="0"/>
-              <a:t>18/02/2019</a:t>
+              <a:t>21/02/2019</a:t>
             </a:fld>
             <a:endParaRPr lang="es-MX"/>
           </a:p>
@@ -1851,7 +1851,7 @@
           <a:p>
             <a:fld id="{12D47082-DEE0-4172-B4B5-F7FDE94EB7DD}" type="datetimeFigureOut">
               <a:rPr lang="es-MX" smtClean="0"/>
-              <a:t>18/02/2019</a:t>
+              <a:t>21/02/2019</a:t>
             </a:fld>
             <a:endParaRPr lang="es-MX"/>
           </a:p>
@@ -1993,7 +1993,7 @@
           <a:p>
             <a:fld id="{12D47082-DEE0-4172-B4B5-F7FDE94EB7DD}" type="datetimeFigureOut">
               <a:rPr lang="es-MX" smtClean="0"/>
-              <a:t>18/02/2019</a:t>
+              <a:t>21/02/2019</a:t>
             </a:fld>
             <a:endParaRPr lang="es-MX"/>
           </a:p>
@@ -2106,7 +2106,7 @@
           <a:p>
             <a:fld id="{12D47082-DEE0-4172-B4B5-F7FDE94EB7DD}" type="datetimeFigureOut">
               <a:rPr lang="es-MX" smtClean="0"/>
-              <a:t>18/02/2019</a:t>
+              <a:t>21/02/2019</a:t>
             </a:fld>
             <a:endParaRPr lang="es-MX"/>
           </a:p>
@@ -2419,7 +2419,7 @@
           <a:p>
             <a:fld id="{12D47082-DEE0-4172-B4B5-F7FDE94EB7DD}" type="datetimeFigureOut">
               <a:rPr lang="es-MX" smtClean="0"/>
-              <a:t>18/02/2019</a:t>
+              <a:t>21/02/2019</a:t>
             </a:fld>
             <a:endParaRPr lang="es-MX"/>
           </a:p>
@@ -2708,7 +2708,7 @@
           <a:p>
             <a:fld id="{12D47082-DEE0-4172-B4B5-F7FDE94EB7DD}" type="datetimeFigureOut">
               <a:rPr lang="es-MX" smtClean="0"/>
-              <a:t>18/02/2019</a:t>
+              <a:t>21/02/2019</a:t>
             </a:fld>
             <a:endParaRPr lang="es-MX"/>
           </a:p>
@@ -2951,7 +2951,7 @@
           <a:p>
             <a:fld id="{12D47082-DEE0-4172-B4B5-F7FDE94EB7DD}" type="datetimeFigureOut">
               <a:rPr lang="es-MX" smtClean="0"/>
-              <a:t>18/02/2019</a:t>
+              <a:t>21/02/2019</a:t>
             </a:fld>
             <a:endParaRPr lang="es-MX"/>
           </a:p>
@@ -3465,7 +3465,7 @@
           <p:nvPr>
             <p:extLst>
               <p:ext uri="{D42A27DB-BD31-4B8C-83A1-F6EECF244321}">
-                <p14:modId xmlns:p14="http://schemas.microsoft.com/office/powerpoint/2010/main" val="3902461706"/>
+                <p14:modId xmlns:p14="http://schemas.microsoft.com/office/powerpoint/2010/main" val="3490089012"/>
               </p:ext>
             </p:extLst>
           </p:nvPr>
@@ -3549,6 +3549,10 @@
                     <a:bodyPr/>
                     <a:lstStyle/>
                     <a:p>
+                      <a:r>
+                        <a:rPr lang="es-MX" dirty="0" err="1"/>
+                        <a:t>Tipo_Concepto</a:t>
+                      </a:r>
                       <a:endParaRPr lang="es-MX" dirty="0"/>
                     </a:p>
                   </a:txBody>
@@ -3612,7 +3616,10 @@
                     <a:bodyPr/>
                     <a:lstStyle/>
                     <a:p>
-                      <a:endParaRPr lang="es-MX" dirty="0"/>
+                      <a:r>
+                        <a:rPr lang="es-MX" dirty="0"/>
+                        <a:t>Percepción</a:t>
+                      </a:r>
                     </a:p>
                   </a:txBody>
                   <a:tcPr/>
@@ -3692,7 +3699,10 @@
                         <a:tabLst/>
                         <a:defRPr/>
                       </a:pPr>
-                      <a:endParaRPr lang="es-MX" dirty="0"/>
+                      <a:r>
+                        <a:rPr lang="es-MX" dirty="0"/>
+                        <a:t>Percepción</a:t>
+                      </a:r>
                     </a:p>
                   </a:txBody>
                   <a:tcPr/>
@@ -3875,7 +3885,27 @@
                     <a:bodyPr/>
                     <a:lstStyle/>
                     <a:p>
-                      <a:endParaRPr lang="es-MX" dirty="0"/>
+                      <a:pPr marL="0" marR="0" lvl="0" indent="0" algn="l" defTabSz="914400" rtl="0" eaLnBrk="1" fontAlgn="auto" latinLnBrk="0" hangingPunct="1">
+                        <a:lnSpc>
+                          <a:spcPct val="100000"/>
+                        </a:lnSpc>
+                        <a:spcBef>
+                          <a:spcPts val="0"/>
+                        </a:spcBef>
+                        <a:spcAft>
+                          <a:spcPts val="0"/>
+                        </a:spcAft>
+                        <a:buClrTx/>
+                        <a:buSzTx/>
+                        <a:buFontTx/>
+                        <a:buNone/>
+                        <a:tabLst/>
+                        <a:defRPr/>
+                      </a:pPr>
+                      <a:r>
+                        <a:rPr lang="es-MX" dirty="0"/>
+                        <a:t>Deducción</a:t>
+                      </a:r>
                     </a:p>
                   </a:txBody>
                   <a:tcPr/>
